--- a/csc402-ln015.pptx
+++ b/csc402-ln015.pptx
@@ -5,7 +5,7 @@
     <p:sldMasterId id="2147483649" r:id="rId1"/>
   </p:sldMasterIdLst>
   <p:notesMasterIdLst>
-    <p:notesMasterId r:id="rId19"/>
+    <p:notesMasterId r:id="rId45"/>
   </p:notesMasterIdLst>
   <p:sldIdLst>
     <p:sldId id="256" r:id="rId2"/>
@@ -24,7 +24,33 @@
     <p:sldId id="268" r:id="rId15"/>
     <p:sldId id="265" r:id="rId16"/>
     <p:sldId id="270" r:id="rId17"/>
-    <p:sldId id="274" r:id="rId18"/>
+    <p:sldId id="275" r:id="rId18"/>
+    <p:sldId id="274" r:id="rId19"/>
+    <p:sldId id="276" r:id="rId20"/>
+    <p:sldId id="277" r:id="rId21"/>
+    <p:sldId id="278" r:id="rId22"/>
+    <p:sldId id="279" r:id="rId23"/>
+    <p:sldId id="280" r:id="rId24"/>
+    <p:sldId id="281" r:id="rId25"/>
+    <p:sldId id="282" r:id="rId26"/>
+    <p:sldId id="283" r:id="rId27"/>
+    <p:sldId id="284" r:id="rId28"/>
+    <p:sldId id="285" r:id="rId29"/>
+    <p:sldId id="286" r:id="rId30"/>
+    <p:sldId id="287" r:id="rId31"/>
+    <p:sldId id="300" r:id="rId32"/>
+    <p:sldId id="288" r:id="rId33"/>
+    <p:sldId id="289" r:id="rId34"/>
+    <p:sldId id="290" r:id="rId35"/>
+    <p:sldId id="291" r:id="rId36"/>
+    <p:sldId id="292" r:id="rId37"/>
+    <p:sldId id="293" r:id="rId38"/>
+    <p:sldId id="294" r:id="rId39"/>
+    <p:sldId id="295" r:id="rId40"/>
+    <p:sldId id="296" r:id="rId41"/>
+    <p:sldId id="297" r:id="rId42"/>
+    <p:sldId id="298" r:id="rId43"/>
+    <p:sldId id="299" r:id="rId44"/>
   </p:sldIdLst>
   <p:sldSz cx="9144000" cy="6858000" type="screen4x3"/>
   <p:notesSz cx="6858000" cy="9144000"/>
@@ -224,14 +250,14 @@
               <ma14:placeholderFlag xmlns:ma14="http://schemas.microsoft.com/office/mac/drawingml/2011/main" val="1"/>
             </a:ext>
             <a:ext uri="{909E8E84-426E-40dd-AFC4-6F175D3DCCD1}">
-              <a14:hiddenFill xmlns:a14="http://schemas.microsoft.com/office/drawing/2010/main" xmlns="">
+              <a14:hiddenFill xmlns="" xmlns:a14="http://schemas.microsoft.com/office/drawing/2010/main">
                 <a:solidFill>
                   <a:schemeClr val="accent1"/>
                 </a:solidFill>
               </a14:hiddenFill>
             </a:ext>
             <a:ext uri="{91240B29-F687-4f45-9708-019B960494DF}">
-              <a14:hiddenLine xmlns:a14="http://schemas.microsoft.com/office/drawing/2010/main" xmlns="" w="9525">
+              <a14:hiddenLine xmlns="" xmlns:a14="http://schemas.microsoft.com/office/drawing/2010/main" w="9525">
                 <a:solidFill>
                   <a:schemeClr val="tx1"/>
                 </a:solidFill>
@@ -285,14 +311,14 @@
               <ma14:placeholderFlag xmlns:ma14="http://schemas.microsoft.com/office/mac/drawingml/2011/main" val="1"/>
             </a:ext>
             <a:ext uri="{909E8E84-426E-40dd-AFC4-6F175D3DCCD1}">
-              <a14:hiddenFill xmlns:a14="http://schemas.microsoft.com/office/drawing/2010/main" xmlns="">
+              <a14:hiddenFill xmlns="" xmlns:a14="http://schemas.microsoft.com/office/drawing/2010/main">
                 <a:solidFill>
                   <a:schemeClr val="accent1"/>
                 </a:solidFill>
               </a14:hiddenFill>
             </a:ext>
             <a:ext uri="{91240B29-F687-4f45-9708-019B960494DF}">
-              <a14:hiddenLine xmlns:a14="http://schemas.microsoft.com/office/drawing/2010/main" xmlns="" w="9525">
+              <a14:hiddenLine xmlns="" xmlns:a14="http://schemas.microsoft.com/office/drawing/2010/main" w="9525">
                 <a:solidFill>
                   <a:schemeClr val="tx1"/>
                 </a:solidFill>
@@ -349,7 +375,7 @@
           <a:effectLst/>
           <a:extLst>
             <a:ext uri="{AF507438-7753-43e0-B8FC-AC1667EBCBE1}">
-              <a14:hiddenEffects xmlns:a14="http://schemas.microsoft.com/office/drawing/2010/main" xmlns="">
+              <a14:hiddenEffects xmlns="" xmlns:a14="http://schemas.microsoft.com/office/drawing/2010/main">
                 <a:effectLst>
                   <a:outerShdw blurRad="63500" dist="38099" dir="2700000" algn="ctr" rotWithShape="0">
                     <a:srgbClr val="000000">
@@ -360,7 +386,7 @@
               </a14:hiddenEffects>
             </a:ext>
             <a:ext uri="{53640926-AAD7-44d8-BBD7-CCE9431645EC}">
-              <a14:shadowObscured xmlns:a14="http://schemas.microsoft.com/office/drawing/2010/main" xmlns="" val="1"/>
+              <a14:shadowObscured xmlns="" xmlns:a14="http://schemas.microsoft.com/office/drawing/2010/main" val="1"/>
             </a:ext>
           </a:extLst>
         </p:spPr>
@@ -392,14 +418,14 @@
               <ma14:placeholderFlag xmlns:ma14="http://schemas.microsoft.com/office/mac/drawingml/2011/main" val="1"/>
             </a:ext>
             <a:ext uri="{909E8E84-426E-40dd-AFC4-6F175D3DCCD1}">
-              <a14:hiddenFill xmlns:a14="http://schemas.microsoft.com/office/drawing/2010/main" xmlns="">
+              <a14:hiddenFill xmlns="" xmlns:a14="http://schemas.microsoft.com/office/drawing/2010/main">
                 <a:solidFill>
                   <a:schemeClr val="accent1"/>
                 </a:solidFill>
               </a14:hiddenFill>
             </a:ext>
             <a:ext uri="{91240B29-F687-4f45-9708-019B960494DF}">
-              <a14:hiddenLine xmlns:a14="http://schemas.microsoft.com/office/drawing/2010/main" xmlns="" w="9525">
+              <a14:hiddenLine xmlns="" xmlns:a14="http://schemas.microsoft.com/office/drawing/2010/main" w="9525">
                 <a:solidFill>
                   <a:schemeClr val="tx1"/>
                 </a:solidFill>
@@ -481,14 +507,14 @@
               <ma14:placeholderFlag xmlns:ma14="http://schemas.microsoft.com/office/mac/drawingml/2011/main" val="1"/>
             </a:ext>
             <a:ext uri="{909E8E84-426E-40dd-AFC4-6F175D3DCCD1}">
-              <a14:hiddenFill xmlns:a14="http://schemas.microsoft.com/office/drawing/2010/main" xmlns="">
+              <a14:hiddenFill xmlns="" xmlns:a14="http://schemas.microsoft.com/office/drawing/2010/main">
                 <a:solidFill>
                   <a:schemeClr val="accent1"/>
                 </a:solidFill>
               </a14:hiddenFill>
             </a:ext>
             <a:ext uri="{91240B29-F687-4f45-9708-019B960494DF}">
-              <a14:hiddenLine xmlns:a14="http://schemas.microsoft.com/office/drawing/2010/main" xmlns="" w="9525">
+              <a14:hiddenLine xmlns="" xmlns:a14="http://schemas.microsoft.com/office/drawing/2010/main" w="9525">
                 <a:solidFill>
                   <a:schemeClr val="tx1"/>
                 </a:solidFill>
@@ -542,14 +568,14 @@
               <ma14:placeholderFlag xmlns:ma14="http://schemas.microsoft.com/office/mac/drawingml/2011/main" val="1"/>
             </a:ext>
             <a:ext uri="{909E8E84-426E-40dd-AFC4-6F175D3DCCD1}">
-              <a14:hiddenFill xmlns:a14="http://schemas.microsoft.com/office/drawing/2010/main" xmlns="">
+              <a14:hiddenFill xmlns="" xmlns:a14="http://schemas.microsoft.com/office/drawing/2010/main">
                 <a:solidFill>
                   <a:schemeClr val="accent1"/>
                 </a:solidFill>
               </a14:hiddenFill>
             </a:ext>
             <a:ext uri="{91240B29-F687-4f45-9708-019B960494DF}">
-              <a14:hiddenLine xmlns:a14="http://schemas.microsoft.com/office/drawing/2010/main" xmlns="" w="9525">
+              <a14:hiddenLine xmlns="" xmlns:a14="http://schemas.microsoft.com/office/drawing/2010/main" w="9525">
                 <a:solidFill>
                   <a:schemeClr val="tx1"/>
                 </a:solidFill>
@@ -2087,12 +2113,12 @@
           <a:effectLst/>
           <a:extLst>
             <a:ext uri="{909E8E84-426E-40dd-AFC4-6F175D3DCCD1}">
-              <a14:hiddenFill xmlns:a14="http://schemas.microsoft.com/office/drawing/2010/main" xmlns="">
+              <a14:hiddenFill xmlns="" xmlns:a14="http://schemas.microsoft.com/office/drawing/2010/main">
                 <a:noFill/>
               </a14:hiddenFill>
             </a:ext>
             <a:ext uri="{AF507438-7753-43e0-B8FC-AC1667EBCBE1}">
-              <a14:hiddenEffects xmlns:a14="http://schemas.microsoft.com/office/drawing/2010/main" xmlns="">
+              <a14:hiddenEffects xmlns="" xmlns:a14="http://schemas.microsoft.com/office/drawing/2010/main">
                 <a:effectLst>
                   <a:outerShdw blurRad="63500" dist="38099" dir="2700000" algn="ctr" rotWithShape="0">
                     <a:schemeClr val="bg2">
@@ -2293,7 +2319,7 @@
             <a:effectLst/>
             <a:extLst>
               <a:ext uri="{91240B29-F687-4f45-9708-019B960494DF}">
-                <a14:hiddenLine xmlns:a14="http://schemas.microsoft.com/office/drawing/2010/main" xmlns="" w="9525">
+                <a14:hiddenLine xmlns="" xmlns:a14="http://schemas.microsoft.com/office/drawing/2010/main" w="9525">
                   <a:solidFill>
                     <a:schemeClr val="tx1"/>
                   </a:solidFill>
@@ -2303,7 +2329,7 @@
                 </a14:hiddenLine>
               </a:ext>
               <a:ext uri="{AF507438-7753-43e0-B8FC-AC1667EBCBE1}">
-                <a14:hiddenEffects xmlns:a14="http://schemas.microsoft.com/office/drawing/2010/main" xmlns="">
+                <a14:hiddenEffects xmlns="" xmlns:a14="http://schemas.microsoft.com/office/drawing/2010/main">
                   <a:effectLst>
                     <a:outerShdw blurRad="63500" dist="38099" dir="2700000" algn="ctr" rotWithShape="0">
                       <a:schemeClr val="bg2">
@@ -2348,7 +2374,7 @@
             <a:effectLst/>
             <a:extLst>
               <a:ext uri="{91240B29-F687-4f45-9708-019B960494DF}">
-                <a14:hiddenLine xmlns:a14="http://schemas.microsoft.com/office/drawing/2010/main" xmlns="" w="9525">
+                <a14:hiddenLine xmlns="" xmlns:a14="http://schemas.microsoft.com/office/drawing/2010/main" w="9525">
                   <a:solidFill>
                     <a:schemeClr val="tx1"/>
                   </a:solidFill>
@@ -2358,7 +2384,7 @@
                 </a14:hiddenLine>
               </a:ext>
               <a:ext uri="{AF507438-7753-43e0-B8FC-AC1667EBCBE1}">
-                <a14:hiddenEffects xmlns:a14="http://schemas.microsoft.com/office/drawing/2010/main" xmlns="">
+                <a14:hiddenEffects xmlns="" xmlns:a14="http://schemas.microsoft.com/office/drawing/2010/main">
                   <a:effectLst>
                     <a:outerShdw blurRad="63500" dist="38099" dir="2700000" algn="ctr" rotWithShape="0">
                       <a:schemeClr val="bg2">
@@ -2403,7 +2429,7 @@
             <a:effectLst/>
             <a:extLst>
               <a:ext uri="{91240B29-F687-4f45-9708-019B960494DF}">
-                <a14:hiddenLine xmlns:a14="http://schemas.microsoft.com/office/drawing/2010/main" xmlns="" w="9525">
+                <a14:hiddenLine xmlns="" xmlns:a14="http://schemas.microsoft.com/office/drawing/2010/main" w="9525">
                   <a:solidFill>
                     <a:schemeClr val="tx1"/>
                   </a:solidFill>
@@ -2413,7 +2439,7 @@
                 </a14:hiddenLine>
               </a:ext>
               <a:ext uri="{AF507438-7753-43e0-B8FC-AC1667EBCBE1}">
-                <a14:hiddenEffects xmlns:a14="http://schemas.microsoft.com/office/drawing/2010/main" xmlns="">
+                <a14:hiddenEffects xmlns="" xmlns:a14="http://schemas.microsoft.com/office/drawing/2010/main">
                   <a:effectLst>
                     <a:outerShdw blurRad="63500" dist="38099" dir="2700000" algn="ctr" rotWithShape="0">
                       <a:schemeClr val="bg2">
@@ -2458,7 +2484,7 @@
             <a:effectLst/>
             <a:extLst>
               <a:ext uri="{91240B29-F687-4f45-9708-019B960494DF}">
-                <a14:hiddenLine xmlns:a14="http://schemas.microsoft.com/office/drawing/2010/main" xmlns="" w="9525">
+                <a14:hiddenLine xmlns="" xmlns:a14="http://schemas.microsoft.com/office/drawing/2010/main" w="9525">
                   <a:solidFill>
                     <a:schemeClr val="tx1"/>
                   </a:solidFill>
@@ -2468,7 +2494,7 @@
                 </a14:hiddenLine>
               </a:ext>
               <a:ext uri="{AF507438-7753-43e0-B8FC-AC1667EBCBE1}">
-                <a14:hiddenEffects xmlns:a14="http://schemas.microsoft.com/office/drawing/2010/main" xmlns="">
+                <a14:hiddenEffects xmlns="" xmlns:a14="http://schemas.microsoft.com/office/drawing/2010/main">
                   <a:effectLst>
                     <a:outerShdw blurRad="63500" dist="38099" dir="2700000" algn="ctr" rotWithShape="0">
                       <a:schemeClr val="bg2">
@@ -2513,7 +2539,7 @@
             <a:effectLst/>
             <a:extLst>
               <a:ext uri="{91240B29-F687-4f45-9708-019B960494DF}">
-                <a14:hiddenLine xmlns:a14="http://schemas.microsoft.com/office/drawing/2010/main" xmlns="" w="9525">
+                <a14:hiddenLine xmlns="" xmlns:a14="http://schemas.microsoft.com/office/drawing/2010/main" w="9525">
                   <a:solidFill>
                     <a:schemeClr val="tx1"/>
                   </a:solidFill>
@@ -2523,7 +2549,7 @@
                 </a14:hiddenLine>
               </a:ext>
               <a:ext uri="{AF507438-7753-43e0-B8FC-AC1667EBCBE1}">
-                <a14:hiddenEffects xmlns:a14="http://schemas.microsoft.com/office/drawing/2010/main" xmlns="">
+                <a14:hiddenEffects xmlns="" xmlns:a14="http://schemas.microsoft.com/office/drawing/2010/main">
                   <a:effectLst>
                     <a:outerShdw blurRad="63500" dist="38099" dir="2700000" algn="ctr" rotWithShape="0">
                       <a:schemeClr val="bg2">
@@ -2568,7 +2594,7 @@
             <a:effectLst/>
             <a:extLst>
               <a:ext uri="{91240B29-F687-4f45-9708-019B960494DF}">
-                <a14:hiddenLine xmlns:a14="http://schemas.microsoft.com/office/drawing/2010/main" xmlns="" w="9525">
+                <a14:hiddenLine xmlns="" xmlns:a14="http://schemas.microsoft.com/office/drawing/2010/main" w="9525">
                   <a:solidFill>
                     <a:schemeClr val="tx1"/>
                   </a:solidFill>
@@ -2578,7 +2604,7 @@
                 </a14:hiddenLine>
               </a:ext>
               <a:ext uri="{AF507438-7753-43e0-B8FC-AC1667EBCBE1}">
-                <a14:hiddenEffects xmlns:a14="http://schemas.microsoft.com/office/drawing/2010/main" xmlns="">
+                <a14:hiddenEffects xmlns="" xmlns:a14="http://schemas.microsoft.com/office/drawing/2010/main">
                   <a:effectLst>
                     <a:outerShdw blurRad="63500" dist="38099" dir="2700000" algn="ctr" rotWithShape="0">
                       <a:schemeClr val="bg2">
@@ -2623,7 +2649,7 @@
             <a:effectLst/>
             <a:extLst>
               <a:ext uri="{91240B29-F687-4f45-9708-019B960494DF}">
-                <a14:hiddenLine xmlns:a14="http://schemas.microsoft.com/office/drawing/2010/main" xmlns="" w="9525">
+                <a14:hiddenLine xmlns="" xmlns:a14="http://schemas.microsoft.com/office/drawing/2010/main" w="9525">
                   <a:solidFill>
                     <a:schemeClr val="tx1"/>
                   </a:solidFill>
@@ -2633,7 +2659,7 @@
                 </a14:hiddenLine>
               </a:ext>
               <a:ext uri="{AF507438-7753-43e0-B8FC-AC1667EBCBE1}">
-                <a14:hiddenEffects xmlns:a14="http://schemas.microsoft.com/office/drawing/2010/main" xmlns="">
+                <a14:hiddenEffects xmlns="" xmlns:a14="http://schemas.microsoft.com/office/drawing/2010/main">
                   <a:effectLst>
                     <a:outerShdw blurRad="63500" dist="38099" dir="2700000" algn="ctr" rotWithShape="0">
                       <a:schemeClr val="bg2">
@@ -2678,7 +2704,7 @@
             <a:effectLst/>
             <a:extLst>
               <a:ext uri="{91240B29-F687-4f45-9708-019B960494DF}">
-                <a14:hiddenLine xmlns:a14="http://schemas.microsoft.com/office/drawing/2010/main" xmlns="" w="9525">
+                <a14:hiddenLine xmlns="" xmlns:a14="http://schemas.microsoft.com/office/drawing/2010/main" w="9525">
                   <a:solidFill>
                     <a:schemeClr val="tx1"/>
                   </a:solidFill>
@@ -2688,7 +2714,7 @@
                 </a14:hiddenLine>
               </a:ext>
               <a:ext uri="{AF507438-7753-43e0-B8FC-AC1667EBCBE1}">
-                <a14:hiddenEffects xmlns:a14="http://schemas.microsoft.com/office/drawing/2010/main" xmlns="">
+                <a14:hiddenEffects xmlns="" xmlns:a14="http://schemas.microsoft.com/office/drawing/2010/main">
                   <a:effectLst>
                     <a:outerShdw blurRad="63500" dist="38099" dir="2700000" algn="ctr" rotWithShape="0">
                       <a:schemeClr val="bg2">
@@ -2733,7 +2759,7 @@
             <a:effectLst/>
             <a:extLst>
               <a:ext uri="{91240B29-F687-4f45-9708-019B960494DF}">
-                <a14:hiddenLine xmlns:a14="http://schemas.microsoft.com/office/drawing/2010/main" xmlns="" w="9525">
+                <a14:hiddenLine xmlns="" xmlns:a14="http://schemas.microsoft.com/office/drawing/2010/main" w="9525">
                   <a:solidFill>
                     <a:schemeClr val="tx1"/>
                   </a:solidFill>
@@ -2743,7 +2769,7 @@
                 </a14:hiddenLine>
               </a:ext>
               <a:ext uri="{AF507438-7753-43e0-B8FC-AC1667EBCBE1}">
-                <a14:hiddenEffects xmlns:a14="http://schemas.microsoft.com/office/drawing/2010/main" xmlns="">
+                <a14:hiddenEffects xmlns="" xmlns:a14="http://schemas.microsoft.com/office/drawing/2010/main">
                   <a:effectLst>
                     <a:outerShdw blurRad="63500" dist="38099" dir="2700000" algn="ctr" rotWithShape="0">
                       <a:schemeClr val="bg2">
@@ -2788,7 +2814,7 @@
             <a:effectLst/>
             <a:extLst>
               <a:ext uri="{91240B29-F687-4f45-9708-019B960494DF}">
-                <a14:hiddenLine xmlns:a14="http://schemas.microsoft.com/office/drawing/2010/main" xmlns="" w="9525">
+                <a14:hiddenLine xmlns="" xmlns:a14="http://schemas.microsoft.com/office/drawing/2010/main" w="9525">
                   <a:solidFill>
                     <a:schemeClr val="tx1"/>
                   </a:solidFill>
@@ -2798,7 +2824,7 @@
                 </a14:hiddenLine>
               </a:ext>
               <a:ext uri="{AF507438-7753-43e0-B8FC-AC1667EBCBE1}">
-                <a14:hiddenEffects xmlns:a14="http://schemas.microsoft.com/office/drawing/2010/main" xmlns="">
+                <a14:hiddenEffects xmlns="" xmlns:a14="http://schemas.microsoft.com/office/drawing/2010/main">
                   <a:effectLst>
                     <a:outerShdw blurRad="63500" dist="38099" dir="2700000" algn="ctr" rotWithShape="0">
                       <a:schemeClr val="bg2">
@@ -2843,7 +2869,7 @@
             <a:effectLst/>
             <a:extLst>
               <a:ext uri="{91240B29-F687-4f45-9708-019B960494DF}">
-                <a14:hiddenLine xmlns:a14="http://schemas.microsoft.com/office/drawing/2010/main" xmlns="" w="9525">
+                <a14:hiddenLine xmlns="" xmlns:a14="http://schemas.microsoft.com/office/drawing/2010/main" w="9525">
                   <a:solidFill>
                     <a:schemeClr val="tx1"/>
                   </a:solidFill>
@@ -2853,7 +2879,7 @@
                 </a14:hiddenLine>
               </a:ext>
               <a:ext uri="{AF507438-7753-43e0-B8FC-AC1667EBCBE1}">
-                <a14:hiddenEffects xmlns:a14="http://schemas.microsoft.com/office/drawing/2010/main" xmlns="">
+                <a14:hiddenEffects xmlns="" xmlns:a14="http://schemas.microsoft.com/office/drawing/2010/main">
                   <a:effectLst>
                     <a:outerShdw blurRad="63500" dist="38099" dir="2700000" algn="ctr" rotWithShape="0">
                       <a:schemeClr val="bg2">
@@ -2898,7 +2924,7 @@
             <a:effectLst/>
             <a:extLst>
               <a:ext uri="{91240B29-F687-4f45-9708-019B960494DF}">
-                <a14:hiddenLine xmlns:a14="http://schemas.microsoft.com/office/drawing/2010/main" xmlns="" w="9525">
+                <a14:hiddenLine xmlns="" xmlns:a14="http://schemas.microsoft.com/office/drawing/2010/main" w="9525">
                   <a:solidFill>
                     <a:schemeClr val="tx1"/>
                   </a:solidFill>
@@ -2908,7 +2934,7 @@
                 </a14:hiddenLine>
               </a:ext>
               <a:ext uri="{AF507438-7753-43e0-B8FC-AC1667EBCBE1}">
-                <a14:hiddenEffects xmlns:a14="http://schemas.microsoft.com/office/drawing/2010/main" xmlns="">
+                <a14:hiddenEffects xmlns="" xmlns:a14="http://schemas.microsoft.com/office/drawing/2010/main">
                   <a:effectLst>
                     <a:outerShdw blurRad="63500" dist="38099" dir="2700000" algn="ctr" rotWithShape="0">
                       <a:schemeClr val="bg2">
@@ -2953,7 +2979,7 @@
             <a:effectLst/>
             <a:extLst>
               <a:ext uri="{91240B29-F687-4f45-9708-019B960494DF}">
-                <a14:hiddenLine xmlns:a14="http://schemas.microsoft.com/office/drawing/2010/main" xmlns="" w="9525">
+                <a14:hiddenLine xmlns="" xmlns:a14="http://schemas.microsoft.com/office/drawing/2010/main" w="9525">
                   <a:solidFill>
                     <a:schemeClr val="tx1"/>
                   </a:solidFill>
@@ -2963,7 +2989,7 @@
                 </a14:hiddenLine>
               </a:ext>
               <a:ext uri="{AF507438-7753-43e0-B8FC-AC1667EBCBE1}">
-                <a14:hiddenEffects xmlns:a14="http://schemas.microsoft.com/office/drawing/2010/main" xmlns="">
+                <a14:hiddenEffects xmlns="" xmlns:a14="http://schemas.microsoft.com/office/drawing/2010/main">
                   <a:effectLst>
                     <a:outerShdw blurRad="63500" dist="38099" dir="2700000" algn="ctr" rotWithShape="0">
                       <a:schemeClr val="bg2">
@@ -3008,7 +3034,7 @@
             <a:effectLst/>
             <a:extLst>
               <a:ext uri="{91240B29-F687-4f45-9708-019B960494DF}">
-                <a14:hiddenLine xmlns:a14="http://schemas.microsoft.com/office/drawing/2010/main" xmlns="" w="9525">
+                <a14:hiddenLine xmlns="" xmlns:a14="http://schemas.microsoft.com/office/drawing/2010/main" w="9525">
                   <a:solidFill>
                     <a:schemeClr val="tx1"/>
                   </a:solidFill>
@@ -3018,7 +3044,7 @@
                 </a14:hiddenLine>
               </a:ext>
               <a:ext uri="{AF507438-7753-43e0-B8FC-AC1667EBCBE1}">
-                <a14:hiddenEffects xmlns:a14="http://schemas.microsoft.com/office/drawing/2010/main" xmlns="">
+                <a14:hiddenEffects xmlns="" xmlns:a14="http://schemas.microsoft.com/office/drawing/2010/main">
                   <a:effectLst>
                     <a:outerShdw blurRad="63500" dist="38099" dir="2700000" algn="ctr" rotWithShape="0">
                       <a:schemeClr val="bg2">
@@ -3063,7 +3089,7 @@
             <a:effectLst/>
             <a:extLst>
               <a:ext uri="{91240B29-F687-4f45-9708-019B960494DF}">
-                <a14:hiddenLine xmlns:a14="http://schemas.microsoft.com/office/drawing/2010/main" xmlns="" w="9525">
+                <a14:hiddenLine xmlns="" xmlns:a14="http://schemas.microsoft.com/office/drawing/2010/main" w="9525">
                   <a:solidFill>
                     <a:schemeClr val="tx1"/>
                   </a:solidFill>
@@ -3073,7 +3099,7 @@
                 </a14:hiddenLine>
               </a:ext>
               <a:ext uri="{AF507438-7753-43e0-B8FC-AC1667EBCBE1}">
-                <a14:hiddenEffects xmlns:a14="http://schemas.microsoft.com/office/drawing/2010/main" xmlns="">
+                <a14:hiddenEffects xmlns="" xmlns:a14="http://schemas.microsoft.com/office/drawing/2010/main">
                   <a:effectLst>
                     <a:outerShdw blurRad="63500" dist="38099" dir="2700000" algn="ctr" rotWithShape="0">
                       <a:schemeClr val="bg2">
@@ -3118,7 +3144,7 @@
             <a:effectLst/>
             <a:extLst>
               <a:ext uri="{91240B29-F687-4f45-9708-019B960494DF}">
-                <a14:hiddenLine xmlns:a14="http://schemas.microsoft.com/office/drawing/2010/main" xmlns="" w="9525">
+                <a14:hiddenLine xmlns="" xmlns:a14="http://schemas.microsoft.com/office/drawing/2010/main" w="9525">
                   <a:solidFill>
                     <a:schemeClr val="tx1"/>
                   </a:solidFill>
@@ -3128,7 +3154,7 @@
                 </a14:hiddenLine>
               </a:ext>
               <a:ext uri="{AF507438-7753-43e0-B8FC-AC1667EBCBE1}">
-                <a14:hiddenEffects xmlns:a14="http://schemas.microsoft.com/office/drawing/2010/main" xmlns="">
+                <a14:hiddenEffects xmlns="" xmlns:a14="http://schemas.microsoft.com/office/drawing/2010/main">
                   <a:effectLst>
                     <a:outerShdw blurRad="63500" dist="38099" dir="2700000" algn="ctr" rotWithShape="0">
                       <a:schemeClr val="bg2">
@@ -3173,7 +3199,7 @@
             <a:effectLst/>
             <a:extLst>
               <a:ext uri="{91240B29-F687-4f45-9708-019B960494DF}">
-                <a14:hiddenLine xmlns:a14="http://schemas.microsoft.com/office/drawing/2010/main" xmlns="" w="9525">
+                <a14:hiddenLine xmlns="" xmlns:a14="http://schemas.microsoft.com/office/drawing/2010/main" w="9525">
                   <a:solidFill>
                     <a:schemeClr val="tx1"/>
                   </a:solidFill>
@@ -3183,7 +3209,7 @@
                 </a14:hiddenLine>
               </a:ext>
               <a:ext uri="{AF507438-7753-43e0-B8FC-AC1667EBCBE1}">
-                <a14:hiddenEffects xmlns:a14="http://schemas.microsoft.com/office/drawing/2010/main" xmlns="">
+                <a14:hiddenEffects xmlns="" xmlns:a14="http://schemas.microsoft.com/office/drawing/2010/main">
                   <a:effectLst>
                     <a:outerShdw blurRad="63500" dist="38099" dir="2700000" algn="ctr" rotWithShape="0">
                       <a:schemeClr val="bg2">
@@ -3228,7 +3254,7 @@
             <a:effectLst/>
             <a:extLst>
               <a:ext uri="{91240B29-F687-4f45-9708-019B960494DF}">
-                <a14:hiddenLine xmlns:a14="http://schemas.microsoft.com/office/drawing/2010/main" xmlns="" w="9525">
+                <a14:hiddenLine xmlns="" xmlns:a14="http://schemas.microsoft.com/office/drawing/2010/main" w="9525">
                   <a:solidFill>
                     <a:schemeClr val="tx1"/>
                   </a:solidFill>
@@ -3238,7 +3264,7 @@
                 </a14:hiddenLine>
               </a:ext>
               <a:ext uri="{AF507438-7753-43e0-B8FC-AC1667EBCBE1}">
-                <a14:hiddenEffects xmlns:a14="http://schemas.microsoft.com/office/drawing/2010/main" xmlns="">
+                <a14:hiddenEffects xmlns="" xmlns:a14="http://schemas.microsoft.com/office/drawing/2010/main">
                   <a:effectLst>
                     <a:outerShdw blurRad="63500" dist="38099" dir="2700000" algn="ctr" rotWithShape="0">
                       <a:schemeClr val="bg2">
@@ -3283,7 +3309,7 @@
             <a:effectLst/>
             <a:extLst>
               <a:ext uri="{91240B29-F687-4f45-9708-019B960494DF}">
-                <a14:hiddenLine xmlns:a14="http://schemas.microsoft.com/office/drawing/2010/main" xmlns="" w="9525">
+                <a14:hiddenLine xmlns="" xmlns:a14="http://schemas.microsoft.com/office/drawing/2010/main" w="9525">
                   <a:solidFill>
                     <a:schemeClr val="tx1"/>
                   </a:solidFill>
@@ -3293,7 +3319,7 @@
                 </a14:hiddenLine>
               </a:ext>
               <a:ext uri="{AF507438-7753-43e0-B8FC-AC1667EBCBE1}">
-                <a14:hiddenEffects xmlns:a14="http://schemas.microsoft.com/office/drawing/2010/main" xmlns="">
+                <a14:hiddenEffects xmlns="" xmlns:a14="http://schemas.microsoft.com/office/drawing/2010/main">
                   <a:effectLst>
                     <a:outerShdw blurRad="63500" dist="38099" dir="2700000" algn="ctr" rotWithShape="0">
                       <a:schemeClr val="bg2">
@@ -3338,7 +3364,7 @@
             <a:effectLst/>
             <a:extLst>
               <a:ext uri="{91240B29-F687-4f45-9708-019B960494DF}">
-                <a14:hiddenLine xmlns:a14="http://schemas.microsoft.com/office/drawing/2010/main" xmlns="" w="9525">
+                <a14:hiddenLine xmlns="" xmlns:a14="http://schemas.microsoft.com/office/drawing/2010/main" w="9525">
                   <a:solidFill>
                     <a:schemeClr val="tx1"/>
                   </a:solidFill>
@@ -3348,7 +3374,7 @@
                 </a14:hiddenLine>
               </a:ext>
               <a:ext uri="{AF507438-7753-43e0-B8FC-AC1667EBCBE1}">
-                <a14:hiddenEffects xmlns:a14="http://schemas.microsoft.com/office/drawing/2010/main" xmlns="">
+                <a14:hiddenEffects xmlns="" xmlns:a14="http://schemas.microsoft.com/office/drawing/2010/main">
                   <a:effectLst>
                     <a:outerShdw blurRad="63500" dist="38099" dir="2700000" algn="ctr" rotWithShape="0">
                       <a:schemeClr val="bg2">
@@ -3393,7 +3419,7 @@
             <a:effectLst/>
             <a:extLst>
               <a:ext uri="{91240B29-F687-4f45-9708-019B960494DF}">
-                <a14:hiddenLine xmlns:a14="http://schemas.microsoft.com/office/drawing/2010/main" xmlns="" w="9525">
+                <a14:hiddenLine xmlns="" xmlns:a14="http://schemas.microsoft.com/office/drawing/2010/main" w="9525">
                   <a:solidFill>
                     <a:schemeClr val="tx1"/>
                   </a:solidFill>
@@ -3403,7 +3429,7 @@
                 </a14:hiddenLine>
               </a:ext>
               <a:ext uri="{AF507438-7753-43e0-B8FC-AC1667EBCBE1}">
-                <a14:hiddenEffects xmlns:a14="http://schemas.microsoft.com/office/drawing/2010/main" xmlns="">
+                <a14:hiddenEffects xmlns="" xmlns:a14="http://schemas.microsoft.com/office/drawing/2010/main">
                   <a:effectLst>
                     <a:outerShdw blurRad="63500" dist="38099" dir="2700000" algn="ctr" rotWithShape="0">
                       <a:schemeClr val="bg2">
@@ -3448,7 +3474,7 @@
             <a:effectLst/>
             <a:extLst>
               <a:ext uri="{91240B29-F687-4f45-9708-019B960494DF}">
-                <a14:hiddenLine xmlns:a14="http://schemas.microsoft.com/office/drawing/2010/main" xmlns="" w="9525">
+                <a14:hiddenLine xmlns="" xmlns:a14="http://schemas.microsoft.com/office/drawing/2010/main" w="9525">
                   <a:solidFill>
                     <a:schemeClr val="tx1"/>
                   </a:solidFill>
@@ -3458,7 +3484,7 @@
                 </a14:hiddenLine>
               </a:ext>
               <a:ext uri="{AF507438-7753-43e0-B8FC-AC1667EBCBE1}">
-                <a14:hiddenEffects xmlns:a14="http://schemas.microsoft.com/office/drawing/2010/main" xmlns="">
+                <a14:hiddenEffects xmlns="" xmlns:a14="http://schemas.microsoft.com/office/drawing/2010/main">
                   <a:effectLst>
                     <a:outerShdw blurRad="63500" dist="38099" dir="2700000" algn="ctr" rotWithShape="0">
                       <a:schemeClr val="bg2">
@@ -3503,7 +3529,7 @@
             <a:effectLst/>
             <a:extLst>
               <a:ext uri="{91240B29-F687-4f45-9708-019B960494DF}">
-                <a14:hiddenLine xmlns:a14="http://schemas.microsoft.com/office/drawing/2010/main" xmlns="" w="9525">
+                <a14:hiddenLine xmlns="" xmlns:a14="http://schemas.microsoft.com/office/drawing/2010/main" w="9525">
                   <a:solidFill>
                     <a:schemeClr val="tx1"/>
                   </a:solidFill>
@@ -3513,7 +3539,7 @@
                 </a14:hiddenLine>
               </a:ext>
               <a:ext uri="{AF507438-7753-43e0-B8FC-AC1667EBCBE1}">
-                <a14:hiddenEffects xmlns:a14="http://schemas.microsoft.com/office/drawing/2010/main" xmlns="">
+                <a14:hiddenEffects xmlns="" xmlns:a14="http://schemas.microsoft.com/office/drawing/2010/main">
                   <a:effectLst>
                     <a:outerShdw blurRad="63500" dist="38099" dir="2700000" algn="ctr" rotWithShape="0">
                       <a:schemeClr val="bg2">
@@ -3558,7 +3584,7 @@
             <a:effectLst/>
             <a:extLst>
               <a:ext uri="{91240B29-F687-4f45-9708-019B960494DF}">
-                <a14:hiddenLine xmlns:a14="http://schemas.microsoft.com/office/drawing/2010/main" xmlns="" w="9525">
+                <a14:hiddenLine xmlns="" xmlns:a14="http://schemas.microsoft.com/office/drawing/2010/main" w="9525">
                   <a:solidFill>
                     <a:schemeClr val="tx1"/>
                   </a:solidFill>
@@ -3568,7 +3594,7 @@
                 </a14:hiddenLine>
               </a:ext>
               <a:ext uri="{AF507438-7753-43e0-B8FC-AC1667EBCBE1}">
-                <a14:hiddenEffects xmlns:a14="http://schemas.microsoft.com/office/drawing/2010/main" xmlns="">
+                <a14:hiddenEffects xmlns="" xmlns:a14="http://schemas.microsoft.com/office/drawing/2010/main">
                   <a:effectLst>
                     <a:outerShdw blurRad="63500" dist="38099" dir="2700000" algn="ctr" rotWithShape="0">
                       <a:schemeClr val="bg2">
@@ -3613,7 +3639,7 @@
             <a:effectLst/>
             <a:extLst>
               <a:ext uri="{91240B29-F687-4f45-9708-019B960494DF}">
-                <a14:hiddenLine xmlns:a14="http://schemas.microsoft.com/office/drawing/2010/main" xmlns="" w="9525">
+                <a14:hiddenLine xmlns="" xmlns:a14="http://schemas.microsoft.com/office/drawing/2010/main" w="9525">
                   <a:solidFill>
                     <a:schemeClr val="tx1"/>
                   </a:solidFill>
@@ -3623,7 +3649,7 @@
                 </a14:hiddenLine>
               </a:ext>
               <a:ext uri="{AF507438-7753-43e0-B8FC-AC1667EBCBE1}">
-                <a14:hiddenEffects xmlns:a14="http://schemas.microsoft.com/office/drawing/2010/main" xmlns="">
+                <a14:hiddenEffects xmlns="" xmlns:a14="http://schemas.microsoft.com/office/drawing/2010/main">
                   <a:effectLst>
                     <a:outerShdw blurRad="63500" dist="38099" dir="2700000" algn="ctr" rotWithShape="0">
                       <a:schemeClr val="bg2">
@@ -3668,7 +3694,7 @@
             <a:effectLst/>
             <a:extLst>
               <a:ext uri="{91240B29-F687-4f45-9708-019B960494DF}">
-                <a14:hiddenLine xmlns:a14="http://schemas.microsoft.com/office/drawing/2010/main" xmlns="" w="9525">
+                <a14:hiddenLine xmlns="" xmlns:a14="http://schemas.microsoft.com/office/drawing/2010/main" w="9525">
                   <a:solidFill>
                     <a:schemeClr val="tx1"/>
                   </a:solidFill>
@@ -3678,7 +3704,7 @@
                 </a14:hiddenLine>
               </a:ext>
               <a:ext uri="{AF507438-7753-43e0-B8FC-AC1667EBCBE1}">
-                <a14:hiddenEffects xmlns:a14="http://schemas.microsoft.com/office/drawing/2010/main" xmlns="">
+                <a14:hiddenEffects xmlns="" xmlns:a14="http://schemas.microsoft.com/office/drawing/2010/main">
                   <a:effectLst>
                     <a:outerShdw blurRad="63500" dist="38099" dir="2700000" algn="ctr" rotWithShape="0">
                       <a:schemeClr val="bg2">
@@ -3723,7 +3749,7 @@
             <a:effectLst/>
             <a:extLst>
               <a:ext uri="{91240B29-F687-4f45-9708-019B960494DF}">
-                <a14:hiddenLine xmlns:a14="http://schemas.microsoft.com/office/drawing/2010/main" xmlns="" w="9525">
+                <a14:hiddenLine xmlns="" xmlns:a14="http://schemas.microsoft.com/office/drawing/2010/main" w="9525">
                   <a:solidFill>
                     <a:schemeClr val="tx1"/>
                   </a:solidFill>
@@ -3733,7 +3759,7 @@
                 </a14:hiddenLine>
               </a:ext>
               <a:ext uri="{AF507438-7753-43e0-B8FC-AC1667EBCBE1}">
-                <a14:hiddenEffects xmlns:a14="http://schemas.microsoft.com/office/drawing/2010/main" xmlns="">
+                <a14:hiddenEffects xmlns="" xmlns:a14="http://schemas.microsoft.com/office/drawing/2010/main">
                   <a:effectLst>
                     <a:outerShdw blurRad="63500" dist="38099" dir="2700000" algn="ctr" rotWithShape="0">
                       <a:schemeClr val="bg2">
@@ -3778,7 +3804,7 @@
             <a:effectLst/>
             <a:extLst>
               <a:ext uri="{91240B29-F687-4f45-9708-019B960494DF}">
-                <a14:hiddenLine xmlns:a14="http://schemas.microsoft.com/office/drawing/2010/main" xmlns="" w="9525">
+                <a14:hiddenLine xmlns="" xmlns:a14="http://schemas.microsoft.com/office/drawing/2010/main" w="9525">
                   <a:solidFill>
                     <a:schemeClr val="tx1"/>
                   </a:solidFill>
@@ -3788,7 +3814,7 @@
                 </a14:hiddenLine>
               </a:ext>
               <a:ext uri="{AF507438-7753-43e0-B8FC-AC1667EBCBE1}">
-                <a14:hiddenEffects xmlns:a14="http://schemas.microsoft.com/office/drawing/2010/main" xmlns="">
+                <a14:hiddenEffects xmlns="" xmlns:a14="http://schemas.microsoft.com/office/drawing/2010/main">
                   <a:effectLst>
                     <a:outerShdw blurRad="63500" dist="38099" dir="2700000" algn="ctr" rotWithShape="0">
                       <a:schemeClr val="bg2">
@@ -3833,7 +3859,7 @@
             <a:effectLst/>
             <a:extLst>
               <a:ext uri="{91240B29-F687-4f45-9708-019B960494DF}">
-                <a14:hiddenLine xmlns:a14="http://schemas.microsoft.com/office/drawing/2010/main" xmlns="" w="9525">
+                <a14:hiddenLine xmlns="" xmlns:a14="http://schemas.microsoft.com/office/drawing/2010/main" w="9525">
                   <a:solidFill>
                     <a:schemeClr val="tx1"/>
                   </a:solidFill>
@@ -3843,7 +3869,7 @@
                 </a14:hiddenLine>
               </a:ext>
               <a:ext uri="{AF507438-7753-43e0-B8FC-AC1667EBCBE1}">
-                <a14:hiddenEffects xmlns:a14="http://schemas.microsoft.com/office/drawing/2010/main" xmlns="">
+                <a14:hiddenEffects xmlns="" xmlns:a14="http://schemas.microsoft.com/office/drawing/2010/main">
                   <a:effectLst>
                     <a:outerShdw blurRad="63500" dist="38099" dir="2700000" algn="ctr" rotWithShape="0">
                       <a:schemeClr val="bg2">
@@ -3888,7 +3914,7 @@
             <a:effectLst/>
             <a:extLst>
               <a:ext uri="{91240B29-F687-4f45-9708-019B960494DF}">
-                <a14:hiddenLine xmlns:a14="http://schemas.microsoft.com/office/drawing/2010/main" xmlns="" w="9525">
+                <a14:hiddenLine xmlns="" xmlns:a14="http://schemas.microsoft.com/office/drawing/2010/main" w="9525">
                   <a:solidFill>
                     <a:schemeClr val="tx1"/>
                   </a:solidFill>
@@ -3898,7 +3924,7 @@
                 </a14:hiddenLine>
               </a:ext>
               <a:ext uri="{AF507438-7753-43e0-B8FC-AC1667EBCBE1}">
-                <a14:hiddenEffects xmlns:a14="http://schemas.microsoft.com/office/drawing/2010/main" xmlns="">
+                <a14:hiddenEffects xmlns="" xmlns:a14="http://schemas.microsoft.com/office/drawing/2010/main">
                   <a:effectLst>
                     <a:outerShdw blurRad="63500" dist="38099" dir="2700000" algn="ctr" rotWithShape="0">
                       <a:schemeClr val="bg2">
@@ -3943,7 +3969,7 @@
             <a:effectLst/>
             <a:extLst>
               <a:ext uri="{91240B29-F687-4f45-9708-019B960494DF}">
-                <a14:hiddenLine xmlns:a14="http://schemas.microsoft.com/office/drawing/2010/main" xmlns="" w="9525">
+                <a14:hiddenLine xmlns="" xmlns:a14="http://schemas.microsoft.com/office/drawing/2010/main" w="9525">
                   <a:solidFill>
                     <a:schemeClr val="tx1"/>
                   </a:solidFill>
@@ -3953,7 +3979,7 @@
                 </a14:hiddenLine>
               </a:ext>
               <a:ext uri="{AF507438-7753-43e0-B8FC-AC1667EBCBE1}">
-                <a14:hiddenEffects xmlns:a14="http://schemas.microsoft.com/office/drawing/2010/main" xmlns="">
+                <a14:hiddenEffects xmlns="" xmlns:a14="http://schemas.microsoft.com/office/drawing/2010/main">
                   <a:effectLst>
                     <a:outerShdw blurRad="63500" dist="38099" dir="2700000" algn="ctr" rotWithShape="0">
                       <a:schemeClr val="bg2">
@@ -4002,12 +4028,12 @@
           <a:effectLst/>
           <a:extLst>
             <a:ext uri="{909E8E84-426E-40dd-AFC4-6F175D3DCCD1}">
-              <a14:hiddenFill xmlns:a14="http://schemas.microsoft.com/office/drawing/2010/main" xmlns="">
+              <a14:hiddenFill xmlns="" xmlns:a14="http://schemas.microsoft.com/office/drawing/2010/main">
                 <a:noFill/>
               </a14:hiddenFill>
             </a:ext>
             <a:ext uri="{AF507438-7753-43e0-B8FC-AC1667EBCBE1}">
-              <a14:hiddenEffects xmlns:a14="http://schemas.microsoft.com/office/drawing/2010/main" xmlns="">
+              <a14:hiddenEffects xmlns="" xmlns:a14="http://schemas.microsoft.com/office/drawing/2010/main">
                 <a:effectLst>
                   <a:outerShdw blurRad="63500" dist="38099" dir="2700000" algn="ctr" rotWithShape="0">
                     <a:schemeClr val="bg2">
@@ -6355,12 +6381,12 @@
           <a:effectLst/>
           <a:extLst>
             <a:ext uri="{909E8E84-426E-40dd-AFC4-6F175D3DCCD1}">
-              <a14:hiddenFill xmlns:a14="http://schemas.microsoft.com/office/drawing/2010/main" xmlns="">
+              <a14:hiddenFill xmlns="" xmlns:a14="http://schemas.microsoft.com/office/drawing/2010/main">
                 <a:noFill/>
               </a14:hiddenFill>
             </a:ext>
             <a:ext uri="{AF507438-7753-43e0-B8FC-AC1667EBCBE1}">
-              <a14:hiddenEffects xmlns:a14="http://schemas.microsoft.com/office/drawing/2010/main" xmlns="">
+              <a14:hiddenEffects xmlns="" xmlns:a14="http://schemas.microsoft.com/office/drawing/2010/main">
                 <a:effectLst>
                   <a:outerShdw blurRad="63500" dist="38099" dir="2700000" algn="ctr" rotWithShape="0">
                     <a:schemeClr val="bg2">
@@ -6408,14 +6434,14 @@
               <ma14:placeholderFlag xmlns:ma14="http://schemas.microsoft.com/office/mac/drawingml/2011/main" val="1"/>
             </a:ext>
             <a:ext uri="{909E8E84-426E-40dd-AFC4-6F175D3DCCD1}">
-              <a14:hiddenFill xmlns:a14="http://schemas.microsoft.com/office/drawing/2010/main" xmlns="">
+              <a14:hiddenFill xmlns="" xmlns:a14="http://schemas.microsoft.com/office/drawing/2010/main">
                 <a:solidFill>
                   <a:schemeClr val="accent1"/>
                 </a:solidFill>
               </a14:hiddenFill>
             </a:ext>
             <a:ext uri="{91240B29-F687-4f45-9708-019B960494DF}">
-              <a14:hiddenLine xmlns:a14="http://schemas.microsoft.com/office/drawing/2010/main" xmlns="" w="9525">
+              <a14:hiddenLine xmlns="" xmlns:a14="http://schemas.microsoft.com/office/drawing/2010/main" w="9525">
                 <a:solidFill>
                   <a:schemeClr val="tx1"/>
                 </a:solidFill>
@@ -6425,7 +6451,7 @@
               </a14:hiddenLine>
             </a:ext>
             <a:ext uri="{AF507438-7753-43e0-B8FC-AC1667EBCBE1}">
-              <a14:hiddenEffects xmlns:a14="http://schemas.microsoft.com/office/drawing/2010/main" xmlns="">
+              <a14:hiddenEffects xmlns="" xmlns:a14="http://schemas.microsoft.com/office/drawing/2010/main">
                 <a:effectLst>
                   <a:outerShdw blurRad="63500" dist="38099" dir="2700000" algn="ctr" rotWithShape="0">
                     <a:schemeClr val="bg2">
@@ -6481,14 +6507,14 @@
               <ma14:placeholderFlag xmlns:ma14="http://schemas.microsoft.com/office/mac/drawingml/2011/main" val="1"/>
             </a:ext>
             <a:ext uri="{909E8E84-426E-40dd-AFC4-6F175D3DCCD1}">
-              <a14:hiddenFill xmlns:a14="http://schemas.microsoft.com/office/drawing/2010/main" xmlns="">
+              <a14:hiddenFill xmlns="" xmlns:a14="http://schemas.microsoft.com/office/drawing/2010/main">
                 <a:solidFill>
                   <a:schemeClr val="accent1"/>
                 </a:solidFill>
               </a14:hiddenFill>
             </a:ext>
             <a:ext uri="{91240B29-F687-4f45-9708-019B960494DF}">
-              <a14:hiddenLine xmlns:a14="http://schemas.microsoft.com/office/drawing/2010/main" xmlns="" w="9525">
+              <a14:hiddenLine xmlns="" xmlns:a14="http://schemas.microsoft.com/office/drawing/2010/main" w="9525">
                 <a:solidFill>
                   <a:schemeClr val="tx1"/>
                 </a:solidFill>
@@ -6498,7 +6524,7 @@
               </a14:hiddenLine>
             </a:ext>
             <a:ext uri="{AF507438-7753-43e0-B8FC-AC1667EBCBE1}">
-              <a14:hiddenEffects xmlns:a14="http://schemas.microsoft.com/office/drawing/2010/main" xmlns="">
+              <a14:hiddenEffects xmlns="" xmlns:a14="http://schemas.microsoft.com/office/drawing/2010/main">
                 <a:effectLst>
                   <a:outerShdw blurRad="63500" dist="38099" dir="2700000" algn="ctr" rotWithShape="0">
                     <a:schemeClr val="bg2">
@@ -6582,14 +6608,14 @@
               <ma14:placeholderFlag xmlns:ma14="http://schemas.microsoft.com/office/mac/drawingml/2011/main" val="1"/>
             </a:ext>
             <a:ext uri="{909E8E84-426E-40dd-AFC4-6F175D3DCCD1}">
-              <a14:hiddenFill xmlns:a14="http://schemas.microsoft.com/office/drawing/2010/main" xmlns="">
+              <a14:hiddenFill xmlns="" xmlns:a14="http://schemas.microsoft.com/office/drawing/2010/main">
                 <a:solidFill>
                   <a:schemeClr val="accent1"/>
                 </a:solidFill>
               </a14:hiddenFill>
             </a:ext>
             <a:ext uri="{91240B29-F687-4f45-9708-019B960494DF}">
-              <a14:hiddenLine xmlns:a14="http://schemas.microsoft.com/office/drawing/2010/main" xmlns="" w="9525">
+              <a14:hiddenLine xmlns="" xmlns:a14="http://schemas.microsoft.com/office/drawing/2010/main" w="9525">
                 <a:solidFill>
                   <a:schemeClr val="tx1"/>
                 </a:solidFill>
@@ -6599,7 +6625,7 @@
               </a14:hiddenLine>
             </a:ext>
             <a:ext uri="{AF507438-7753-43e0-B8FC-AC1667EBCBE1}">
-              <a14:hiddenEffects xmlns:a14="http://schemas.microsoft.com/office/drawing/2010/main" xmlns="">
+              <a14:hiddenEffects xmlns="" xmlns:a14="http://schemas.microsoft.com/office/drawing/2010/main">
                 <a:effectLst>
                   <a:outerShdw blurRad="63500" dist="38099" dir="2700000" algn="ctr" rotWithShape="0">
                     <a:schemeClr val="bg2">
@@ -6655,14 +6681,14 @@
               <ma14:placeholderFlag xmlns:ma14="http://schemas.microsoft.com/office/mac/drawingml/2011/main" val="1"/>
             </a:ext>
             <a:ext uri="{909E8E84-426E-40dd-AFC4-6F175D3DCCD1}">
-              <a14:hiddenFill xmlns:a14="http://schemas.microsoft.com/office/drawing/2010/main" xmlns="">
+              <a14:hiddenFill xmlns="" xmlns:a14="http://schemas.microsoft.com/office/drawing/2010/main">
                 <a:solidFill>
                   <a:schemeClr val="accent1"/>
                 </a:solidFill>
               </a14:hiddenFill>
             </a:ext>
             <a:ext uri="{91240B29-F687-4f45-9708-019B960494DF}">
-              <a14:hiddenLine xmlns:a14="http://schemas.microsoft.com/office/drawing/2010/main" xmlns="" w="9525">
+              <a14:hiddenLine xmlns="" xmlns:a14="http://schemas.microsoft.com/office/drawing/2010/main" w="9525">
                 <a:solidFill>
                   <a:schemeClr val="tx1"/>
                 </a:solidFill>
@@ -6672,7 +6698,7 @@
               </a14:hiddenLine>
             </a:ext>
             <a:ext uri="{AF507438-7753-43e0-B8FC-AC1667EBCBE1}">
-              <a14:hiddenEffects xmlns:a14="http://schemas.microsoft.com/office/drawing/2010/main" xmlns="">
+              <a14:hiddenEffects xmlns="" xmlns:a14="http://schemas.microsoft.com/office/drawing/2010/main">
                 <a:effectLst>
                   <a:outerShdw blurRad="63500" dist="38099" dir="2700000" algn="ctr" rotWithShape="0">
                     <a:schemeClr val="bg2">
@@ -6728,14 +6754,14 @@
               <ma14:placeholderFlag xmlns:ma14="http://schemas.microsoft.com/office/mac/drawingml/2011/main" val="1"/>
             </a:ext>
             <a:ext uri="{909E8E84-426E-40dd-AFC4-6F175D3DCCD1}">
-              <a14:hiddenFill xmlns:a14="http://schemas.microsoft.com/office/drawing/2010/main" xmlns="">
+              <a14:hiddenFill xmlns="" xmlns:a14="http://schemas.microsoft.com/office/drawing/2010/main">
                 <a:solidFill>
                   <a:schemeClr val="accent1"/>
                 </a:solidFill>
               </a14:hiddenFill>
             </a:ext>
             <a:ext uri="{91240B29-F687-4f45-9708-019B960494DF}">
-              <a14:hiddenLine xmlns:a14="http://schemas.microsoft.com/office/drawing/2010/main" xmlns="" w="9525">
+              <a14:hiddenLine xmlns="" xmlns:a14="http://schemas.microsoft.com/office/drawing/2010/main" w="9525">
                 <a:solidFill>
                   <a:schemeClr val="tx1"/>
                 </a:solidFill>
@@ -6745,7 +6771,7 @@
               </a14:hiddenLine>
             </a:ext>
             <a:ext uri="{AF507438-7753-43e0-B8FC-AC1667EBCBE1}">
-              <a14:hiddenEffects xmlns:a14="http://schemas.microsoft.com/office/drawing/2010/main" xmlns="">
+              <a14:hiddenEffects xmlns="" xmlns:a14="http://schemas.microsoft.com/office/drawing/2010/main">
                 <a:effectLst>
                   <a:outerShdw blurRad="63500" dist="38099" dir="2700000" algn="ctr" rotWithShape="0">
                     <a:schemeClr val="bg2">
@@ -6819,7 +6845,7 @@
             <a:effectLst/>
             <a:extLst>
               <a:ext uri="{91240B29-F687-4f45-9708-019B960494DF}">
-                <a14:hiddenLine xmlns:a14="http://schemas.microsoft.com/office/drawing/2010/main" xmlns="" w="9525">
+                <a14:hiddenLine xmlns="" xmlns:a14="http://schemas.microsoft.com/office/drawing/2010/main" w="9525">
                   <a:solidFill>
                     <a:schemeClr val="tx1"/>
                   </a:solidFill>
@@ -6829,7 +6855,7 @@
                 </a14:hiddenLine>
               </a:ext>
               <a:ext uri="{AF507438-7753-43e0-B8FC-AC1667EBCBE1}">
-                <a14:hiddenEffects xmlns:a14="http://schemas.microsoft.com/office/drawing/2010/main" xmlns="">
+                <a14:hiddenEffects xmlns="" xmlns:a14="http://schemas.microsoft.com/office/drawing/2010/main">
                   <a:effectLst>
                     <a:outerShdw blurRad="63500" dist="38099" dir="2700000" algn="ctr" rotWithShape="0">
                       <a:schemeClr val="bg2">
@@ -6874,7 +6900,7 @@
             <a:effectLst/>
             <a:extLst>
               <a:ext uri="{91240B29-F687-4f45-9708-019B960494DF}">
-                <a14:hiddenLine xmlns:a14="http://schemas.microsoft.com/office/drawing/2010/main" xmlns="" w="9525">
+                <a14:hiddenLine xmlns="" xmlns:a14="http://schemas.microsoft.com/office/drawing/2010/main" w="9525">
                   <a:solidFill>
                     <a:schemeClr val="tx1"/>
                   </a:solidFill>
@@ -6884,7 +6910,7 @@
                 </a14:hiddenLine>
               </a:ext>
               <a:ext uri="{AF507438-7753-43e0-B8FC-AC1667EBCBE1}">
-                <a14:hiddenEffects xmlns:a14="http://schemas.microsoft.com/office/drawing/2010/main" xmlns="">
+                <a14:hiddenEffects xmlns="" xmlns:a14="http://schemas.microsoft.com/office/drawing/2010/main">
                   <a:effectLst>
                     <a:outerShdw blurRad="63500" dist="38099" dir="2700000" algn="ctr" rotWithShape="0">
                       <a:schemeClr val="bg2">
@@ -6929,7 +6955,7 @@
             <a:effectLst/>
             <a:extLst>
               <a:ext uri="{91240B29-F687-4f45-9708-019B960494DF}">
-                <a14:hiddenLine xmlns:a14="http://schemas.microsoft.com/office/drawing/2010/main" xmlns="" w="9525">
+                <a14:hiddenLine xmlns="" xmlns:a14="http://schemas.microsoft.com/office/drawing/2010/main" w="9525">
                   <a:solidFill>
                     <a:schemeClr val="tx1"/>
                   </a:solidFill>
@@ -6939,7 +6965,7 @@
                 </a14:hiddenLine>
               </a:ext>
               <a:ext uri="{AF507438-7753-43e0-B8FC-AC1667EBCBE1}">
-                <a14:hiddenEffects xmlns:a14="http://schemas.microsoft.com/office/drawing/2010/main" xmlns="">
+                <a14:hiddenEffects xmlns="" xmlns:a14="http://schemas.microsoft.com/office/drawing/2010/main">
                   <a:effectLst>
                     <a:outerShdw blurRad="63500" dist="38099" dir="2700000" algn="ctr" rotWithShape="0">
                       <a:schemeClr val="bg2">
@@ -6984,7 +7010,7 @@
             <a:effectLst/>
             <a:extLst>
               <a:ext uri="{91240B29-F687-4f45-9708-019B960494DF}">
-                <a14:hiddenLine xmlns:a14="http://schemas.microsoft.com/office/drawing/2010/main" xmlns="" w="9525">
+                <a14:hiddenLine xmlns="" xmlns:a14="http://schemas.microsoft.com/office/drawing/2010/main" w="9525">
                   <a:solidFill>
                     <a:schemeClr val="tx1"/>
                   </a:solidFill>
@@ -6994,7 +7020,7 @@
                 </a14:hiddenLine>
               </a:ext>
               <a:ext uri="{AF507438-7753-43e0-B8FC-AC1667EBCBE1}">
-                <a14:hiddenEffects xmlns:a14="http://schemas.microsoft.com/office/drawing/2010/main" xmlns="">
+                <a14:hiddenEffects xmlns="" xmlns:a14="http://schemas.microsoft.com/office/drawing/2010/main">
                   <a:effectLst>
                     <a:outerShdw blurRad="63500" dist="38099" dir="2700000" algn="ctr" rotWithShape="0">
                       <a:schemeClr val="bg2">
@@ -7039,7 +7065,7 @@
             <a:effectLst/>
             <a:extLst>
               <a:ext uri="{91240B29-F687-4f45-9708-019B960494DF}">
-                <a14:hiddenLine xmlns:a14="http://schemas.microsoft.com/office/drawing/2010/main" xmlns="" w="9525">
+                <a14:hiddenLine xmlns="" xmlns:a14="http://schemas.microsoft.com/office/drawing/2010/main" w="9525">
                   <a:solidFill>
                     <a:schemeClr val="tx1"/>
                   </a:solidFill>
@@ -7049,7 +7075,7 @@
                 </a14:hiddenLine>
               </a:ext>
               <a:ext uri="{AF507438-7753-43e0-B8FC-AC1667EBCBE1}">
-                <a14:hiddenEffects xmlns:a14="http://schemas.microsoft.com/office/drawing/2010/main" xmlns="">
+                <a14:hiddenEffects xmlns="" xmlns:a14="http://schemas.microsoft.com/office/drawing/2010/main">
                   <a:effectLst>
                     <a:outerShdw blurRad="63500" dist="38099" dir="2700000" algn="ctr" rotWithShape="0">
                       <a:schemeClr val="bg2">
@@ -7094,7 +7120,7 @@
             <a:effectLst/>
             <a:extLst>
               <a:ext uri="{91240B29-F687-4f45-9708-019B960494DF}">
-                <a14:hiddenLine xmlns:a14="http://schemas.microsoft.com/office/drawing/2010/main" xmlns="" w="9525">
+                <a14:hiddenLine xmlns="" xmlns:a14="http://schemas.microsoft.com/office/drawing/2010/main" w="9525">
                   <a:solidFill>
                     <a:schemeClr val="tx1"/>
                   </a:solidFill>
@@ -7104,7 +7130,7 @@
                 </a14:hiddenLine>
               </a:ext>
               <a:ext uri="{AF507438-7753-43e0-B8FC-AC1667EBCBE1}">
-                <a14:hiddenEffects xmlns:a14="http://schemas.microsoft.com/office/drawing/2010/main" xmlns="">
+                <a14:hiddenEffects xmlns="" xmlns:a14="http://schemas.microsoft.com/office/drawing/2010/main">
                   <a:effectLst>
                     <a:outerShdw blurRad="63500" dist="38099" dir="2700000" algn="ctr" rotWithShape="0">
                       <a:schemeClr val="bg2">
@@ -7149,7 +7175,7 @@
             <a:effectLst/>
             <a:extLst>
               <a:ext uri="{91240B29-F687-4f45-9708-019B960494DF}">
-                <a14:hiddenLine xmlns:a14="http://schemas.microsoft.com/office/drawing/2010/main" xmlns="" w="9525">
+                <a14:hiddenLine xmlns="" xmlns:a14="http://schemas.microsoft.com/office/drawing/2010/main" w="9525">
                   <a:solidFill>
                     <a:schemeClr val="tx1"/>
                   </a:solidFill>
@@ -7159,7 +7185,7 @@
                 </a14:hiddenLine>
               </a:ext>
               <a:ext uri="{AF507438-7753-43e0-B8FC-AC1667EBCBE1}">
-                <a14:hiddenEffects xmlns:a14="http://schemas.microsoft.com/office/drawing/2010/main" xmlns="">
+                <a14:hiddenEffects xmlns="" xmlns:a14="http://schemas.microsoft.com/office/drawing/2010/main">
                   <a:effectLst>
                     <a:outerShdw blurRad="63500" dist="38099" dir="2700000" algn="ctr" rotWithShape="0">
                       <a:schemeClr val="bg2">
@@ -7204,7 +7230,7 @@
             <a:effectLst/>
             <a:extLst>
               <a:ext uri="{91240B29-F687-4f45-9708-019B960494DF}">
-                <a14:hiddenLine xmlns:a14="http://schemas.microsoft.com/office/drawing/2010/main" xmlns="" w="9525">
+                <a14:hiddenLine xmlns="" xmlns:a14="http://schemas.microsoft.com/office/drawing/2010/main" w="9525">
                   <a:solidFill>
                     <a:schemeClr val="tx1"/>
                   </a:solidFill>
@@ -7214,7 +7240,7 @@
                 </a14:hiddenLine>
               </a:ext>
               <a:ext uri="{AF507438-7753-43e0-B8FC-AC1667EBCBE1}">
-                <a14:hiddenEffects xmlns:a14="http://schemas.microsoft.com/office/drawing/2010/main" xmlns="">
+                <a14:hiddenEffects xmlns="" xmlns:a14="http://schemas.microsoft.com/office/drawing/2010/main">
                   <a:effectLst>
                     <a:outerShdw blurRad="63500" dist="38099" dir="2700000" algn="ctr" rotWithShape="0">
                       <a:schemeClr val="bg2">
@@ -7259,7 +7285,7 @@
             <a:effectLst/>
             <a:extLst>
               <a:ext uri="{91240B29-F687-4f45-9708-019B960494DF}">
-                <a14:hiddenLine xmlns:a14="http://schemas.microsoft.com/office/drawing/2010/main" xmlns="" w="9525">
+                <a14:hiddenLine xmlns="" xmlns:a14="http://schemas.microsoft.com/office/drawing/2010/main" w="9525">
                   <a:solidFill>
                     <a:schemeClr val="tx1"/>
                   </a:solidFill>
@@ -7269,7 +7295,7 @@
                 </a14:hiddenLine>
               </a:ext>
               <a:ext uri="{AF507438-7753-43e0-B8FC-AC1667EBCBE1}">
-                <a14:hiddenEffects xmlns:a14="http://schemas.microsoft.com/office/drawing/2010/main" xmlns="">
+                <a14:hiddenEffects xmlns="" xmlns:a14="http://schemas.microsoft.com/office/drawing/2010/main">
                   <a:effectLst>
                     <a:outerShdw blurRad="63500" dist="38099" dir="2700000" algn="ctr" rotWithShape="0">
                       <a:schemeClr val="bg2">
@@ -7314,7 +7340,7 @@
             <a:effectLst/>
             <a:extLst>
               <a:ext uri="{91240B29-F687-4f45-9708-019B960494DF}">
-                <a14:hiddenLine xmlns:a14="http://schemas.microsoft.com/office/drawing/2010/main" xmlns="" w="9525">
+                <a14:hiddenLine xmlns="" xmlns:a14="http://schemas.microsoft.com/office/drawing/2010/main" w="9525">
                   <a:solidFill>
                     <a:schemeClr val="tx1"/>
                   </a:solidFill>
@@ -7324,7 +7350,7 @@
                 </a14:hiddenLine>
               </a:ext>
               <a:ext uri="{AF507438-7753-43e0-B8FC-AC1667EBCBE1}">
-                <a14:hiddenEffects xmlns:a14="http://schemas.microsoft.com/office/drawing/2010/main" xmlns="">
+                <a14:hiddenEffects xmlns="" xmlns:a14="http://schemas.microsoft.com/office/drawing/2010/main">
                   <a:effectLst>
                     <a:outerShdw blurRad="63500" dist="38099" dir="2700000" algn="ctr" rotWithShape="0">
                       <a:schemeClr val="bg2">
@@ -7369,7 +7395,7 @@
             <a:effectLst/>
             <a:extLst>
               <a:ext uri="{91240B29-F687-4f45-9708-019B960494DF}">
-                <a14:hiddenLine xmlns:a14="http://schemas.microsoft.com/office/drawing/2010/main" xmlns="" w="9525">
+                <a14:hiddenLine xmlns="" xmlns:a14="http://schemas.microsoft.com/office/drawing/2010/main" w="9525">
                   <a:solidFill>
                     <a:schemeClr val="tx1"/>
                   </a:solidFill>
@@ -7379,7 +7405,7 @@
                 </a14:hiddenLine>
               </a:ext>
               <a:ext uri="{AF507438-7753-43e0-B8FC-AC1667EBCBE1}">
-                <a14:hiddenEffects xmlns:a14="http://schemas.microsoft.com/office/drawing/2010/main" xmlns="">
+                <a14:hiddenEffects xmlns="" xmlns:a14="http://schemas.microsoft.com/office/drawing/2010/main">
                   <a:effectLst>
                     <a:outerShdw blurRad="63500" dist="38099" dir="2700000" algn="ctr" rotWithShape="0">
                       <a:schemeClr val="bg2">
@@ -7424,7 +7450,7 @@
             <a:effectLst/>
             <a:extLst>
               <a:ext uri="{91240B29-F687-4f45-9708-019B960494DF}">
-                <a14:hiddenLine xmlns:a14="http://schemas.microsoft.com/office/drawing/2010/main" xmlns="" w="9525">
+                <a14:hiddenLine xmlns="" xmlns:a14="http://schemas.microsoft.com/office/drawing/2010/main" w="9525">
                   <a:solidFill>
                     <a:schemeClr val="tx1"/>
                   </a:solidFill>
@@ -7434,7 +7460,7 @@
                 </a14:hiddenLine>
               </a:ext>
               <a:ext uri="{AF507438-7753-43e0-B8FC-AC1667EBCBE1}">
-                <a14:hiddenEffects xmlns:a14="http://schemas.microsoft.com/office/drawing/2010/main" xmlns="">
+                <a14:hiddenEffects xmlns="" xmlns:a14="http://schemas.microsoft.com/office/drawing/2010/main">
                   <a:effectLst>
                     <a:outerShdw blurRad="63500" dist="38099" dir="2700000" algn="ctr" rotWithShape="0">
                       <a:schemeClr val="bg2">
@@ -7479,7 +7505,7 @@
             <a:effectLst/>
             <a:extLst>
               <a:ext uri="{91240B29-F687-4f45-9708-019B960494DF}">
-                <a14:hiddenLine xmlns:a14="http://schemas.microsoft.com/office/drawing/2010/main" xmlns="" w="9525">
+                <a14:hiddenLine xmlns="" xmlns:a14="http://schemas.microsoft.com/office/drawing/2010/main" w="9525">
                   <a:solidFill>
                     <a:schemeClr val="tx1"/>
                   </a:solidFill>
@@ -7489,7 +7515,7 @@
                 </a14:hiddenLine>
               </a:ext>
               <a:ext uri="{AF507438-7753-43e0-B8FC-AC1667EBCBE1}">
-                <a14:hiddenEffects xmlns:a14="http://schemas.microsoft.com/office/drawing/2010/main" xmlns="">
+                <a14:hiddenEffects xmlns="" xmlns:a14="http://schemas.microsoft.com/office/drawing/2010/main">
                   <a:effectLst>
                     <a:outerShdw blurRad="63500" dist="38099" dir="2700000" algn="ctr" rotWithShape="0">
                       <a:schemeClr val="bg2">
@@ -7534,7 +7560,7 @@
             <a:effectLst/>
             <a:extLst>
               <a:ext uri="{91240B29-F687-4f45-9708-019B960494DF}">
-                <a14:hiddenLine xmlns:a14="http://schemas.microsoft.com/office/drawing/2010/main" xmlns="" w="9525">
+                <a14:hiddenLine xmlns="" xmlns:a14="http://schemas.microsoft.com/office/drawing/2010/main" w="9525">
                   <a:solidFill>
                     <a:schemeClr val="tx1"/>
                   </a:solidFill>
@@ -7544,7 +7570,7 @@
                 </a14:hiddenLine>
               </a:ext>
               <a:ext uri="{AF507438-7753-43e0-B8FC-AC1667EBCBE1}">
-                <a14:hiddenEffects xmlns:a14="http://schemas.microsoft.com/office/drawing/2010/main" xmlns="">
+                <a14:hiddenEffects xmlns="" xmlns:a14="http://schemas.microsoft.com/office/drawing/2010/main">
                   <a:effectLst>
                     <a:outerShdw blurRad="63500" dist="38099" dir="2700000" algn="ctr" rotWithShape="0">
                       <a:schemeClr val="bg2">
@@ -7589,7 +7615,7 @@
             <a:effectLst/>
             <a:extLst>
               <a:ext uri="{91240B29-F687-4f45-9708-019B960494DF}">
-                <a14:hiddenLine xmlns:a14="http://schemas.microsoft.com/office/drawing/2010/main" xmlns="" w="9525">
+                <a14:hiddenLine xmlns="" xmlns:a14="http://schemas.microsoft.com/office/drawing/2010/main" w="9525">
                   <a:solidFill>
                     <a:schemeClr val="tx1"/>
                   </a:solidFill>
@@ -7599,7 +7625,7 @@
                 </a14:hiddenLine>
               </a:ext>
               <a:ext uri="{AF507438-7753-43e0-B8FC-AC1667EBCBE1}">
-                <a14:hiddenEffects xmlns:a14="http://schemas.microsoft.com/office/drawing/2010/main" xmlns="">
+                <a14:hiddenEffects xmlns="" xmlns:a14="http://schemas.microsoft.com/office/drawing/2010/main">
                   <a:effectLst>
                     <a:outerShdw blurRad="63500" dist="38099" dir="2700000" algn="ctr" rotWithShape="0">
                       <a:schemeClr val="bg2">
@@ -7644,7 +7670,7 @@
             <a:effectLst/>
             <a:extLst>
               <a:ext uri="{91240B29-F687-4f45-9708-019B960494DF}">
-                <a14:hiddenLine xmlns:a14="http://schemas.microsoft.com/office/drawing/2010/main" xmlns="" w="9525">
+                <a14:hiddenLine xmlns="" xmlns:a14="http://schemas.microsoft.com/office/drawing/2010/main" w="9525">
                   <a:solidFill>
                     <a:schemeClr val="tx1"/>
                   </a:solidFill>
@@ -7654,7 +7680,7 @@
                 </a14:hiddenLine>
               </a:ext>
               <a:ext uri="{AF507438-7753-43e0-B8FC-AC1667EBCBE1}">
-                <a14:hiddenEffects xmlns:a14="http://schemas.microsoft.com/office/drawing/2010/main" xmlns="">
+                <a14:hiddenEffects xmlns="" xmlns:a14="http://schemas.microsoft.com/office/drawing/2010/main">
                   <a:effectLst>
                     <a:outerShdw blurRad="63500" dist="38099" dir="2700000" algn="ctr" rotWithShape="0">
                       <a:schemeClr val="bg2">
@@ -7699,7 +7725,7 @@
             <a:effectLst/>
             <a:extLst>
               <a:ext uri="{91240B29-F687-4f45-9708-019B960494DF}">
-                <a14:hiddenLine xmlns:a14="http://schemas.microsoft.com/office/drawing/2010/main" xmlns="" w="9525">
+                <a14:hiddenLine xmlns="" xmlns:a14="http://schemas.microsoft.com/office/drawing/2010/main" w="9525">
                   <a:solidFill>
                     <a:schemeClr val="tx1"/>
                   </a:solidFill>
@@ -7709,7 +7735,7 @@
                 </a14:hiddenLine>
               </a:ext>
               <a:ext uri="{AF507438-7753-43e0-B8FC-AC1667EBCBE1}">
-                <a14:hiddenEffects xmlns:a14="http://schemas.microsoft.com/office/drawing/2010/main" xmlns="">
+                <a14:hiddenEffects xmlns="" xmlns:a14="http://schemas.microsoft.com/office/drawing/2010/main">
                   <a:effectLst>
                     <a:outerShdw blurRad="63500" dist="38099" dir="2700000" algn="ctr" rotWithShape="0">
                       <a:schemeClr val="bg2">
@@ -7754,7 +7780,7 @@
             <a:effectLst/>
             <a:extLst>
               <a:ext uri="{91240B29-F687-4f45-9708-019B960494DF}">
-                <a14:hiddenLine xmlns:a14="http://schemas.microsoft.com/office/drawing/2010/main" xmlns="" w="9525">
+                <a14:hiddenLine xmlns="" xmlns:a14="http://schemas.microsoft.com/office/drawing/2010/main" w="9525">
                   <a:solidFill>
                     <a:schemeClr val="tx1"/>
                   </a:solidFill>
@@ -7764,7 +7790,7 @@
                 </a14:hiddenLine>
               </a:ext>
               <a:ext uri="{AF507438-7753-43e0-B8FC-AC1667EBCBE1}">
-                <a14:hiddenEffects xmlns:a14="http://schemas.microsoft.com/office/drawing/2010/main" xmlns="">
+                <a14:hiddenEffects xmlns="" xmlns:a14="http://schemas.microsoft.com/office/drawing/2010/main">
                   <a:effectLst>
                     <a:outerShdw blurRad="63500" dist="38099" dir="2700000" algn="ctr" rotWithShape="0">
                       <a:schemeClr val="bg2">
@@ -7809,7 +7835,7 @@
             <a:effectLst/>
             <a:extLst>
               <a:ext uri="{91240B29-F687-4f45-9708-019B960494DF}">
-                <a14:hiddenLine xmlns:a14="http://schemas.microsoft.com/office/drawing/2010/main" xmlns="" w="9525">
+                <a14:hiddenLine xmlns="" xmlns:a14="http://schemas.microsoft.com/office/drawing/2010/main" w="9525">
                   <a:solidFill>
                     <a:schemeClr val="tx1"/>
                   </a:solidFill>
@@ -7819,7 +7845,7 @@
                 </a14:hiddenLine>
               </a:ext>
               <a:ext uri="{AF507438-7753-43e0-B8FC-AC1667EBCBE1}">
-                <a14:hiddenEffects xmlns:a14="http://schemas.microsoft.com/office/drawing/2010/main" xmlns="">
+                <a14:hiddenEffects xmlns="" xmlns:a14="http://schemas.microsoft.com/office/drawing/2010/main">
                   <a:effectLst>
                     <a:outerShdw blurRad="63500" dist="38099" dir="2700000" algn="ctr" rotWithShape="0">
                       <a:schemeClr val="bg2">
@@ -7864,7 +7890,7 @@
             <a:effectLst/>
             <a:extLst>
               <a:ext uri="{91240B29-F687-4f45-9708-019B960494DF}">
-                <a14:hiddenLine xmlns:a14="http://schemas.microsoft.com/office/drawing/2010/main" xmlns="" w="9525">
+                <a14:hiddenLine xmlns="" xmlns:a14="http://schemas.microsoft.com/office/drawing/2010/main" w="9525">
                   <a:solidFill>
                     <a:schemeClr val="tx1"/>
                   </a:solidFill>
@@ -7874,7 +7900,7 @@
                 </a14:hiddenLine>
               </a:ext>
               <a:ext uri="{AF507438-7753-43e0-B8FC-AC1667EBCBE1}">
-                <a14:hiddenEffects xmlns:a14="http://schemas.microsoft.com/office/drawing/2010/main" xmlns="">
+                <a14:hiddenEffects xmlns="" xmlns:a14="http://schemas.microsoft.com/office/drawing/2010/main">
                   <a:effectLst>
                     <a:outerShdw blurRad="63500" dist="38099" dir="2700000" algn="ctr" rotWithShape="0">
                       <a:schemeClr val="bg2">
@@ -7919,7 +7945,7 @@
             <a:effectLst/>
             <a:extLst>
               <a:ext uri="{91240B29-F687-4f45-9708-019B960494DF}">
-                <a14:hiddenLine xmlns:a14="http://schemas.microsoft.com/office/drawing/2010/main" xmlns="" w="9525">
+                <a14:hiddenLine xmlns="" xmlns:a14="http://schemas.microsoft.com/office/drawing/2010/main" w="9525">
                   <a:solidFill>
                     <a:schemeClr val="tx1"/>
                   </a:solidFill>
@@ -7929,7 +7955,7 @@
                 </a14:hiddenLine>
               </a:ext>
               <a:ext uri="{AF507438-7753-43e0-B8FC-AC1667EBCBE1}">
-                <a14:hiddenEffects xmlns:a14="http://schemas.microsoft.com/office/drawing/2010/main" xmlns="">
+                <a14:hiddenEffects xmlns="" xmlns:a14="http://schemas.microsoft.com/office/drawing/2010/main">
                   <a:effectLst>
                     <a:outerShdw blurRad="63500" dist="38099" dir="2700000" algn="ctr" rotWithShape="0">
                       <a:schemeClr val="bg2">
@@ -7974,7 +8000,7 @@
             <a:effectLst/>
             <a:extLst>
               <a:ext uri="{91240B29-F687-4f45-9708-019B960494DF}">
-                <a14:hiddenLine xmlns:a14="http://schemas.microsoft.com/office/drawing/2010/main" xmlns="" w="9525">
+                <a14:hiddenLine xmlns="" xmlns:a14="http://schemas.microsoft.com/office/drawing/2010/main" w="9525">
                   <a:solidFill>
                     <a:schemeClr val="tx1"/>
                   </a:solidFill>
@@ -7984,7 +8010,7 @@
                 </a14:hiddenLine>
               </a:ext>
               <a:ext uri="{AF507438-7753-43e0-B8FC-AC1667EBCBE1}">
-                <a14:hiddenEffects xmlns:a14="http://schemas.microsoft.com/office/drawing/2010/main" xmlns="">
+                <a14:hiddenEffects xmlns="" xmlns:a14="http://schemas.microsoft.com/office/drawing/2010/main">
                   <a:effectLst>
                     <a:outerShdw blurRad="63500" dist="38099" dir="2700000" algn="ctr" rotWithShape="0">
                       <a:schemeClr val="bg2">
@@ -8029,7 +8055,7 @@
             <a:effectLst/>
             <a:extLst>
               <a:ext uri="{91240B29-F687-4f45-9708-019B960494DF}">
-                <a14:hiddenLine xmlns:a14="http://schemas.microsoft.com/office/drawing/2010/main" xmlns="" w="9525">
+                <a14:hiddenLine xmlns="" xmlns:a14="http://schemas.microsoft.com/office/drawing/2010/main" w="9525">
                   <a:solidFill>
                     <a:schemeClr val="tx1"/>
                   </a:solidFill>
@@ -8039,7 +8065,7 @@
                 </a14:hiddenLine>
               </a:ext>
               <a:ext uri="{AF507438-7753-43e0-B8FC-AC1667EBCBE1}">
-                <a14:hiddenEffects xmlns:a14="http://schemas.microsoft.com/office/drawing/2010/main" xmlns="">
+                <a14:hiddenEffects xmlns="" xmlns:a14="http://schemas.microsoft.com/office/drawing/2010/main">
                   <a:effectLst>
                     <a:outerShdw blurRad="63500" dist="38099" dir="2700000" algn="ctr" rotWithShape="0">
                       <a:schemeClr val="bg2">
@@ -8084,7 +8110,7 @@
             <a:effectLst/>
             <a:extLst>
               <a:ext uri="{91240B29-F687-4f45-9708-019B960494DF}">
-                <a14:hiddenLine xmlns:a14="http://schemas.microsoft.com/office/drawing/2010/main" xmlns="" w="9525">
+                <a14:hiddenLine xmlns="" xmlns:a14="http://schemas.microsoft.com/office/drawing/2010/main" w="9525">
                   <a:solidFill>
                     <a:schemeClr val="tx1"/>
                   </a:solidFill>
@@ -8094,7 +8120,7 @@
                 </a14:hiddenLine>
               </a:ext>
               <a:ext uri="{AF507438-7753-43e0-B8FC-AC1667EBCBE1}">
-                <a14:hiddenEffects xmlns:a14="http://schemas.microsoft.com/office/drawing/2010/main" xmlns="">
+                <a14:hiddenEffects xmlns="" xmlns:a14="http://schemas.microsoft.com/office/drawing/2010/main">
                   <a:effectLst>
                     <a:outerShdw blurRad="63500" dist="38099" dir="2700000" algn="ctr" rotWithShape="0">
                       <a:schemeClr val="bg2">
@@ -8139,7 +8165,7 @@
             <a:effectLst/>
             <a:extLst>
               <a:ext uri="{91240B29-F687-4f45-9708-019B960494DF}">
-                <a14:hiddenLine xmlns:a14="http://schemas.microsoft.com/office/drawing/2010/main" xmlns="" w="9525">
+                <a14:hiddenLine xmlns="" xmlns:a14="http://schemas.microsoft.com/office/drawing/2010/main" w="9525">
                   <a:solidFill>
                     <a:schemeClr val="tx1"/>
                   </a:solidFill>
@@ -8149,7 +8175,7 @@
                 </a14:hiddenLine>
               </a:ext>
               <a:ext uri="{AF507438-7753-43e0-B8FC-AC1667EBCBE1}">
-                <a14:hiddenEffects xmlns:a14="http://schemas.microsoft.com/office/drawing/2010/main" xmlns="">
+                <a14:hiddenEffects xmlns="" xmlns:a14="http://schemas.microsoft.com/office/drawing/2010/main">
                   <a:effectLst>
                     <a:outerShdw blurRad="63500" dist="38099" dir="2700000" algn="ctr" rotWithShape="0">
                       <a:schemeClr val="bg2">
@@ -8194,7 +8220,7 @@
             <a:effectLst/>
             <a:extLst>
               <a:ext uri="{91240B29-F687-4f45-9708-019B960494DF}">
-                <a14:hiddenLine xmlns:a14="http://schemas.microsoft.com/office/drawing/2010/main" xmlns="" w="9525">
+                <a14:hiddenLine xmlns="" xmlns:a14="http://schemas.microsoft.com/office/drawing/2010/main" w="9525">
                   <a:solidFill>
                     <a:schemeClr val="tx1"/>
                   </a:solidFill>
@@ -8204,7 +8230,7 @@
                 </a14:hiddenLine>
               </a:ext>
               <a:ext uri="{AF507438-7753-43e0-B8FC-AC1667EBCBE1}">
-                <a14:hiddenEffects xmlns:a14="http://schemas.microsoft.com/office/drawing/2010/main" xmlns="">
+                <a14:hiddenEffects xmlns="" xmlns:a14="http://schemas.microsoft.com/office/drawing/2010/main">
                   <a:effectLst>
                     <a:outerShdw blurRad="63500" dist="38099" dir="2700000" algn="ctr" rotWithShape="0">
                       <a:schemeClr val="bg2">
@@ -8249,7 +8275,7 @@
             <a:effectLst/>
             <a:extLst>
               <a:ext uri="{91240B29-F687-4f45-9708-019B960494DF}">
-                <a14:hiddenLine xmlns:a14="http://schemas.microsoft.com/office/drawing/2010/main" xmlns="" w="9525">
+                <a14:hiddenLine xmlns="" xmlns:a14="http://schemas.microsoft.com/office/drawing/2010/main" w="9525">
                   <a:solidFill>
                     <a:schemeClr val="tx1"/>
                   </a:solidFill>
@@ -8259,7 +8285,7 @@
                 </a14:hiddenLine>
               </a:ext>
               <a:ext uri="{AF507438-7753-43e0-B8FC-AC1667EBCBE1}">
-                <a14:hiddenEffects xmlns:a14="http://schemas.microsoft.com/office/drawing/2010/main" xmlns="">
+                <a14:hiddenEffects xmlns="" xmlns:a14="http://schemas.microsoft.com/office/drawing/2010/main">
                   <a:effectLst>
                     <a:outerShdw blurRad="63500" dist="38099" dir="2700000" algn="ctr" rotWithShape="0">
                       <a:schemeClr val="bg2">
@@ -8304,7 +8330,7 @@
             <a:effectLst/>
             <a:extLst>
               <a:ext uri="{91240B29-F687-4f45-9708-019B960494DF}">
-                <a14:hiddenLine xmlns:a14="http://schemas.microsoft.com/office/drawing/2010/main" xmlns="" w="9525">
+                <a14:hiddenLine xmlns="" xmlns:a14="http://schemas.microsoft.com/office/drawing/2010/main" w="9525">
                   <a:solidFill>
                     <a:schemeClr val="tx1"/>
                   </a:solidFill>
@@ -8314,7 +8340,7 @@
                 </a14:hiddenLine>
               </a:ext>
               <a:ext uri="{AF507438-7753-43e0-B8FC-AC1667EBCBE1}">
-                <a14:hiddenEffects xmlns:a14="http://schemas.microsoft.com/office/drawing/2010/main" xmlns="">
+                <a14:hiddenEffects xmlns="" xmlns:a14="http://schemas.microsoft.com/office/drawing/2010/main">
                   <a:effectLst>
                     <a:outerShdw blurRad="63500" dist="38099" dir="2700000" algn="ctr" rotWithShape="0">
                       <a:schemeClr val="bg2">
@@ -8359,7 +8385,7 @@
             <a:effectLst/>
             <a:extLst>
               <a:ext uri="{91240B29-F687-4f45-9708-019B960494DF}">
-                <a14:hiddenLine xmlns:a14="http://schemas.microsoft.com/office/drawing/2010/main" xmlns="" w="9525">
+                <a14:hiddenLine xmlns="" xmlns:a14="http://schemas.microsoft.com/office/drawing/2010/main" w="9525">
                   <a:solidFill>
                     <a:schemeClr val="tx1"/>
                   </a:solidFill>
@@ -8369,7 +8395,7 @@
                 </a14:hiddenLine>
               </a:ext>
               <a:ext uri="{AF507438-7753-43e0-B8FC-AC1667EBCBE1}">
-                <a14:hiddenEffects xmlns:a14="http://schemas.microsoft.com/office/drawing/2010/main" xmlns="">
+                <a14:hiddenEffects xmlns="" xmlns:a14="http://schemas.microsoft.com/office/drawing/2010/main">
                   <a:effectLst>
                     <a:outerShdw blurRad="63500" dist="38099" dir="2700000" algn="ctr" rotWithShape="0">
                       <a:schemeClr val="bg2">
@@ -8414,7 +8440,7 @@
             <a:effectLst/>
             <a:extLst>
               <a:ext uri="{91240B29-F687-4f45-9708-019B960494DF}">
-                <a14:hiddenLine xmlns:a14="http://schemas.microsoft.com/office/drawing/2010/main" xmlns="" w="9525">
+                <a14:hiddenLine xmlns="" xmlns:a14="http://schemas.microsoft.com/office/drawing/2010/main" w="9525">
                   <a:solidFill>
                     <a:schemeClr val="tx1"/>
                   </a:solidFill>
@@ -8424,7 +8450,7 @@
                 </a14:hiddenLine>
               </a:ext>
               <a:ext uri="{AF507438-7753-43e0-B8FC-AC1667EBCBE1}">
-                <a14:hiddenEffects xmlns:a14="http://schemas.microsoft.com/office/drawing/2010/main" xmlns="">
+                <a14:hiddenEffects xmlns="" xmlns:a14="http://schemas.microsoft.com/office/drawing/2010/main">
                   <a:effectLst>
                     <a:outerShdw blurRad="63500" dist="38099" dir="2700000" algn="ctr" rotWithShape="0">
                       <a:schemeClr val="bg2">
@@ -8469,7 +8495,7 @@
             <a:effectLst/>
             <a:extLst>
               <a:ext uri="{91240B29-F687-4f45-9708-019B960494DF}">
-                <a14:hiddenLine xmlns:a14="http://schemas.microsoft.com/office/drawing/2010/main" xmlns="" w="9525">
+                <a14:hiddenLine xmlns="" xmlns:a14="http://schemas.microsoft.com/office/drawing/2010/main" w="9525">
                   <a:solidFill>
                     <a:schemeClr val="tx1"/>
                   </a:solidFill>
@@ -8479,7 +8505,7 @@
                 </a14:hiddenLine>
               </a:ext>
               <a:ext uri="{AF507438-7753-43e0-B8FC-AC1667EBCBE1}">
-                <a14:hiddenEffects xmlns:a14="http://schemas.microsoft.com/office/drawing/2010/main" xmlns="">
+                <a14:hiddenEffects xmlns="" xmlns:a14="http://schemas.microsoft.com/office/drawing/2010/main">
                   <a:effectLst>
                     <a:outerShdw blurRad="63500" dist="38099" dir="2700000" algn="ctr" rotWithShape="0">
                       <a:schemeClr val="bg2">
@@ -9027,11 +9053,7 @@
             </a:r>
             <a:r>
               <a:rPr lang="en-US" sz="2600" dirty="0" smtClean="0"/>
-              <a:t>Cuppa</a:t>
-            </a:r>
-            <a:r>
-              <a:rPr lang="en-US" sz="2600" dirty="0" smtClean="0"/>
-              <a:t>3 </a:t>
+              <a:t>Cuppa3 </a:t>
             </a:r>
             <a:r>
               <a:rPr lang="en-US" sz="2600" dirty="0"/>
@@ -9128,15 +9150,7 @@
           <a:p>
             <a:r>
               <a:rPr lang="en-US" sz="2400" dirty="0" smtClean="0"/>
-              <a:t>The </a:t>
-            </a:r>
-            <a:r>
-              <a:rPr lang="en-US" sz="2400" dirty="0" smtClean="0"/>
-              <a:t>name </a:t>
-            </a:r>
-            <a:r>
-              <a:rPr lang="en-US" sz="2400" dirty="0" smtClean="0"/>
-              <a:t>refers to the fact that in a single statement we access </a:t>
+              <a:t>The name refers to the fact that in a single statement we access </a:t>
             </a:r>
             <a:r>
               <a:rPr lang="en-US" sz="2400" i="1" dirty="0" smtClean="0"/>
@@ -9594,7 +9608,7 @@
           </a:ln>
           <a:extLst>
             <a:ext uri="{909E8E84-426E-40dd-AFC4-6F175D3DCCD1}">
-              <a14:hiddenFill xmlns:a14="http://schemas.microsoft.com/office/drawing/2010/main" xmlns="">
+              <a14:hiddenFill xmlns="" xmlns:a14="http://schemas.microsoft.com/office/drawing/2010/main">
                 <a:solidFill>
                   <a:schemeClr val="accent1"/>
                 </a:solidFill>
@@ -9717,7 +9731,7 @@
           </a:ln>
           <a:extLst>
             <a:ext uri="{909E8E84-426E-40dd-AFC4-6F175D3DCCD1}">
-              <a14:hiddenFill xmlns:a14="http://schemas.microsoft.com/office/drawing/2010/main" xmlns="">
+              <a14:hiddenFill xmlns="" xmlns:a14="http://schemas.microsoft.com/office/drawing/2010/main">
                 <a:solidFill>
                   <a:schemeClr val="accent1"/>
                 </a:solidFill>
@@ -10056,7 +10070,7 @@
           </a:ln>
           <a:extLst>
             <a:ext uri="{909E8E84-426E-40dd-AFC4-6F175D3DCCD1}">
-              <a14:hiddenFill xmlns:a14="http://schemas.microsoft.com/office/drawing/2010/main" xmlns="">
+              <a14:hiddenFill xmlns="" xmlns:a14="http://schemas.microsoft.com/office/drawing/2010/main">
                 <a:solidFill>
                   <a:schemeClr val="accent1"/>
                 </a:solidFill>
@@ -10162,7 +10176,7 @@
           </a:ln>
           <a:extLst>
             <a:ext uri="{909E8E84-426E-40dd-AFC4-6F175D3DCCD1}">
-              <a14:hiddenFill xmlns:a14="http://schemas.microsoft.com/office/drawing/2010/main" xmlns="">
+              <a14:hiddenFill xmlns="" xmlns:a14="http://schemas.microsoft.com/office/drawing/2010/main">
                 <a:solidFill>
                   <a:schemeClr val="accent1"/>
                 </a:solidFill>
@@ -10831,11 +10845,7 @@
             </a:br>
             <a:r>
               <a:rPr lang="en-US" dirty="0" smtClean="0"/>
-              <a:t>Cuppa</a:t>
-            </a:r>
-            <a:r>
-              <a:rPr lang="en-US" dirty="0" smtClean="0"/>
-              <a:t>3 </a:t>
+              <a:t>Cuppa3 </a:t>
             </a:r>
             <a:r>
               <a:rPr lang="en-US" dirty="0">
@@ -10905,8 +10915,8 @@
               <a:t>semantic analysis/tree </a:t>
             </a:r>
             <a:r>
-              <a:rPr lang="en-US" sz="1800" dirty="0" err="1" smtClean="0"/>
-              <a:t>rewrting</a:t>
+              <a:rPr lang="en-US" sz="1800" dirty="0" smtClean="0"/>
+              <a:t>rewriting</a:t>
             </a:r>
             <a:r>
               <a:rPr lang="en-US" sz="1800" dirty="0" smtClean="0"/>
@@ -11004,7 +11014,7 @@
             </a:ln>
             <a:extLst>
               <a:ext uri="{909E8E84-426E-40dd-AFC4-6F175D3DCCD1}">
-                <a14:hiddenFill xmlns="" xmlns:a14="http://schemas.microsoft.com/office/drawing/2010/main">
+                <a14:hiddenFill xmlns:a14="http://schemas.microsoft.com/office/drawing/2010/main" xmlns="">
                   <a:solidFill>
                     <a:schemeClr val="accent1"/>
                   </a:solidFill>
@@ -11042,14 +11052,14 @@
             </a:ln>
             <a:extLst>
               <a:ext uri="{909E8E84-426E-40dd-AFC4-6F175D3DCCD1}">
-                <a14:hiddenFill xmlns="" xmlns:a14="http://schemas.microsoft.com/office/drawing/2010/main">
+                <a14:hiddenFill xmlns:a14="http://schemas.microsoft.com/office/drawing/2010/main" xmlns="">
                   <a:solidFill>
                     <a:schemeClr val="accent1"/>
                   </a:solidFill>
                 </a14:hiddenFill>
               </a:ext>
               <a:ext uri="{91240B29-F687-4f45-9708-019B960494DF}">
-                <a14:hiddenLine xmlns="" xmlns:a14="http://schemas.microsoft.com/office/drawing/2010/main" w="9525">
+                <a14:hiddenLine xmlns:a14="http://schemas.microsoft.com/office/drawing/2010/main" xmlns="" w="9525">
                   <a:solidFill>
                     <a:schemeClr val="tx1"/>
                   </a:solidFill>
@@ -11101,7 +11111,7 @@
           </a:ln>
           <a:extLst>
             <a:ext uri="{909E8E84-426E-40dd-AFC4-6F175D3DCCD1}">
-              <a14:hiddenFill xmlns="" xmlns:a14="http://schemas.microsoft.com/office/drawing/2010/main">
+              <a14:hiddenFill xmlns:a14="http://schemas.microsoft.com/office/drawing/2010/main" xmlns="">
                 <a:noFill/>
               </a14:hiddenFill>
             </a:ext>
@@ -11135,7 +11145,7 @@
           </a:ln>
           <a:extLst>
             <a:ext uri="{909E8E84-426E-40dd-AFC4-6F175D3DCCD1}">
-              <a14:hiddenFill xmlns="" xmlns:a14="http://schemas.microsoft.com/office/drawing/2010/main">
+              <a14:hiddenFill xmlns:a14="http://schemas.microsoft.com/office/drawing/2010/main" xmlns="">
                 <a:noFill/>
               </a14:hiddenFill>
             </a:ext>
@@ -11251,7 +11261,7 @@
           </a:ln>
           <a:extLst>
             <a:ext uri="{909E8E84-426E-40dd-AFC4-6F175D3DCCD1}">
-              <a14:hiddenFill xmlns="" xmlns:a14="http://schemas.microsoft.com/office/drawing/2010/main">
+              <a14:hiddenFill xmlns:a14="http://schemas.microsoft.com/office/drawing/2010/main" xmlns="">
                 <a:noFill/>
               </a14:hiddenFill>
             </a:ext>
@@ -11280,14 +11290,14 @@
           </a:ln>
           <a:extLst>
             <a:ext uri="{909E8E84-426E-40dd-AFC4-6F175D3DCCD1}">
-              <a14:hiddenFill xmlns="" xmlns:a14="http://schemas.microsoft.com/office/drawing/2010/main">
+              <a14:hiddenFill xmlns:a14="http://schemas.microsoft.com/office/drawing/2010/main" xmlns="">
                 <a:solidFill>
                   <a:schemeClr val="accent1"/>
                 </a:solidFill>
               </a14:hiddenFill>
             </a:ext>
             <a:ext uri="{91240B29-F687-4f45-9708-019B960494DF}">
-              <a14:hiddenLine xmlns="" xmlns:a14="http://schemas.microsoft.com/office/drawing/2010/main" w="9525">
+              <a14:hiddenLine xmlns:a14="http://schemas.microsoft.com/office/drawing/2010/main" xmlns="" w="9525">
                 <a:solidFill>
                   <a:schemeClr val="tx1"/>
                 </a:solidFill>
@@ -11341,7 +11351,7 @@
           </a:ln>
           <a:extLst>
             <a:ext uri="{909E8E84-426E-40dd-AFC4-6F175D3DCCD1}">
-              <a14:hiddenFill xmlns="" xmlns:a14="http://schemas.microsoft.com/office/drawing/2010/main">
+              <a14:hiddenFill xmlns:a14="http://schemas.microsoft.com/office/drawing/2010/main" xmlns="">
                 <a:solidFill>
                   <a:schemeClr val="accent1"/>
                 </a:solidFill>
@@ -11384,7 +11394,7 @@
           </a:ln>
           <a:extLst>
             <a:ext uri="{909E8E84-426E-40dd-AFC4-6F175D3DCCD1}">
-              <a14:hiddenFill xmlns="" xmlns:a14="http://schemas.microsoft.com/office/drawing/2010/main">
+              <a14:hiddenFill xmlns:a14="http://schemas.microsoft.com/office/drawing/2010/main" xmlns="">
                 <a:noFill/>
               </a14:hiddenFill>
             </a:ext>
@@ -11413,14 +11423,14 @@
           </a:ln>
           <a:extLst>
             <a:ext uri="{909E8E84-426E-40dd-AFC4-6F175D3DCCD1}">
-              <a14:hiddenFill xmlns="" xmlns:a14="http://schemas.microsoft.com/office/drawing/2010/main">
+              <a14:hiddenFill xmlns:a14="http://schemas.microsoft.com/office/drawing/2010/main" xmlns="">
                 <a:solidFill>
                   <a:schemeClr val="accent1"/>
                 </a:solidFill>
               </a14:hiddenFill>
             </a:ext>
             <a:ext uri="{91240B29-F687-4f45-9708-019B960494DF}">
-              <a14:hiddenLine xmlns="" xmlns:a14="http://schemas.microsoft.com/office/drawing/2010/main" w="9525">
+              <a14:hiddenLine xmlns:a14="http://schemas.microsoft.com/office/drawing/2010/main" xmlns="" w="9525">
                 <a:solidFill>
                   <a:schemeClr val="tx1"/>
                 </a:solidFill>
@@ -11466,14 +11476,14 @@
           </a:ln>
           <a:extLst>
             <a:ext uri="{909E8E84-426E-40dd-AFC4-6F175D3DCCD1}">
-              <a14:hiddenFill xmlns="" xmlns:a14="http://schemas.microsoft.com/office/drawing/2010/main">
+              <a14:hiddenFill xmlns:a14="http://schemas.microsoft.com/office/drawing/2010/main" xmlns="">
                 <a:solidFill>
                   <a:schemeClr val="accent1"/>
                 </a:solidFill>
               </a14:hiddenFill>
             </a:ext>
             <a:ext uri="{91240B29-F687-4f45-9708-019B960494DF}">
-              <a14:hiddenLine xmlns="" xmlns:a14="http://schemas.microsoft.com/office/drawing/2010/main" w="9525">
+              <a14:hiddenLine xmlns:a14="http://schemas.microsoft.com/office/drawing/2010/main" xmlns="" w="9525">
                 <a:solidFill>
                   <a:schemeClr val="tx1"/>
                 </a:solidFill>
@@ -11520,14 +11530,14 @@
           </a:ln>
           <a:extLst>
             <a:ext uri="{909E8E84-426E-40dd-AFC4-6F175D3DCCD1}">
-              <a14:hiddenFill xmlns="" xmlns:a14="http://schemas.microsoft.com/office/drawing/2010/main">
+              <a14:hiddenFill xmlns:a14="http://schemas.microsoft.com/office/drawing/2010/main" xmlns="">
                 <a:solidFill>
                   <a:schemeClr val="accent1"/>
                 </a:solidFill>
               </a14:hiddenFill>
             </a:ext>
             <a:ext uri="{91240B29-F687-4f45-9708-019B960494DF}">
-              <a14:hiddenLine xmlns="" xmlns:a14="http://schemas.microsoft.com/office/drawing/2010/main" w="9525">
+              <a14:hiddenLine xmlns:a14="http://schemas.microsoft.com/office/drawing/2010/main" xmlns="" w="9525">
                 <a:solidFill>
                   <a:schemeClr val="tx1"/>
                 </a:solidFill>
@@ -11737,7 +11747,7 @@
             <a:effectLst/>
             <a:extLst>
               <a:ext uri="{AF507438-7753-43e0-B8FC-AC1667EBCBE1}">
-                <a14:hiddenEffects xmlns="" xmlns:a14="http://schemas.microsoft.com/office/drawing/2010/main">
+                <a14:hiddenEffects xmlns:a14="http://schemas.microsoft.com/office/drawing/2010/main" xmlns="">
                   <a:effectLst>
                     <a:outerShdw blurRad="63500" dist="38099" dir="2700000" algn="ctr" rotWithShape="0">
                       <a:schemeClr val="bg2">
@@ -11779,7 +11789,7 @@
             <a:effectLst/>
             <a:extLst>
               <a:ext uri="{AF507438-7753-43e0-B8FC-AC1667EBCBE1}">
-                <a14:hiddenEffects xmlns="" xmlns:a14="http://schemas.microsoft.com/office/drawing/2010/main">
+                <a14:hiddenEffects xmlns:a14="http://schemas.microsoft.com/office/drawing/2010/main" xmlns="">
                   <a:effectLst>
                     <a:outerShdw blurRad="63500" dist="38099" dir="2700000" algn="ctr" rotWithShape="0">
                       <a:schemeClr val="bg2">
@@ -11821,7 +11831,7 @@
             <a:effectLst/>
             <a:extLst>
               <a:ext uri="{AF507438-7753-43e0-B8FC-AC1667EBCBE1}">
-                <a14:hiddenEffects xmlns="" xmlns:a14="http://schemas.microsoft.com/office/drawing/2010/main">
+                <a14:hiddenEffects xmlns:a14="http://schemas.microsoft.com/office/drawing/2010/main" xmlns="">
                   <a:effectLst>
                     <a:outerShdw blurRad="63500" dist="38099" dir="2700000" algn="ctr" rotWithShape="0">
                       <a:schemeClr val="bg2">
@@ -11863,7 +11873,7 @@
             <a:effectLst/>
             <a:extLst>
               <a:ext uri="{AF507438-7753-43e0-B8FC-AC1667EBCBE1}">
-                <a14:hiddenEffects xmlns="" xmlns:a14="http://schemas.microsoft.com/office/drawing/2010/main">
+                <a14:hiddenEffects xmlns:a14="http://schemas.microsoft.com/office/drawing/2010/main" xmlns="">
                   <a:effectLst>
                     <a:outerShdw blurRad="63500" dist="38099" dir="2700000" algn="ctr" rotWithShape="0">
                       <a:schemeClr val="bg2">
@@ -11905,7 +11915,7 @@
             <a:effectLst/>
             <a:extLst>
               <a:ext uri="{AF507438-7753-43e0-B8FC-AC1667EBCBE1}">
-                <a14:hiddenEffects xmlns="" xmlns:a14="http://schemas.microsoft.com/office/drawing/2010/main">
+                <a14:hiddenEffects xmlns:a14="http://schemas.microsoft.com/office/drawing/2010/main" xmlns="">
                   <a:effectLst>
                     <a:outerShdw blurRad="63500" dist="38099" dir="2700000" algn="ctr" rotWithShape="0">
                       <a:schemeClr val="bg2">
@@ -11947,7 +11957,7 @@
             <a:effectLst/>
             <a:extLst>
               <a:ext uri="{AF507438-7753-43e0-B8FC-AC1667EBCBE1}">
-                <a14:hiddenEffects xmlns="" xmlns:a14="http://schemas.microsoft.com/office/drawing/2010/main">
+                <a14:hiddenEffects xmlns:a14="http://schemas.microsoft.com/office/drawing/2010/main" xmlns="">
                   <a:effectLst>
                     <a:outerShdw blurRad="63500" dist="38099" dir="2700000" algn="ctr" rotWithShape="0">
                       <a:schemeClr val="bg2">
@@ -11989,7 +11999,7 @@
             <a:effectLst/>
             <a:extLst>
               <a:ext uri="{AF507438-7753-43e0-B8FC-AC1667EBCBE1}">
-                <a14:hiddenEffects xmlns="" xmlns:a14="http://schemas.microsoft.com/office/drawing/2010/main">
+                <a14:hiddenEffects xmlns:a14="http://schemas.microsoft.com/office/drawing/2010/main" xmlns="">
                   <a:effectLst>
                     <a:outerShdw blurRad="63500" dist="38099" dir="2700000" algn="ctr" rotWithShape="0">
                       <a:schemeClr val="bg2">
@@ -12031,7 +12041,7 @@
             <a:effectLst/>
             <a:extLst>
               <a:ext uri="{AF507438-7753-43e0-B8FC-AC1667EBCBE1}">
-                <a14:hiddenEffects xmlns="" xmlns:a14="http://schemas.microsoft.com/office/drawing/2010/main">
+                <a14:hiddenEffects xmlns:a14="http://schemas.microsoft.com/office/drawing/2010/main" xmlns="">
                   <a:effectLst>
                     <a:outerShdw blurRad="63500" dist="38099" dir="2700000" algn="ctr" rotWithShape="0">
                       <a:schemeClr val="bg2">
@@ -12223,7 +12233,7 @@
             <a:effectLst/>
             <a:extLst>
               <a:ext uri="{AF507438-7753-43e0-B8FC-AC1667EBCBE1}">
-                <a14:hiddenEffects xmlns="" xmlns:a14="http://schemas.microsoft.com/office/drawing/2010/main">
+                <a14:hiddenEffects xmlns:a14="http://schemas.microsoft.com/office/drawing/2010/main" xmlns="">
                   <a:effectLst>
                     <a:outerShdw blurRad="63500" dist="38099" dir="2700000" algn="ctr" rotWithShape="0">
                       <a:schemeClr val="bg2">
@@ -12265,7 +12275,7 @@
             <a:effectLst/>
             <a:extLst>
               <a:ext uri="{AF507438-7753-43e0-B8FC-AC1667EBCBE1}">
-                <a14:hiddenEffects xmlns="" xmlns:a14="http://schemas.microsoft.com/office/drawing/2010/main">
+                <a14:hiddenEffects xmlns:a14="http://schemas.microsoft.com/office/drawing/2010/main" xmlns="">
                   <a:effectLst>
                     <a:outerShdw blurRad="63500" dist="38099" dir="2700000" algn="ctr" rotWithShape="0">
                       <a:schemeClr val="bg2">
@@ -12307,7 +12317,7 @@
             <a:effectLst/>
             <a:extLst>
               <a:ext uri="{AF507438-7753-43e0-B8FC-AC1667EBCBE1}">
-                <a14:hiddenEffects xmlns="" xmlns:a14="http://schemas.microsoft.com/office/drawing/2010/main">
+                <a14:hiddenEffects xmlns:a14="http://schemas.microsoft.com/office/drawing/2010/main" xmlns="">
                   <a:effectLst>
                     <a:outerShdw blurRad="63500" dist="38099" dir="2700000" algn="ctr" rotWithShape="0">
                       <a:schemeClr val="bg2">
@@ -12349,7 +12359,7 @@
             <a:effectLst/>
             <a:extLst>
               <a:ext uri="{AF507438-7753-43e0-B8FC-AC1667EBCBE1}">
-                <a14:hiddenEffects xmlns="" xmlns:a14="http://schemas.microsoft.com/office/drawing/2010/main">
+                <a14:hiddenEffects xmlns:a14="http://schemas.microsoft.com/office/drawing/2010/main" xmlns="">
                   <a:effectLst>
                     <a:outerShdw blurRad="63500" dist="38099" dir="2700000" algn="ctr" rotWithShape="0">
                       <a:schemeClr val="bg2">
@@ -12391,7 +12401,7 @@
             <a:effectLst/>
             <a:extLst>
               <a:ext uri="{AF507438-7753-43e0-B8FC-AC1667EBCBE1}">
-                <a14:hiddenEffects xmlns="" xmlns:a14="http://schemas.microsoft.com/office/drawing/2010/main">
+                <a14:hiddenEffects xmlns:a14="http://schemas.microsoft.com/office/drawing/2010/main" xmlns="">
                   <a:effectLst>
                     <a:outerShdw blurRad="63500" dist="38099" dir="2700000" algn="ctr" rotWithShape="0">
                       <a:schemeClr val="bg2">
@@ -12433,7 +12443,7 @@
             <a:effectLst/>
             <a:extLst>
               <a:ext uri="{AF507438-7753-43e0-B8FC-AC1667EBCBE1}">
-                <a14:hiddenEffects xmlns="" xmlns:a14="http://schemas.microsoft.com/office/drawing/2010/main">
+                <a14:hiddenEffects xmlns:a14="http://schemas.microsoft.com/office/drawing/2010/main" xmlns="">
                   <a:effectLst>
                     <a:outerShdw blurRad="63500" dist="38099" dir="2700000" algn="ctr" rotWithShape="0">
                       <a:schemeClr val="bg2">
@@ -12475,7 +12485,7 @@
             <a:effectLst/>
             <a:extLst>
               <a:ext uri="{AF507438-7753-43e0-B8FC-AC1667EBCBE1}">
-                <a14:hiddenEffects xmlns="" xmlns:a14="http://schemas.microsoft.com/office/drawing/2010/main">
+                <a14:hiddenEffects xmlns:a14="http://schemas.microsoft.com/office/drawing/2010/main" xmlns="">
                   <a:effectLst>
                     <a:outerShdw blurRad="63500" dist="38099" dir="2700000" algn="ctr" rotWithShape="0">
                       <a:schemeClr val="bg2">
@@ -12517,7 +12527,7 @@
             <a:effectLst/>
             <a:extLst>
               <a:ext uri="{AF507438-7753-43e0-B8FC-AC1667EBCBE1}">
-                <a14:hiddenEffects xmlns="" xmlns:a14="http://schemas.microsoft.com/office/drawing/2010/main">
+                <a14:hiddenEffects xmlns:a14="http://schemas.microsoft.com/office/drawing/2010/main" xmlns="">
                   <a:effectLst>
                     <a:outerShdw blurRad="63500" dist="38099" dir="2700000" algn="ctr" rotWithShape="0">
                       <a:schemeClr val="bg2">
@@ -12610,28 +12620,7 @@
           <a:p>
             <a:r>
               <a:rPr lang="en-US" dirty="0" smtClean="0"/>
-              <a:t>Compiler: </a:t>
-            </a:r>
-            <a:br>
-              <a:rPr lang="en-US" dirty="0" smtClean="0"/>
-            </a:br>
-            <a:r>
-              <a:rPr lang="en-US" dirty="0" smtClean="0"/>
-              <a:t>Cuppa</a:t>
-            </a:r>
-            <a:r>
-              <a:rPr lang="en-US" dirty="0" smtClean="0"/>
-              <a:t>3 </a:t>
-            </a:r>
-            <a:r>
-              <a:rPr lang="en-US" dirty="0" smtClean="0">
-                <a:sym typeface="Wingdings" charset="0"/>
-              </a:rPr>
-              <a:t></a:t>
-            </a:r>
-            <a:r>
-              <a:rPr lang="en-US" dirty="0" smtClean="0"/>
-              <a:t> exp2bytecode</a:t>
+              <a:t>Putting it all together</a:t>
             </a:r>
             <a:endParaRPr lang="en-US" dirty="0"/>
           </a:p>
@@ -12649,12 +12638,175 @@
         </p:nvSpPr>
         <p:spPr/>
         <p:txBody>
+          <a:bodyPr>
+            <a:normAutofit fontScale="70000" lnSpcReduction="20000"/>
+          </a:bodyPr>
+          <a:lstStyle/>
+          <a:p>
+            <a:r>
+              <a:rPr lang="en-US" dirty="0" smtClean="0"/>
+              <a:t>We use the symbol table to associate source variable names with target names</a:t>
+            </a:r>
+          </a:p>
+          <a:p>
+            <a:pPr lvl="1"/>
+            <a:r>
+              <a:rPr lang="en-US" dirty="0" smtClean="0"/>
+              <a:t>If source  variable is a function local variable then the target name will be a stack frame location</a:t>
+            </a:r>
+          </a:p>
+          <a:p>
+            <a:r>
+              <a:rPr lang="en-US" dirty="0" smtClean="0"/>
+              <a:t>We use the tree rewriting phase to lower the abstraction level of the AST:</a:t>
+            </a:r>
+          </a:p>
+          <a:p>
+            <a:pPr lvl="1"/>
+            <a:r>
+              <a:rPr lang="en-US" dirty="0" smtClean="0"/>
+              <a:t>Insert target names</a:t>
+            </a:r>
+          </a:p>
+          <a:p>
+            <a:pPr lvl="1"/>
+            <a:r>
+              <a:rPr lang="en-US" dirty="0" smtClean="0"/>
+              <a:t>Generate three-address code</a:t>
+            </a:r>
+          </a:p>
+          <a:p>
+            <a:r>
+              <a:rPr lang="en-US" dirty="0" smtClean="0"/>
+              <a:t>The lowered AST is already in a format that the </a:t>
+            </a:r>
+            <a:r>
+              <a:rPr lang="en-US" dirty="0" err="1" smtClean="0"/>
+              <a:t>codegen</a:t>
+            </a:r>
+            <a:r>
+              <a:rPr lang="en-US" dirty="0" smtClean="0"/>
+              <a:t> phase can understand</a:t>
+            </a:r>
+          </a:p>
+          <a:p>
+            <a:pPr lvl="1"/>
+            <a:r>
+              <a:rPr lang="en-US" dirty="0" smtClean="0"/>
+              <a:t>Overall </a:t>
+            </a:r>
+            <a:r>
+              <a:rPr lang="en-US" dirty="0" err="1" smtClean="0"/>
+              <a:t>codegen</a:t>
+            </a:r>
+            <a:r>
+              <a:rPr lang="en-US" dirty="0" smtClean="0"/>
+              <a:t> structure similar to Cuppa2 compiler</a:t>
+            </a:r>
+          </a:p>
+          <a:p>
+            <a:pPr lvl="1"/>
+            <a:r>
+              <a:rPr lang="en-US" dirty="0" smtClean="0"/>
+              <a:t>However, lots of details with regards to tracking three address-code result locations and stack manipulation</a:t>
+            </a:r>
+          </a:p>
+          <a:p>
+            <a:pPr lvl="1"/>
+            <a:r>
+              <a:rPr lang="en-US" dirty="0" smtClean="0"/>
+              <a:t>That said, most of the changes from the Cuppa2 to the Cuppa3 compiler are in the function declaration/code generation part and the expression handling part.</a:t>
+            </a:r>
+            <a:endParaRPr lang="en-US" dirty="0"/>
+          </a:p>
+        </p:txBody>
+      </p:sp>
+    </p:spTree>
+    <p:extLst>
+      <p:ext uri="{BB962C8B-B14F-4D97-AF65-F5344CB8AC3E}">
+        <p14:creationId xmlns:p14="http://schemas.microsoft.com/office/powerpoint/2010/main" val="433026770"/>
+      </p:ext>
+    </p:extLst>
+  </p:cSld>
+  <p:clrMapOvr>
+    <a:masterClrMapping/>
+  </p:clrMapOvr>
+  <p:timing>
+    <p:tnLst>
+      <p:par>
+        <p:cTn id="1" dur="indefinite" restart="never" nodeType="tmRoot"/>
+      </p:par>
+    </p:tnLst>
+  </p:timing>
+</p:sld>
+</file>
+
+<file path=ppt/slides/slide18.xml><?xml version="1.0" encoding="utf-8"?>
+<p:sld xmlns:a="http://schemas.openxmlformats.org/drawingml/2006/main" xmlns:r="http://schemas.openxmlformats.org/officeDocument/2006/relationships" xmlns:p="http://schemas.openxmlformats.org/presentationml/2006/main">
+  <p:cSld>
+    <p:spTree>
+      <p:nvGrpSpPr>
+        <p:cNvPr id="1" name=""/>
+        <p:cNvGrpSpPr/>
+        <p:nvPr/>
+      </p:nvGrpSpPr>
+      <p:grpSpPr>
+        <a:xfrm>
+          <a:off x="0" y="0"/>
+          <a:ext cx="0" cy="0"/>
+          <a:chOff x="0" y="0"/>
+          <a:chExt cx="0" cy="0"/>
+        </a:xfrm>
+      </p:grpSpPr>
+      <p:sp>
+        <p:nvSpPr>
+          <p:cNvPr id="2" name="Title 1"/>
+          <p:cNvSpPr>
+            <a:spLocks noGrp="1"/>
+          </p:cNvSpPr>
+          <p:nvPr>
+            <p:ph type="title"/>
+          </p:nvPr>
+        </p:nvSpPr>
+        <p:spPr/>
+        <p:txBody>
           <a:bodyPr/>
           <a:lstStyle/>
           <a:p>
             <a:r>
               <a:rPr lang="en-US" dirty="0" smtClean="0"/>
-              <a:t>Let’s look at some code:</a:t>
+              <a:t>Putting it all together</a:t>
+            </a:r>
+            <a:endParaRPr lang="en-US" dirty="0"/>
+          </a:p>
+        </p:txBody>
+      </p:sp>
+      <p:sp>
+        <p:nvSpPr>
+          <p:cNvPr id="3" name="Content Placeholder 2"/>
+          <p:cNvSpPr>
+            <a:spLocks noGrp="1"/>
+          </p:cNvSpPr>
+          <p:nvPr>
+            <p:ph idx="1"/>
+          </p:nvPr>
+        </p:nvSpPr>
+        <p:spPr/>
+        <p:txBody>
+          <a:bodyPr/>
+          <a:lstStyle/>
+          <a:p>
+            <a:r>
+              <a:rPr lang="en-US" dirty="0" smtClean="0"/>
+              <a:t>The relevant code:</a:t>
+            </a:r>
+            <a:endParaRPr lang="en-US" dirty="0" smtClean="0"/>
+          </a:p>
+          <a:p>
+            <a:pPr lvl="1"/>
+            <a:r>
+              <a:rPr lang="en-US" dirty="0" smtClean="0"/>
+              <a:t>Cuppa3_cc_symtab.py</a:t>
             </a:r>
           </a:p>
           <a:p>
@@ -12671,25 +12823,7 @@
               <a:rPr lang="en-US" dirty="0" smtClean="0"/>
               <a:t>cuppa3_cc_codegen.py</a:t>
             </a:r>
-          </a:p>
-          <a:p>
-            <a:r>
-              <a:rPr lang="en-US" dirty="0" smtClean="0"/>
-              <a:t>Look at Notebook </a:t>
-            </a:r>
-            <a:r>
-              <a:rPr lang="en-US" smtClean="0"/>
-              <a:t>for test suites </a:t>
-            </a:r>
-            <a:r>
-              <a:rPr lang="en-US" dirty="0" smtClean="0"/>
-              <a:t>for </a:t>
-            </a:r>
-            <a:r>
-              <a:rPr lang="en-US" smtClean="0"/>
-              <a:t>Cuppa3 compiler: ‘Cuppa3 CC Tests’</a:t>
-            </a:r>
-            <a:endParaRPr lang="en-US" dirty="0"/>
+            <a:endParaRPr lang="en-US" dirty="0" smtClean="0"/>
           </a:p>
         </p:txBody>
       </p:sp>
@@ -12697,6 +12831,142 @@
     <p:extLst>
       <p:ext uri="{BB962C8B-B14F-4D97-AF65-F5344CB8AC3E}">
         <p14:creationId xmlns:p14="http://schemas.microsoft.com/office/powerpoint/2010/main" val="1245810258"/>
+      </p:ext>
+    </p:extLst>
+  </p:cSld>
+  <p:clrMapOvr>
+    <a:masterClrMapping/>
+  </p:clrMapOvr>
+  <p:timing>
+    <p:tnLst>
+      <p:par>
+        <p:cTn id="1" dur="indefinite" restart="never" nodeType="tmRoot"/>
+      </p:par>
+    </p:tnLst>
+  </p:timing>
+</p:sld>
+</file>
+
+<file path=ppt/slides/slide19.xml><?xml version="1.0" encoding="utf-8"?>
+<p:sld xmlns:a="http://schemas.openxmlformats.org/drawingml/2006/main" xmlns:r="http://schemas.openxmlformats.org/officeDocument/2006/relationships" xmlns:p="http://schemas.openxmlformats.org/presentationml/2006/main">
+  <p:cSld>
+    <p:spTree>
+      <p:nvGrpSpPr>
+        <p:cNvPr id="1" name=""/>
+        <p:cNvGrpSpPr/>
+        <p:nvPr/>
+      </p:nvGrpSpPr>
+      <p:grpSpPr>
+        <a:xfrm>
+          <a:off x="0" y="0"/>
+          <a:ext cx="0" cy="0"/>
+          <a:chOff x="0" y="0"/>
+          <a:chExt cx="0" cy="0"/>
+        </a:xfrm>
+      </p:grpSpPr>
+      <p:sp>
+        <p:nvSpPr>
+          <p:cNvPr id="2" name="Title 1"/>
+          <p:cNvSpPr>
+            <a:spLocks noGrp="1"/>
+          </p:cNvSpPr>
+          <p:nvPr>
+            <p:ph type="title"/>
+          </p:nvPr>
+        </p:nvSpPr>
+        <p:spPr/>
+        <p:txBody>
+          <a:bodyPr/>
+          <a:lstStyle/>
+          <a:p>
+            <a:r>
+              <a:rPr lang="en-US" dirty="0" smtClean="0"/>
+              <a:t>Putting it all together: three-address code generation</a:t>
+            </a:r>
+            <a:endParaRPr lang="en-US" dirty="0"/>
+          </a:p>
+        </p:txBody>
+      </p:sp>
+      <p:sp>
+        <p:nvSpPr>
+          <p:cNvPr id="3" name="Content Placeholder 2"/>
+          <p:cNvSpPr>
+            <a:spLocks noGrp="1"/>
+          </p:cNvSpPr>
+          <p:nvPr>
+            <p:ph idx="1"/>
+          </p:nvPr>
+        </p:nvSpPr>
+        <p:spPr>
+          <a:xfrm>
+            <a:off x="457200" y="1719263"/>
+            <a:ext cx="3276600" cy="3614737"/>
+          </a:xfrm>
+        </p:spPr>
+        <p:txBody>
+          <a:bodyPr/>
+          <a:lstStyle/>
+          <a:p>
+            <a:r>
+              <a:rPr lang="en-US" sz="1400" dirty="0" smtClean="0"/>
+              <a:t>Let’s use this program to follow the translation process through the compiler</a:t>
+            </a:r>
+            <a:endParaRPr lang="en-US" sz="1400" dirty="0"/>
+          </a:p>
+        </p:txBody>
+      </p:sp>
+      <p:pic>
+        <p:nvPicPr>
+          <p:cNvPr id="5" name="Picture 4"/>
+          <p:cNvPicPr>
+            <a:picLocks noChangeAspect="1"/>
+          </p:cNvPicPr>
+          <p:nvPr/>
+        </p:nvPicPr>
+        <p:blipFill>
+          <a:blip r:embed="rId2"/>
+          <a:stretch>
+            <a:fillRect/>
+          </a:stretch>
+        </p:blipFill>
+        <p:spPr>
+          <a:xfrm>
+            <a:off x="3429000" y="2083656"/>
+            <a:ext cx="5219700" cy="1954944"/>
+          </a:xfrm>
+          <a:prstGeom prst="rect">
+            <a:avLst/>
+          </a:prstGeom>
+        </p:spPr>
+      </p:pic>
+      <p:pic>
+        <p:nvPicPr>
+          <p:cNvPr id="4" name="Picture 3"/>
+          <p:cNvPicPr>
+            <a:picLocks noChangeAspect="1"/>
+          </p:cNvPicPr>
+          <p:nvPr/>
+        </p:nvPicPr>
+        <p:blipFill>
+          <a:blip r:embed="rId3"/>
+          <a:stretch>
+            <a:fillRect/>
+          </a:stretch>
+        </p:blipFill>
+        <p:spPr>
+          <a:xfrm>
+            <a:off x="381000" y="4253425"/>
+            <a:ext cx="4027714" cy="2299775"/>
+          </a:xfrm>
+          <a:prstGeom prst="rect">
+            <a:avLst/>
+          </a:prstGeom>
+        </p:spPr>
+      </p:pic>
+    </p:spTree>
+    <p:extLst>
+      <p:ext uri="{BB962C8B-B14F-4D97-AF65-F5344CB8AC3E}">
+        <p14:creationId xmlns:p14="http://schemas.microsoft.com/office/powerpoint/2010/main" val="1020495407"/>
       </p:ext>
     </p:extLst>
   </p:cSld>
@@ -12856,7 +13126,7 @@
           </a:ln>
           <a:extLst>
             <a:ext uri="{909E8E84-426E-40dd-AFC4-6F175D3DCCD1}">
-              <a14:hiddenFill xmlns:a14="http://schemas.microsoft.com/office/drawing/2010/main" xmlns="">
+              <a14:hiddenFill xmlns="" xmlns:a14="http://schemas.microsoft.com/office/drawing/2010/main">
                 <a:solidFill>
                   <a:schemeClr val="accent1"/>
                 </a:solidFill>
@@ -12958,7 +13228,7 @@
           </a:ln>
           <a:extLst>
             <a:ext uri="{909E8E84-426E-40dd-AFC4-6F175D3DCCD1}">
-              <a14:hiddenFill xmlns:a14="http://schemas.microsoft.com/office/drawing/2010/main" xmlns="">
+              <a14:hiddenFill xmlns="" xmlns:a14="http://schemas.microsoft.com/office/drawing/2010/main">
                 <a:solidFill>
                   <a:schemeClr val="accent1"/>
                 </a:solidFill>
@@ -13145,6 +13415,3162 @@
         </p:txBody>
       </p:sp>
     </p:spTree>
+  </p:cSld>
+  <p:clrMapOvr>
+    <a:masterClrMapping/>
+  </p:clrMapOvr>
+  <p:timing>
+    <p:tnLst>
+      <p:par>
+        <p:cTn id="1" dur="indefinite" restart="never" nodeType="tmRoot"/>
+      </p:par>
+    </p:tnLst>
+  </p:timing>
+</p:sld>
+</file>
+
+<file path=ppt/slides/slide20.xml><?xml version="1.0" encoding="utf-8"?>
+<p:sld xmlns:a="http://schemas.openxmlformats.org/drawingml/2006/main" xmlns:r="http://schemas.openxmlformats.org/officeDocument/2006/relationships" xmlns:p="http://schemas.openxmlformats.org/presentationml/2006/main">
+  <p:cSld>
+    <p:spTree>
+      <p:nvGrpSpPr>
+        <p:cNvPr id="1" name=""/>
+        <p:cNvGrpSpPr/>
+        <p:nvPr/>
+      </p:nvGrpSpPr>
+      <p:grpSpPr>
+        <a:xfrm>
+          <a:off x="0" y="0"/>
+          <a:ext cx="0" cy="0"/>
+          <a:chOff x="0" y="0"/>
+          <a:chExt cx="0" cy="0"/>
+        </a:xfrm>
+      </p:grpSpPr>
+      <p:sp>
+        <p:nvSpPr>
+          <p:cNvPr id="2" name="Title 1"/>
+          <p:cNvSpPr>
+            <a:spLocks noGrp="1"/>
+          </p:cNvSpPr>
+          <p:nvPr>
+            <p:ph type="title"/>
+          </p:nvPr>
+        </p:nvSpPr>
+        <p:spPr/>
+        <p:txBody>
+          <a:bodyPr/>
+          <a:lstStyle/>
+          <a:p>
+            <a:r>
+              <a:rPr lang="en-US" dirty="0" smtClean="0"/>
+              <a:t>Putting it all together: three-address code generation</a:t>
+            </a:r>
+            <a:endParaRPr lang="en-US" dirty="0"/>
+          </a:p>
+        </p:txBody>
+      </p:sp>
+      <p:sp>
+        <p:nvSpPr>
+          <p:cNvPr id="3" name="Content Placeholder 2"/>
+          <p:cNvSpPr>
+            <a:spLocks noGrp="1"/>
+          </p:cNvSpPr>
+          <p:nvPr>
+            <p:ph idx="1"/>
+          </p:nvPr>
+        </p:nvSpPr>
+        <p:spPr>
+          <a:xfrm>
+            <a:off x="5410200" y="1828800"/>
+            <a:ext cx="3276600" cy="3614737"/>
+          </a:xfrm>
+        </p:spPr>
+        <p:txBody>
+          <a:bodyPr/>
+          <a:lstStyle/>
+          <a:p>
+            <a:r>
+              <a:rPr lang="en-US" sz="1400" dirty="0" smtClean="0"/>
+              <a:t>The AST right after the front end.</a:t>
+            </a:r>
+            <a:endParaRPr lang="en-US" sz="1400" dirty="0"/>
+          </a:p>
+        </p:txBody>
+      </p:sp>
+      <p:pic>
+        <p:nvPicPr>
+          <p:cNvPr id="6" name="Picture 5"/>
+          <p:cNvPicPr>
+            <a:picLocks noChangeAspect="1"/>
+          </p:cNvPicPr>
+          <p:nvPr/>
+        </p:nvPicPr>
+        <p:blipFill>
+          <a:blip r:embed="rId2"/>
+          <a:stretch>
+            <a:fillRect/>
+          </a:stretch>
+        </p:blipFill>
+        <p:spPr>
+          <a:xfrm>
+            <a:off x="228600" y="1575593"/>
+            <a:ext cx="4924125" cy="4121150"/>
+          </a:xfrm>
+          <a:prstGeom prst="rect">
+            <a:avLst/>
+          </a:prstGeom>
+        </p:spPr>
+      </p:pic>
+    </p:spTree>
+    <p:extLst>
+      <p:ext uri="{BB962C8B-B14F-4D97-AF65-F5344CB8AC3E}">
+        <p14:creationId xmlns:p14="http://schemas.microsoft.com/office/powerpoint/2010/main" val="949749824"/>
+      </p:ext>
+    </p:extLst>
+  </p:cSld>
+  <p:clrMapOvr>
+    <a:masterClrMapping/>
+  </p:clrMapOvr>
+  <p:timing>
+    <p:tnLst>
+      <p:par>
+        <p:cTn id="1" dur="indefinite" restart="never" nodeType="tmRoot"/>
+      </p:par>
+    </p:tnLst>
+  </p:timing>
+</p:sld>
+</file>
+
+<file path=ppt/slides/slide21.xml><?xml version="1.0" encoding="utf-8"?>
+<p:sld xmlns:a="http://schemas.openxmlformats.org/drawingml/2006/main" xmlns:r="http://schemas.openxmlformats.org/officeDocument/2006/relationships" xmlns:p="http://schemas.openxmlformats.org/presentationml/2006/main">
+  <p:cSld>
+    <p:spTree>
+      <p:nvGrpSpPr>
+        <p:cNvPr id="1" name=""/>
+        <p:cNvGrpSpPr/>
+        <p:nvPr/>
+      </p:nvGrpSpPr>
+      <p:grpSpPr>
+        <a:xfrm>
+          <a:off x="0" y="0"/>
+          <a:ext cx="0" cy="0"/>
+          <a:chOff x="0" y="0"/>
+          <a:chExt cx="0" cy="0"/>
+        </a:xfrm>
+      </p:grpSpPr>
+      <p:sp>
+        <p:nvSpPr>
+          <p:cNvPr id="2" name="Title 1"/>
+          <p:cNvSpPr>
+            <a:spLocks noGrp="1"/>
+          </p:cNvSpPr>
+          <p:nvPr>
+            <p:ph type="title"/>
+          </p:nvPr>
+        </p:nvSpPr>
+        <p:spPr/>
+        <p:txBody>
+          <a:bodyPr/>
+          <a:lstStyle/>
+          <a:p>
+            <a:r>
+              <a:rPr lang="en-US" dirty="0" smtClean="0"/>
+              <a:t>Putting it all together: three-address code generation</a:t>
+            </a:r>
+            <a:endParaRPr lang="en-US" dirty="0"/>
+          </a:p>
+        </p:txBody>
+      </p:sp>
+      <p:sp>
+        <p:nvSpPr>
+          <p:cNvPr id="3" name="Content Placeholder 2"/>
+          <p:cNvSpPr>
+            <a:spLocks noGrp="1"/>
+          </p:cNvSpPr>
+          <p:nvPr>
+            <p:ph idx="1"/>
+          </p:nvPr>
+        </p:nvSpPr>
+        <p:spPr>
+          <a:xfrm>
+            <a:off x="5410200" y="1828800"/>
+            <a:ext cx="3276600" cy="3614737"/>
+          </a:xfrm>
+        </p:spPr>
+        <p:txBody>
+          <a:bodyPr/>
+          <a:lstStyle/>
+          <a:p>
+            <a:r>
+              <a:rPr lang="en-US" sz="1400" dirty="0" smtClean="0"/>
+              <a:t>The AST right after tree rewriting.</a:t>
+            </a:r>
+          </a:p>
+          <a:p>
+            <a:r>
+              <a:rPr lang="en-US" sz="1400" dirty="0" smtClean="0"/>
+              <a:t>Notice the additional variable name in the expression AST </a:t>
+            </a:r>
+            <a:r>
+              <a:rPr lang="mr-IN" sz="1400" dirty="0" smtClean="0"/>
+              <a:t>–</a:t>
+            </a:r>
+            <a:r>
+              <a:rPr lang="en-US" sz="1400" dirty="0" smtClean="0"/>
+              <a:t> third address!</a:t>
+            </a:r>
+            <a:endParaRPr lang="en-US" sz="1400" dirty="0"/>
+          </a:p>
+        </p:txBody>
+      </p:sp>
+      <p:pic>
+        <p:nvPicPr>
+          <p:cNvPr id="4" name="Picture 3"/>
+          <p:cNvPicPr>
+            <a:picLocks noChangeAspect="1"/>
+          </p:cNvPicPr>
+          <p:nvPr/>
+        </p:nvPicPr>
+        <p:blipFill>
+          <a:blip r:embed="rId2"/>
+          <a:stretch>
+            <a:fillRect/>
+          </a:stretch>
+        </p:blipFill>
+        <p:spPr>
+          <a:xfrm>
+            <a:off x="609600" y="2362200"/>
+            <a:ext cx="4648200" cy="3695700"/>
+          </a:xfrm>
+          <a:prstGeom prst="rect">
+            <a:avLst/>
+          </a:prstGeom>
+        </p:spPr>
+      </p:pic>
+      <p:sp>
+        <p:nvSpPr>
+          <p:cNvPr id="5" name="Left Arrow 4"/>
+          <p:cNvSpPr/>
+          <p:nvPr/>
+        </p:nvSpPr>
+        <p:spPr bwMode="auto">
+          <a:xfrm>
+            <a:off x="3067050" y="3810000"/>
+            <a:ext cx="495300" cy="228600"/>
+          </a:xfrm>
+          <a:prstGeom prst="leftArrow">
+            <a:avLst/>
+          </a:prstGeom>
+          <a:solidFill>
+            <a:srgbClr val="FF0000"/>
+          </a:solidFill>
+          <a:ln w="9525" cap="flat" cmpd="sng" algn="ctr">
+            <a:solidFill>
+              <a:schemeClr val="tx1"/>
+            </a:solidFill>
+            <a:prstDash val="solid"/>
+            <a:round/>
+            <a:headEnd type="none" w="med" len="med"/>
+            <a:tailEnd type="none" w="med" len="med"/>
+          </a:ln>
+          <a:effectLst/>
+          <a:extLst>
+            <a:ext uri="{AF507438-7753-43e0-B8FC-AC1667EBCBE1}">
+              <a14:hiddenEffects xmlns="" xmlns:a14="http://schemas.microsoft.com/office/drawing/2010/main">
+                <a:effectLst>
+                  <a:outerShdw blurRad="63500" dist="38099" dir="2700000" algn="ctr" rotWithShape="0">
+                    <a:schemeClr val="bg2">
+                      <a:alpha val="74998"/>
+                    </a:schemeClr>
+                  </a:outerShdw>
+                </a:effectLst>
+              </a14:hiddenEffects>
+            </a:ext>
+          </a:extLst>
+        </p:spPr>
+        <p:txBody>
+          <a:bodyPr vert="horz" wrap="square" lIns="91440" tIns="45720" rIns="91440" bIns="45720" numCol="1" rtlCol="0" anchor="t" anchorCtr="0" compatLnSpc="1">
+            <a:prstTxWarp prst="textNoShape">
+              <a:avLst/>
+            </a:prstTxWarp>
+          </a:bodyPr>
+          <a:lstStyle/>
+          <a:p>
+            <a:pPr marL="0" marR="0" indent="0" algn="l" defTabSz="914400" rtl="0" eaLnBrk="0" fontAlgn="base" latinLnBrk="0" hangingPunct="0">
+              <a:lnSpc>
+                <a:spcPct val="100000"/>
+              </a:lnSpc>
+              <a:spcBef>
+                <a:spcPct val="0"/>
+              </a:spcBef>
+              <a:spcAft>
+                <a:spcPct val="0"/>
+              </a:spcAft>
+              <a:buClrTx/>
+              <a:buSzTx/>
+              <a:buFontTx/>
+              <a:buNone/>
+              <a:tabLst/>
+            </a:pPr>
+            <a:endParaRPr kumimoji="0" lang="en-US" sz="2400" b="0" i="0" u="none" strike="noStrike" cap="none" normalizeH="0" baseline="0">
+              <a:ln>
+                <a:noFill/>
+              </a:ln>
+              <a:solidFill>
+                <a:srgbClr val="000000"/>
+              </a:solidFill>
+              <a:effectLst/>
+              <a:latin typeface="Arial" charset="0"/>
+              <a:ea typeface="ＭＳ Ｐゴシック" charset="0"/>
+              <a:cs typeface="ＭＳ Ｐゴシック" charset="0"/>
+            </a:endParaRPr>
+          </a:p>
+        </p:txBody>
+      </p:sp>
+      <p:sp>
+        <p:nvSpPr>
+          <p:cNvPr id="7" name="Left Arrow 6"/>
+          <p:cNvSpPr/>
+          <p:nvPr/>
+        </p:nvSpPr>
+        <p:spPr bwMode="auto">
+          <a:xfrm>
+            <a:off x="3390900" y="4038600"/>
+            <a:ext cx="495300" cy="228600"/>
+          </a:xfrm>
+          <a:prstGeom prst="leftArrow">
+            <a:avLst/>
+          </a:prstGeom>
+          <a:solidFill>
+            <a:srgbClr val="FF0000"/>
+          </a:solidFill>
+          <a:ln w="9525" cap="flat" cmpd="sng" algn="ctr">
+            <a:solidFill>
+              <a:schemeClr val="tx1"/>
+            </a:solidFill>
+            <a:prstDash val="solid"/>
+            <a:round/>
+            <a:headEnd type="none" w="med" len="med"/>
+            <a:tailEnd type="none" w="med" len="med"/>
+          </a:ln>
+          <a:effectLst/>
+          <a:extLst>
+            <a:ext uri="{AF507438-7753-43e0-B8FC-AC1667EBCBE1}">
+              <a14:hiddenEffects xmlns="" xmlns:a14="http://schemas.microsoft.com/office/drawing/2010/main">
+                <a:effectLst>
+                  <a:outerShdw blurRad="63500" dist="38099" dir="2700000" algn="ctr" rotWithShape="0">
+                    <a:schemeClr val="bg2">
+                      <a:alpha val="74998"/>
+                    </a:schemeClr>
+                  </a:outerShdw>
+                </a:effectLst>
+              </a14:hiddenEffects>
+            </a:ext>
+          </a:extLst>
+        </p:spPr>
+        <p:txBody>
+          <a:bodyPr vert="horz" wrap="square" lIns="91440" tIns="45720" rIns="91440" bIns="45720" numCol="1" rtlCol="0" anchor="t" anchorCtr="0" compatLnSpc="1">
+            <a:prstTxWarp prst="textNoShape">
+              <a:avLst/>
+            </a:prstTxWarp>
+          </a:bodyPr>
+          <a:lstStyle/>
+          <a:p>
+            <a:pPr marL="0" marR="0" indent="0" algn="l" defTabSz="914400" rtl="0" eaLnBrk="0" fontAlgn="base" latinLnBrk="0" hangingPunct="0">
+              <a:lnSpc>
+                <a:spcPct val="100000"/>
+              </a:lnSpc>
+              <a:spcBef>
+                <a:spcPct val="0"/>
+              </a:spcBef>
+              <a:spcAft>
+                <a:spcPct val="0"/>
+              </a:spcAft>
+              <a:buClrTx/>
+              <a:buSzTx/>
+              <a:buFontTx/>
+              <a:buNone/>
+              <a:tabLst/>
+            </a:pPr>
+            <a:endParaRPr kumimoji="0" lang="en-US" sz="2400" b="0" i="0" u="none" strike="noStrike" cap="none" normalizeH="0" baseline="0">
+              <a:ln>
+                <a:noFill/>
+              </a:ln>
+              <a:solidFill>
+                <a:srgbClr val="000000"/>
+              </a:solidFill>
+              <a:effectLst/>
+              <a:latin typeface="Arial" charset="0"/>
+              <a:ea typeface="ＭＳ Ｐゴシック" charset="0"/>
+              <a:cs typeface="ＭＳ Ｐゴシック" charset="0"/>
+            </a:endParaRPr>
+          </a:p>
+        </p:txBody>
+      </p:sp>
+    </p:spTree>
+    <p:extLst>
+      <p:ext uri="{BB962C8B-B14F-4D97-AF65-F5344CB8AC3E}">
+        <p14:creationId xmlns:p14="http://schemas.microsoft.com/office/powerpoint/2010/main" val="417801075"/>
+      </p:ext>
+    </p:extLst>
+  </p:cSld>
+  <p:clrMapOvr>
+    <a:masterClrMapping/>
+  </p:clrMapOvr>
+  <p:timing>
+    <p:tnLst>
+      <p:par>
+        <p:cTn id="1" dur="indefinite" restart="never" nodeType="tmRoot"/>
+      </p:par>
+    </p:tnLst>
+  </p:timing>
+</p:sld>
+</file>
+
+<file path=ppt/slides/slide22.xml><?xml version="1.0" encoding="utf-8"?>
+<p:sld xmlns:a="http://schemas.openxmlformats.org/drawingml/2006/main" xmlns:r="http://schemas.openxmlformats.org/officeDocument/2006/relationships" xmlns:p="http://schemas.openxmlformats.org/presentationml/2006/main">
+  <p:cSld>
+    <p:spTree>
+      <p:nvGrpSpPr>
+        <p:cNvPr id="1" name=""/>
+        <p:cNvGrpSpPr/>
+        <p:nvPr/>
+      </p:nvGrpSpPr>
+      <p:grpSpPr>
+        <a:xfrm>
+          <a:off x="0" y="0"/>
+          <a:ext cx="0" cy="0"/>
+          <a:chOff x="0" y="0"/>
+          <a:chExt cx="0" cy="0"/>
+        </a:xfrm>
+      </p:grpSpPr>
+      <p:sp>
+        <p:nvSpPr>
+          <p:cNvPr id="2" name="Title 1"/>
+          <p:cNvSpPr>
+            <a:spLocks noGrp="1"/>
+          </p:cNvSpPr>
+          <p:nvPr>
+            <p:ph type="title"/>
+          </p:nvPr>
+        </p:nvSpPr>
+        <p:spPr/>
+        <p:txBody>
+          <a:bodyPr/>
+          <a:lstStyle/>
+          <a:p>
+            <a:r>
+              <a:rPr lang="en-US" dirty="0" smtClean="0"/>
+              <a:t>Putting it all together: three-address code generation</a:t>
+            </a:r>
+            <a:endParaRPr lang="en-US" dirty="0"/>
+          </a:p>
+        </p:txBody>
+      </p:sp>
+      <p:pic>
+        <p:nvPicPr>
+          <p:cNvPr id="6" name="Picture 5"/>
+          <p:cNvPicPr>
+            <a:picLocks noChangeAspect="1"/>
+          </p:cNvPicPr>
+          <p:nvPr/>
+        </p:nvPicPr>
+        <p:blipFill>
+          <a:blip r:embed="rId2"/>
+          <a:stretch>
+            <a:fillRect/>
+          </a:stretch>
+        </p:blipFill>
+        <p:spPr>
+          <a:xfrm>
+            <a:off x="838200" y="2933700"/>
+            <a:ext cx="5816600" cy="1981200"/>
+          </a:xfrm>
+          <a:prstGeom prst="rect">
+            <a:avLst/>
+          </a:prstGeom>
+        </p:spPr>
+      </p:pic>
+      <p:sp>
+        <p:nvSpPr>
+          <p:cNvPr id="3" name="Content Placeholder 2"/>
+          <p:cNvSpPr>
+            <a:spLocks noGrp="1"/>
+          </p:cNvSpPr>
+          <p:nvPr>
+            <p:ph idx="1"/>
+          </p:nvPr>
+        </p:nvSpPr>
+        <p:spPr>
+          <a:xfrm>
+            <a:off x="5410200" y="1828800"/>
+            <a:ext cx="3276600" cy="3614737"/>
+          </a:xfrm>
+        </p:spPr>
+        <p:txBody>
+          <a:bodyPr/>
+          <a:lstStyle/>
+          <a:p>
+            <a:r>
+              <a:rPr lang="en-US" sz="1400" dirty="0" smtClean="0"/>
+              <a:t>The code generated from the lowered AST</a:t>
+            </a:r>
+          </a:p>
+          <a:p>
+            <a:r>
+              <a:rPr lang="en-US" sz="1400" dirty="0" smtClean="0"/>
+              <a:t>Notice the statements (arrows) due to three-address code generation</a:t>
+            </a:r>
+            <a:endParaRPr lang="en-US" sz="1400" dirty="0"/>
+          </a:p>
+        </p:txBody>
+      </p:sp>
+      <p:sp>
+        <p:nvSpPr>
+          <p:cNvPr id="5" name="Left Arrow 4"/>
+          <p:cNvSpPr/>
+          <p:nvPr/>
+        </p:nvSpPr>
+        <p:spPr bwMode="auto">
+          <a:xfrm>
+            <a:off x="4914900" y="3774961"/>
+            <a:ext cx="495300" cy="228600"/>
+          </a:xfrm>
+          <a:prstGeom prst="leftArrow">
+            <a:avLst/>
+          </a:prstGeom>
+          <a:solidFill>
+            <a:srgbClr val="FF0000"/>
+          </a:solidFill>
+          <a:ln w="9525" cap="flat" cmpd="sng" algn="ctr">
+            <a:solidFill>
+              <a:schemeClr val="tx1"/>
+            </a:solidFill>
+            <a:prstDash val="solid"/>
+            <a:round/>
+            <a:headEnd type="none" w="med" len="med"/>
+            <a:tailEnd type="none" w="med" len="med"/>
+          </a:ln>
+          <a:effectLst/>
+          <a:extLst>
+            <a:ext uri="{AF507438-7753-43e0-B8FC-AC1667EBCBE1}">
+              <a14:hiddenEffects xmlns="" xmlns:a14="http://schemas.microsoft.com/office/drawing/2010/main">
+                <a:effectLst>
+                  <a:outerShdw blurRad="63500" dist="38099" dir="2700000" algn="ctr" rotWithShape="0">
+                    <a:schemeClr val="bg2">
+                      <a:alpha val="74998"/>
+                    </a:schemeClr>
+                  </a:outerShdw>
+                </a:effectLst>
+              </a14:hiddenEffects>
+            </a:ext>
+          </a:extLst>
+        </p:spPr>
+        <p:txBody>
+          <a:bodyPr vert="horz" wrap="square" lIns="91440" tIns="45720" rIns="91440" bIns="45720" numCol="1" rtlCol="0" anchor="t" anchorCtr="0" compatLnSpc="1">
+            <a:prstTxWarp prst="textNoShape">
+              <a:avLst/>
+            </a:prstTxWarp>
+          </a:bodyPr>
+          <a:lstStyle/>
+          <a:p>
+            <a:pPr marL="0" marR="0" indent="0" algn="l" defTabSz="914400" rtl="0" eaLnBrk="0" fontAlgn="base" latinLnBrk="0" hangingPunct="0">
+              <a:lnSpc>
+                <a:spcPct val="100000"/>
+              </a:lnSpc>
+              <a:spcBef>
+                <a:spcPct val="0"/>
+              </a:spcBef>
+              <a:spcAft>
+                <a:spcPct val="0"/>
+              </a:spcAft>
+              <a:buClrTx/>
+              <a:buSzTx/>
+              <a:buFontTx/>
+              <a:buNone/>
+              <a:tabLst/>
+            </a:pPr>
+            <a:endParaRPr kumimoji="0" lang="en-US" sz="2400" b="0" i="0" u="none" strike="noStrike" cap="none" normalizeH="0" baseline="0">
+              <a:ln>
+                <a:noFill/>
+              </a:ln>
+              <a:solidFill>
+                <a:srgbClr val="000000"/>
+              </a:solidFill>
+              <a:effectLst/>
+              <a:latin typeface="Arial" charset="0"/>
+              <a:ea typeface="ＭＳ Ｐゴシック" charset="0"/>
+              <a:cs typeface="ＭＳ Ｐゴシック" charset="0"/>
+            </a:endParaRPr>
+          </a:p>
+        </p:txBody>
+      </p:sp>
+      <p:sp>
+        <p:nvSpPr>
+          <p:cNvPr id="7" name="Left Arrow 6"/>
+          <p:cNvSpPr/>
+          <p:nvPr/>
+        </p:nvSpPr>
+        <p:spPr bwMode="auto">
+          <a:xfrm>
+            <a:off x="5162550" y="3985055"/>
+            <a:ext cx="495300" cy="228600"/>
+          </a:xfrm>
+          <a:prstGeom prst="leftArrow">
+            <a:avLst/>
+          </a:prstGeom>
+          <a:solidFill>
+            <a:srgbClr val="FF0000"/>
+          </a:solidFill>
+          <a:ln w="9525" cap="flat" cmpd="sng" algn="ctr">
+            <a:solidFill>
+              <a:schemeClr val="tx1"/>
+            </a:solidFill>
+            <a:prstDash val="solid"/>
+            <a:round/>
+            <a:headEnd type="none" w="med" len="med"/>
+            <a:tailEnd type="none" w="med" len="med"/>
+          </a:ln>
+          <a:effectLst/>
+          <a:extLst>
+            <a:ext uri="{AF507438-7753-43e0-B8FC-AC1667EBCBE1}">
+              <a14:hiddenEffects xmlns="" xmlns:a14="http://schemas.microsoft.com/office/drawing/2010/main">
+                <a:effectLst>
+                  <a:outerShdw blurRad="63500" dist="38099" dir="2700000" algn="ctr" rotWithShape="0">
+                    <a:schemeClr val="bg2">
+                      <a:alpha val="74998"/>
+                    </a:schemeClr>
+                  </a:outerShdw>
+                </a:effectLst>
+              </a14:hiddenEffects>
+            </a:ext>
+          </a:extLst>
+        </p:spPr>
+        <p:txBody>
+          <a:bodyPr vert="horz" wrap="square" lIns="91440" tIns="45720" rIns="91440" bIns="45720" numCol="1" rtlCol="0" anchor="t" anchorCtr="0" compatLnSpc="1">
+            <a:prstTxWarp prst="textNoShape">
+              <a:avLst/>
+            </a:prstTxWarp>
+          </a:bodyPr>
+          <a:lstStyle/>
+          <a:p>
+            <a:pPr marL="0" marR="0" indent="0" algn="l" defTabSz="914400" rtl="0" eaLnBrk="0" fontAlgn="base" latinLnBrk="0" hangingPunct="0">
+              <a:lnSpc>
+                <a:spcPct val="100000"/>
+              </a:lnSpc>
+              <a:spcBef>
+                <a:spcPct val="0"/>
+              </a:spcBef>
+              <a:spcAft>
+                <a:spcPct val="0"/>
+              </a:spcAft>
+              <a:buClrTx/>
+              <a:buSzTx/>
+              <a:buFontTx/>
+              <a:buNone/>
+              <a:tabLst/>
+            </a:pPr>
+            <a:endParaRPr kumimoji="0" lang="en-US" sz="2400" b="0" i="0" u="none" strike="noStrike" cap="none" normalizeH="0" baseline="0">
+              <a:ln>
+                <a:noFill/>
+              </a:ln>
+              <a:solidFill>
+                <a:srgbClr val="000000"/>
+              </a:solidFill>
+              <a:effectLst/>
+              <a:latin typeface="Arial" charset="0"/>
+              <a:ea typeface="ＭＳ Ｐゴシック" charset="0"/>
+              <a:cs typeface="ＭＳ Ｐゴシック" charset="0"/>
+            </a:endParaRPr>
+          </a:p>
+        </p:txBody>
+      </p:sp>
+      <p:pic>
+        <p:nvPicPr>
+          <p:cNvPr id="8" name="Picture 7"/>
+          <p:cNvPicPr>
+            <a:picLocks noChangeAspect="1"/>
+          </p:cNvPicPr>
+          <p:nvPr/>
+        </p:nvPicPr>
+        <p:blipFill>
+          <a:blip r:embed="rId3"/>
+          <a:stretch>
+            <a:fillRect/>
+          </a:stretch>
+        </p:blipFill>
+        <p:spPr>
+          <a:xfrm>
+            <a:off x="838200" y="5443537"/>
+            <a:ext cx="3619500" cy="1092200"/>
+          </a:xfrm>
+          <a:prstGeom prst="rect">
+            <a:avLst/>
+          </a:prstGeom>
+        </p:spPr>
+      </p:pic>
+    </p:spTree>
+    <p:extLst>
+      <p:ext uri="{BB962C8B-B14F-4D97-AF65-F5344CB8AC3E}">
+        <p14:creationId xmlns:p14="http://schemas.microsoft.com/office/powerpoint/2010/main" val="869454718"/>
+      </p:ext>
+    </p:extLst>
+  </p:cSld>
+  <p:clrMapOvr>
+    <a:masterClrMapping/>
+  </p:clrMapOvr>
+  <p:timing>
+    <p:tnLst>
+      <p:par>
+        <p:cTn id="1" dur="indefinite" restart="never" nodeType="tmRoot"/>
+      </p:par>
+    </p:tnLst>
+  </p:timing>
+</p:sld>
+</file>
+
+<file path=ppt/slides/slide23.xml><?xml version="1.0" encoding="utf-8"?>
+<p:sld xmlns:a="http://schemas.openxmlformats.org/drawingml/2006/main" xmlns:r="http://schemas.openxmlformats.org/officeDocument/2006/relationships" xmlns:p="http://schemas.openxmlformats.org/presentationml/2006/main">
+  <p:cSld>
+    <p:spTree>
+      <p:nvGrpSpPr>
+        <p:cNvPr id="1" name=""/>
+        <p:cNvGrpSpPr/>
+        <p:nvPr/>
+      </p:nvGrpSpPr>
+      <p:grpSpPr>
+        <a:xfrm>
+          <a:off x="0" y="0"/>
+          <a:ext cx="0" cy="0"/>
+          <a:chOff x="0" y="0"/>
+          <a:chExt cx="0" cy="0"/>
+        </a:xfrm>
+      </p:grpSpPr>
+      <p:sp>
+        <p:nvSpPr>
+          <p:cNvPr id="2" name="Title 1"/>
+          <p:cNvSpPr>
+            <a:spLocks noGrp="1"/>
+          </p:cNvSpPr>
+          <p:nvPr>
+            <p:ph type="title"/>
+          </p:nvPr>
+        </p:nvSpPr>
+        <p:spPr/>
+        <p:txBody>
+          <a:bodyPr/>
+          <a:lstStyle/>
+          <a:p>
+            <a:r>
+              <a:rPr lang="en-US" dirty="0" smtClean="0"/>
+              <a:t>Putting it all together: Function local code</a:t>
+            </a:r>
+            <a:endParaRPr lang="en-US" dirty="0"/>
+          </a:p>
+        </p:txBody>
+      </p:sp>
+      <p:sp>
+        <p:nvSpPr>
+          <p:cNvPr id="3" name="Content Placeholder 2"/>
+          <p:cNvSpPr>
+            <a:spLocks noGrp="1"/>
+          </p:cNvSpPr>
+          <p:nvPr>
+            <p:ph idx="1"/>
+          </p:nvPr>
+        </p:nvSpPr>
+        <p:spPr>
+          <a:xfrm>
+            <a:off x="5410200" y="1828800"/>
+            <a:ext cx="3276600" cy="3614737"/>
+          </a:xfrm>
+        </p:spPr>
+        <p:txBody>
+          <a:bodyPr/>
+          <a:lstStyle/>
+          <a:p>
+            <a:r>
+              <a:rPr lang="en-US" sz="1400" dirty="0" smtClean="0"/>
+              <a:t>Let’s look at this function and trace the translation process with respect to function local variables</a:t>
+            </a:r>
+            <a:endParaRPr lang="en-US" sz="1400" dirty="0"/>
+          </a:p>
+        </p:txBody>
+      </p:sp>
+      <p:pic>
+        <p:nvPicPr>
+          <p:cNvPr id="4" name="Picture 3"/>
+          <p:cNvPicPr>
+            <a:picLocks noChangeAspect="1"/>
+          </p:cNvPicPr>
+          <p:nvPr/>
+        </p:nvPicPr>
+        <p:blipFill>
+          <a:blip r:embed="rId2"/>
+          <a:stretch>
+            <a:fillRect/>
+          </a:stretch>
+        </p:blipFill>
+        <p:spPr>
+          <a:xfrm>
+            <a:off x="1066800" y="2563018"/>
+            <a:ext cx="3810000" cy="2146300"/>
+          </a:xfrm>
+          <a:prstGeom prst="rect">
+            <a:avLst/>
+          </a:prstGeom>
+        </p:spPr>
+      </p:pic>
+    </p:spTree>
+    <p:extLst>
+      <p:ext uri="{BB962C8B-B14F-4D97-AF65-F5344CB8AC3E}">
+        <p14:creationId xmlns:p14="http://schemas.microsoft.com/office/powerpoint/2010/main" val="1689287273"/>
+      </p:ext>
+    </p:extLst>
+  </p:cSld>
+  <p:clrMapOvr>
+    <a:masterClrMapping/>
+  </p:clrMapOvr>
+  <p:timing>
+    <p:tnLst>
+      <p:par>
+        <p:cTn id="1" dur="indefinite" restart="never" nodeType="tmRoot"/>
+      </p:par>
+    </p:tnLst>
+  </p:timing>
+</p:sld>
+</file>
+
+<file path=ppt/slides/slide24.xml><?xml version="1.0" encoding="utf-8"?>
+<p:sld xmlns:a="http://schemas.openxmlformats.org/drawingml/2006/main" xmlns:r="http://schemas.openxmlformats.org/officeDocument/2006/relationships" xmlns:p="http://schemas.openxmlformats.org/presentationml/2006/main">
+  <p:cSld>
+    <p:spTree>
+      <p:nvGrpSpPr>
+        <p:cNvPr id="1" name=""/>
+        <p:cNvGrpSpPr/>
+        <p:nvPr/>
+      </p:nvGrpSpPr>
+      <p:grpSpPr>
+        <a:xfrm>
+          <a:off x="0" y="0"/>
+          <a:ext cx="0" cy="0"/>
+          <a:chOff x="0" y="0"/>
+          <a:chExt cx="0" cy="0"/>
+        </a:xfrm>
+      </p:grpSpPr>
+      <p:sp>
+        <p:nvSpPr>
+          <p:cNvPr id="2" name="Title 1"/>
+          <p:cNvSpPr>
+            <a:spLocks noGrp="1"/>
+          </p:cNvSpPr>
+          <p:nvPr>
+            <p:ph type="title"/>
+          </p:nvPr>
+        </p:nvSpPr>
+        <p:spPr/>
+        <p:txBody>
+          <a:bodyPr/>
+          <a:lstStyle/>
+          <a:p>
+            <a:r>
+              <a:rPr lang="en-US" dirty="0" smtClean="0"/>
+              <a:t>Putting it all together: Function local code</a:t>
+            </a:r>
+            <a:endParaRPr lang="en-US" dirty="0"/>
+          </a:p>
+        </p:txBody>
+      </p:sp>
+      <p:sp>
+        <p:nvSpPr>
+          <p:cNvPr id="3" name="Content Placeholder 2"/>
+          <p:cNvSpPr>
+            <a:spLocks noGrp="1"/>
+          </p:cNvSpPr>
+          <p:nvPr>
+            <p:ph idx="1"/>
+          </p:nvPr>
+        </p:nvSpPr>
+        <p:spPr>
+          <a:xfrm>
+            <a:off x="5410200" y="1828800"/>
+            <a:ext cx="3276600" cy="3614737"/>
+          </a:xfrm>
+        </p:spPr>
+        <p:txBody>
+          <a:bodyPr/>
+          <a:lstStyle/>
+          <a:p>
+            <a:r>
+              <a:rPr lang="en-US" sz="1400" dirty="0" smtClean="0"/>
+              <a:t>The AST right after the front end</a:t>
+            </a:r>
+            <a:endParaRPr lang="en-US" sz="1400" dirty="0"/>
+          </a:p>
+        </p:txBody>
+      </p:sp>
+      <p:pic>
+        <p:nvPicPr>
+          <p:cNvPr id="5" name="Picture 4"/>
+          <p:cNvPicPr>
+            <a:picLocks noChangeAspect="1"/>
+          </p:cNvPicPr>
+          <p:nvPr/>
+        </p:nvPicPr>
+        <p:blipFill>
+          <a:blip r:embed="rId2"/>
+          <a:stretch>
+            <a:fillRect/>
+          </a:stretch>
+        </p:blipFill>
+        <p:spPr>
+          <a:xfrm>
+            <a:off x="685800" y="1524000"/>
+            <a:ext cx="4522005" cy="4648200"/>
+          </a:xfrm>
+          <a:prstGeom prst="rect">
+            <a:avLst/>
+          </a:prstGeom>
+        </p:spPr>
+      </p:pic>
+      <p:sp>
+        <p:nvSpPr>
+          <p:cNvPr id="6" name="Left Arrow 5"/>
+          <p:cNvSpPr/>
+          <p:nvPr/>
+        </p:nvSpPr>
+        <p:spPr bwMode="auto">
+          <a:xfrm>
+            <a:off x="3371850" y="3611562"/>
+            <a:ext cx="495300" cy="228600"/>
+          </a:xfrm>
+          <a:prstGeom prst="leftArrow">
+            <a:avLst/>
+          </a:prstGeom>
+          <a:solidFill>
+            <a:srgbClr val="FF0000"/>
+          </a:solidFill>
+          <a:ln w="9525" cap="flat" cmpd="sng" algn="ctr">
+            <a:solidFill>
+              <a:schemeClr val="tx1"/>
+            </a:solidFill>
+            <a:prstDash val="solid"/>
+            <a:round/>
+            <a:headEnd type="none" w="med" len="med"/>
+            <a:tailEnd type="none" w="med" len="med"/>
+          </a:ln>
+          <a:effectLst/>
+          <a:extLst>
+            <a:ext uri="{AF507438-7753-43e0-B8FC-AC1667EBCBE1}">
+              <a14:hiddenEffects xmlns="" xmlns:a14="http://schemas.microsoft.com/office/drawing/2010/main">
+                <a:effectLst>
+                  <a:outerShdw blurRad="63500" dist="38099" dir="2700000" algn="ctr" rotWithShape="0">
+                    <a:schemeClr val="bg2">
+                      <a:alpha val="74998"/>
+                    </a:schemeClr>
+                  </a:outerShdw>
+                </a:effectLst>
+              </a14:hiddenEffects>
+            </a:ext>
+          </a:extLst>
+        </p:spPr>
+        <p:txBody>
+          <a:bodyPr vert="horz" wrap="square" lIns="91440" tIns="45720" rIns="91440" bIns="45720" numCol="1" rtlCol="0" anchor="t" anchorCtr="0" compatLnSpc="1">
+            <a:prstTxWarp prst="textNoShape">
+              <a:avLst/>
+            </a:prstTxWarp>
+          </a:bodyPr>
+          <a:lstStyle/>
+          <a:p>
+            <a:pPr marL="0" marR="0" indent="0" algn="l" defTabSz="914400" rtl="0" eaLnBrk="0" fontAlgn="base" latinLnBrk="0" hangingPunct="0">
+              <a:lnSpc>
+                <a:spcPct val="100000"/>
+              </a:lnSpc>
+              <a:spcBef>
+                <a:spcPct val="0"/>
+              </a:spcBef>
+              <a:spcAft>
+                <a:spcPct val="0"/>
+              </a:spcAft>
+              <a:buClrTx/>
+              <a:buSzTx/>
+              <a:buFontTx/>
+              <a:buNone/>
+              <a:tabLst/>
+            </a:pPr>
+            <a:endParaRPr kumimoji="0" lang="en-US" sz="2400" b="0" i="0" u="none" strike="noStrike" cap="none" normalizeH="0" baseline="0">
+              <a:ln>
+                <a:noFill/>
+              </a:ln>
+              <a:solidFill>
+                <a:srgbClr val="000000"/>
+              </a:solidFill>
+              <a:effectLst/>
+              <a:latin typeface="Arial" charset="0"/>
+              <a:ea typeface="ＭＳ Ｐゴシック" charset="0"/>
+              <a:cs typeface="ＭＳ Ｐゴシック" charset="0"/>
+            </a:endParaRPr>
+          </a:p>
+        </p:txBody>
+      </p:sp>
+      <p:sp>
+        <p:nvSpPr>
+          <p:cNvPr id="7" name="Left Arrow 6"/>
+          <p:cNvSpPr/>
+          <p:nvPr/>
+        </p:nvSpPr>
+        <p:spPr bwMode="auto">
+          <a:xfrm>
+            <a:off x="3124200" y="3276600"/>
+            <a:ext cx="495300" cy="228600"/>
+          </a:xfrm>
+          <a:prstGeom prst="leftArrow">
+            <a:avLst/>
+          </a:prstGeom>
+          <a:solidFill>
+            <a:srgbClr val="FF0000"/>
+          </a:solidFill>
+          <a:ln w="9525" cap="flat" cmpd="sng" algn="ctr">
+            <a:solidFill>
+              <a:schemeClr val="tx1"/>
+            </a:solidFill>
+            <a:prstDash val="solid"/>
+            <a:round/>
+            <a:headEnd type="none" w="med" len="med"/>
+            <a:tailEnd type="none" w="med" len="med"/>
+          </a:ln>
+          <a:effectLst/>
+          <a:extLst>
+            <a:ext uri="{AF507438-7753-43e0-B8FC-AC1667EBCBE1}">
+              <a14:hiddenEffects xmlns="" xmlns:a14="http://schemas.microsoft.com/office/drawing/2010/main">
+                <a:effectLst>
+                  <a:outerShdw blurRad="63500" dist="38099" dir="2700000" algn="ctr" rotWithShape="0">
+                    <a:schemeClr val="bg2">
+                      <a:alpha val="74998"/>
+                    </a:schemeClr>
+                  </a:outerShdw>
+                </a:effectLst>
+              </a14:hiddenEffects>
+            </a:ext>
+          </a:extLst>
+        </p:spPr>
+        <p:txBody>
+          <a:bodyPr vert="horz" wrap="square" lIns="91440" tIns="45720" rIns="91440" bIns="45720" numCol="1" rtlCol="0" anchor="t" anchorCtr="0" compatLnSpc="1">
+            <a:prstTxWarp prst="textNoShape">
+              <a:avLst/>
+            </a:prstTxWarp>
+          </a:bodyPr>
+          <a:lstStyle/>
+          <a:p>
+            <a:pPr marL="0" marR="0" indent="0" algn="l" defTabSz="914400" rtl="0" eaLnBrk="0" fontAlgn="base" latinLnBrk="0" hangingPunct="0">
+              <a:lnSpc>
+                <a:spcPct val="100000"/>
+              </a:lnSpc>
+              <a:spcBef>
+                <a:spcPct val="0"/>
+              </a:spcBef>
+              <a:spcAft>
+                <a:spcPct val="0"/>
+              </a:spcAft>
+              <a:buClrTx/>
+              <a:buSzTx/>
+              <a:buFontTx/>
+              <a:buNone/>
+              <a:tabLst/>
+            </a:pPr>
+            <a:endParaRPr kumimoji="0" lang="en-US" sz="2400" b="0" i="0" u="none" strike="noStrike" cap="none" normalizeH="0" baseline="0">
+              <a:ln>
+                <a:noFill/>
+              </a:ln>
+              <a:solidFill>
+                <a:srgbClr val="000000"/>
+              </a:solidFill>
+              <a:effectLst/>
+              <a:latin typeface="Arial" charset="0"/>
+              <a:ea typeface="ＭＳ Ｐゴシック" charset="0"/>
+              <a:cs typeface="ＭＳ Ｐゴシック" charset="0"/>
+            </a:endParaRPr>
+          </a:p>
+        </p:txBody>
+      </p:sp>
+    </p:spTree>
+    <p:extLst>
+      <p:ext uri="{BB962C8B-B14F-4D97-AF65-F5344CB8AC3E}">
+        <p14:creationId xmlns:p14="http://schemas.microsoft.com/office/powerpoint/2010/main" val="294097340"/>
+      </p:ext>
+    </p:extLst>
+  </p:cSld>
+  <p:clrMapOvr>
+    <a:masterClrMapping/>
+  </p:clrMapOvr>
+  <p:timing>
+    <p:tnLst>
+      <p:par>
+        <p:cTn id="1" dur="indefinite" restart="never" nodeType="tmRoot"/>
+      </p:par>
+    </p:tnLst>
+  </p:timing>
+</p:sld>
+</file>
+
+<file path=ppt/slides/slide25.xml><?xml version="1.0" encoding="utf-8"?>
+<p:sld xmlns:a="http://schemas.openxmlformats.org/drawingml/2006/main" xmlns:r="http://schemas.openxmlformats.org/officeDocument/2006/relationships" xmlns:p="http://schemas.openxmlformats.org/presentationml/2006/main">
+  <p:cSld>
+    <p:spTree>
+      <p:nvGrpSpPr>
+        <p:cNvPr id="1" name=""/>
+        <p:cNvGrpSpPr/>
+        <p:nvPr/>
+      </p:nvGrpSpPr>
+      <p:grpSpPr>
+        <a:xfrm>
+          <a:off x="0" y="0"/>
+          <a:ext cx="0" cy="0"/>
+          <a:chOff x="0" y="0"/>
+          <a:chExt cx="0" cy="0"/>
+        </a:xfrm>
+      </p:grpSpPr>
+      <p:sp>
+        <p:nvSpPr>
+          <p:cNvPr id="2" name="Title 1"/>
+          <p:cNvSpPr>
+            <a:spLocks noGrp="1"/>
+          </p:cNvSpPr>
+          <p:nvPr>
+            <p:ph type="title"/>
+          </p:nvPr>
+        </p:nvSpPr>
+        <p:spPr/>
+        <p:txBody>
+          <a:bodyPr/>
+          <a:lstStyle/>
+          <a:p>
+            <a:r>
+              <a:rPr lang="en-US" dirty="0" smtClean="0"/>
+              <a:t>Putting it all together: Function local code</a:t>
+            </a:r>
+            <a:endParaRPr lang="en-US" dirty="0"/>
+          </a:p>
+        </p:txBody>
+      </p:sp>
+      <p:sp>
+        <p:nvSpPr>
+          <p:cNvPr id="3" name="Content Placeholder 2"/>
+          <p:cNvSpPr>
+            <a:spLocks noGrp="1"/>
+          </p:cNvSpPr>
+          <p:nvPr>
+            <p:ph idx="1"/>
+          </p:nvPr>
+        </p:nvSpPr>
+        <p:spPr>
+          <a:xfrm>
+            <a:off x="5410200" y="1828800"/>
+            <a:ext cx="3276600" cy="3614737"/>
+          </a:xfrm>
+        </p:spPr>
+        <p:txBody>
+          <a:bodyPr/>
+          <a:lstStyle/>
+          <a:p>
+            <a:r>
+              <a:rPr lang="en-US" sz="1400" dirty="0" smtClean="0"/>
+              <a:t>The AST after rewriting</a:t>
+            </a:r>
+          </a:p>
+          <a:p>
+            <a:r>
+              <a:rPr lang="en-US" sz="1400" dirty="0" smtClean="0"/>
+              <a:t>Both function local variables and three address code generation are represented!</a:t>
+            </a:r>
+            <a:endParaRPr lang="en-US" sz="1400" dirty="0"/>
+          </a:p>
+        </p:txBody>
+      </p:sp>
+      <p:pic>
+        <p:nvPicPr>
+          <p:cNvPr id="4" name="Picture 3"/>
+          <p:cNvPicPr>
+            <a:picLocks noChangeAspect="1"/>
+          </p:cNvPicPr>
+          <p:nvPr/>
+        </p:nvPicPr>
+        <p:blipFill>
+          <a:blip r:embed="rId2"/>
+          <a:stretch>
+            <a:fillRect/>
+          </a:stretch>
+        </p:blipFill>
+        <p:spPr>
+          <a:xfrm>
+            <a:off x="152400" y="2133600"/>
+            <a:ext cx="4978400" cy="4495800"/>
+          </a:xfrm>
+          <a:prstGeom prst="rect">
+            <a:avLst/>
+          </a:prstGeom>
+        </p:spPr>
+      </p:pic>
+      <p:sp>
+        <p:nvSpPr>
+          <p:cNvPr id="6" name="Left Arrow 5"/>
+          <p:cNvSpPr/>
+          <p:nvPr/>
+        </p:nvSpPr>
+        <p:spPr bwMode="auto">
+          <a:xfrm>
+            <a:off x="3629992" y="3794760"/>
+            <a:ext cx="495300" cy="228600"/>
+          </a:xfrm>
+          <a:prstGeom prst="leftArrow">
+            <a:avLst/>
+          </a:prstGeom>
+          <a:solidFill>
+            <a:srgbClr val="FF0000"/>
+          </a:solidFill>
+          <a:ln w="9525" cap="flat" cmpd="sng" algn="ctr">
+            <a:solidFill>
+              <a:schemeClr val="tx1"/>
+            </a:solidFill>
+            <a:prstDash val="solid"/>
+            <a:round/>
+            <a:headEnd type="none" w="med" len="med"/>
+            <a:tailEnd type="none" w="med" len="med"/>
+          </a:ln>
+          <a:effectLst/>
+          <a:extLst>
+            <a:ext uri="{AF507438-7753-43e0-B8FC-AC1667EBCBE1}">
+              <a14:hiddenEffects xmlns="" xmlns:a14="http://schemas.microsoft.com/office/drawing/2010/main">
+                <a:effectLst>
+                  <a:outerShdw blurRad="63500" dist="38099" dir="2700000" algn="ctr" rotWithShape="0">
+                    <a:schemeClr val="bg2">
+                      <a:alpha val="74998"/>
+                    </a:schemeClr>
+                  </a:outerShdw>
+                </a:effectLst>
+              </a14:hiddenEffects>
+            </a:ext>
+          </a:extLst>
+        </p:spPr>
+        <p:txBody>
+          <a:bodyPr vert="horz" wrap="square" lIns="91440" tIns="45720" rIns="91440" bIns="45720" numCol="1" rtlCol="0" anchor="t" anchorCtr="0" compatLnSpc="1">
+            <a:prstTxWarp prst="textNoShape">
+              <a:avLst/>
+            </a:prstTxWarp>
+          </a:bodyPr>
+          <a:lstStyle/>
+          <a:p>
+            <a:pPr marL="0" marR="0" indent="0" algn="l" defTabSz="914400" rtl="0" eaLnBrk="0" fontAlgn="base" latinLnBrk="0" hangingPunct="0">
+              <a:lnSpc>
+                <a:spcPct val="100000"/>
+              </a:lnSpc>
+              <a:spcBef>
+                <a:spcPct val="0"/>
+              </a:spcBef>
+              <a:spcAft>
+                <a:spcPct val="0"/>
+              </a:spcAft>
+              <a:buClrTx/>
+              <a:buSzTx/>
+              <a:buFontTx/>
+              <a:buNone/>
+              <a:tabLst/>
+            </a:pPr>
+            <a:endParaRPr kumimoji="0" lang="en-US" sz="2400" b="0" i="0" u="none" strike="noStrike" cap="none" normalizeH="0" baseline="0">
+              <a:ln>
+                <a:noFill/>
+              </a:ln>
+              <a:solidFill>
+                <a:srgbClr val="000000"/>
+              </a:solidFill>
+              <a:effectLst/>
+              <a:latin typeface="Arial" charset="0"/>
+              <a:ea typeface="ＭＳ Ｐゴシック" charset="0"/>
+              <a:cs typeface="ＭＳ Ｐゴシック" charset="0"/>
+            </a:endParaRPr>
+          </a:p>
+        </p:txBody>
+      </p:sp>
+      <p:sp>
+        <p:nvSpPr>
+          <p:cNvPr id="7" name="Left Arrow 6"/>
+          <p:cNvSpPr/>
+          <p:nvPr/>
+        </p:nvSpPr>
+        <p:spPr bwMode="auto">
+          <a:xfrm>
+            <a:off x="3395949" y="3566160"/>
+            <a:ext cx="495300" cy="228600"/>
+          </a:xfrm>
+          <a:prstGeom prst="leftArrow">
+            <a:avLst/>
+          </a:prstGeom>
+          <a:solidFill>
+            <a:srgbClr val="FF0000"/>
+          </a:solidFill>
+          <a:ln w="9525" cap="flat" cmpd="sng" algn="ctr">
+            <a:solidFill>
+              <a:schemeClr val="tx1"/>
+            </a:solidFill>
+            <a:prstDash val="solid"/>
+            <a:round/>
+            <a:headEnd type="none" w="med" len="med"/>
+            <a:tailEnd type="none" w="med" len="med"/>
+          </a:ln>
+          <a:effectLst/>
+          <a:extLst>
+            <a:ext uri="{AF507438-7753-43e0-B8FC-AC1667EBCBE1}">
+              <a14:hiddenEffects xmlns="" xmlns:a14="http://schemas.microsoft.com/office/drawing/2010/main">
+                <a:effectLst>
+                  <a:outerShdw blurRad="63500" dist="38099" dir="2700000" algn="ctr" rotWithShape="0">
+                    <a:schemeClr val="bg2">
+                      <a:alpha val="74998"/>
+                    </a:schemeClr>
+                  </a:outerShdw>
+                </a:effectLst>
+              </a14:hiddenEffects>
+            </a:ext>
+          </a:extLst>
+        </p:spPr>
+        <p:txBody>
+          <a:bodyPr vert="horz" wrap="square" lIns="91440" tIns="45720" rIns="91440" bIns="45720" numCol="1" rtlCol="0" anchor="t" anchorCtr="0" compatLnSpc="1">
+            <a:prstTxWarp prst="textNoShape">
+              <a:avLst/>
+            </a:prstTxWarp>
+          </a:bodyPr>
+          <a:lstStyle/>
+          <a:p>
+            <a:pPr marL="0" marR="0" indent="0" algn="l" defTabSz="914400" rtl="0" eaLnBrk="0" fontAlgn="base" latinLnBrk="0" hangingPunct="0">
+              <a:lnSpc>
+                <a:spcPct val="100000"/>
+              </a:lnSpc>
+              <a:spcBef>
+                <a:spcPct val="0"/>
+              </a:spcBef>
+              <a:spcAft>
+                <a:spcPct val="0"/>
+              </a:spcAft>
+              <a:buClrTx/>
+              <a:buSzTx/>
+              <a:buFontTx/>
+              <a:buNone/>
+              <a:tabLst/>
+            </a:pPr>
+            <a:endParaRPr kumimoji="0" lang="en-US" sz="2400" b="0" i="0" u="none" strike="noStrike" cap="none" normalizeH="0" baseline="0">
+              <a:ln>
+                <a:noFill/>
+              </a:ln>
+              <a:solidFill>
+                <a:srgbClr val="000000"/>
+              </a:solidFill>
+              <a:effectLst/>
+              <a:latin typeface="Arial" charset="0"/>
+              <a:ea typeface="ＭＳ Ｐゴシック" charset="0"/>
+              <a:cs typeface="ＭＳ Ｐゴシック" charset="0"/>
+            </a:endParaRPr>
+          </a:p>
+        </p:txBody>
+      </p:sp>
+      <p:sp>
+        <p:nvSpPr>
+          <p:cNvPr id="8" name="Left Arrow 7"/>
+          <p:cNvSpPr/>
+          <p:nvPr/>
+        </p:nvSpPr>
+        <p:spPr bwMode="auto">
+          <a:xfrm>
+            <a:off x="4068142" y="4831080"/>
+            <a:ext cx="495300" cy="228600"/>
+          </a:xfrm>
+          <a:prstGeom prst="leftArrow">
+            <a:avLst/>
+          </a:prstGeom>
+          <a:solidFill>
+            <a:srgbClr val="FF0000"/>
+          </a:solidFill>
+          <a:ln w="9525" cap="flat" cmpd="sng" algn="ctr">
+            <a:solidFill>
+              <a:schemeClr val="tx1"/>
+            </a:solidFill>
+            <a:prstDash val="solid"/>
+            <a:round/>
+            <a:headEnd type="none" w="med" len="med"/>
+            <a:tailEnd type="none" w="med" len="med"/>
+          </a:ln>
+          <a:effectLst/>
+          <a:extLst>
+            <a:ext uri="{AF507438-7753-43e0-B8FC-AC1667EBCBE1}">
+              <a14:hiddenEffects xmlns="" xmlns:a14="http://schemas.microsoft.com/office/drawing/2010/main">
+                <a:effectLst>
+                  <a:outerShdw blurRad="63500" dist="38099" dir="2700000" algn="ctr" rotWithShape="0">
+                    <a:schemeClr val="bg2">
+                      <a:alpha val="74998"/>
+                    </a:schemeClr>
+                  </a:outerShdw>
+                </a:effectLst>
+              </a14:hiddenEffects>
+            </a:ext>
+          </a:extLst>
+        </p:spPr>
+        <p:txBody>
+          <a:bodyPr vert="horz" wrap="square" lIns="91440" tIns="45720" rIns="91440" bIns="45720" numCol="1" rtlCol="0" anchor="t" anchorCtr="0" compatLnSpc="1">
+            <a:prstTxWarp prst="textNoShape">
+              <a:avLst/>
+            </a:prstTxWarp>
+          </a:bodyPr>
+          <a:lstStyle/>
+          <a:p>
+            <a:pPr marL="0" marR="0" indent="0" algn="l" defTabSz="914400" rtl="0" eaLnBrk="0" fontAlgn="base" latinLnBrk="0" hangingPunct="0">
+              <a:lnSpc>
+                <a:spcPct val="100000"/>
+              </a:lnSpc>
+              <a:spcBef>
+                <a:spcPct val="0"/>
+              </a:spcBef>
+              <a:spcAft>
+                <a:spcPct val="0"/>
+              </a:spcAft>
+              <a:buClrTx/>
+              <a:buSzTx/>
+              <a:buFontTx/>
+              <a:buNone/>
+              <a:tabLst/>
+            </a:pPr>
+            <a:endParaRPr kumimoji="0" lang="en-US" sz="2400" b="0" i="0" u="none" strike="noStrike" cap="none" normalizeH="0" baseline="0">
+              <a:ln>
+                <a:noFill/>
+              </a:ln>
+              <a:solidFill>
+                <a:srgbClr val="000000"/>
+              </a:solidFill>
+              <a:effectLst/>
+              <a:latin typeface="Arial" charset="0"/>
+              <a:ea typeface="ＭＳ Ｐゴシック" charset="0"/>
+              <a:cs typeface="ＭＳ Ｐゴシック" charset="0"/>
+            </a:endParaRPr>
+          </a:p>
+        </p:txBody>
+      </p:sp>
+      <p:sp>
+        <p:nvSpPr>
+          <p:cNvPr id="9" name="Left Arrow 8"/>
+          <p:cNvSpPr/>
+          <p:nvPr/>
+        </p:nvSpPr>
+        <p:spPr bwMode="auto">
+          <a:xfrm>
+            <a:off x="4403558" y="5059680"/>
+            <a:ext cx="495300" cy="228600"/>
+          </a:xfrm>
+          <a:prstGeom prst="leftArrow">
+            <a:avLst/>
+          </a:prstGeom>
+          <a:solidFill>
+            <a:srgbClr val="FF0000"/>
+          </a:solidFill>
+          <a:ln w="9525" cap="flat" cmpd="sng" algn="ctr">
+            <a:solidFill>
+              <a:schemeClr val="tx1"/>
+            </a:solidFill>
+            <a:prstDash val="solid"/>
+            <a:round/>
+            <a:headEnd type="none" w="med" len="med"/>
+            <a:tailEnd type="none" w="med" len="med"/>
+          </a:ln>
+          <a:effectLst/>
+          <a:extLst>
+            <a:ext uri="{AF507438-7753-43e0-B8FC-AC1667EBCBE1}">
+              <a14:hiddenEffects xmlns="" xmlns:a14="http://schemas.microsoft.com/office/drawing/2010/main">
+                <a:effectLst>
+                  <a:outerShdw blurRad="63500" dist="38099" dir="2700000" algn="ctr" rotWithShape="0">
+                    <a:schemeClr val="bg2">
+                      <a:alpha val="74998"/>
+                    </a:schemeClr>
+                  </a:outerShdw>
+                </a:effectLst>
+              </a14:hiddenEffects>
+            </a:ext>
+          </a:extLst>
+        </p:spPr>
+        <p:txBody>
+          <a:bodyPr vert="horz" wrap="square" lIns="91440" tIns="45720" rIns="91440" bIns="45720" numCol="1" rtlCol="0" anchor="t" anchorCtr="0" compatLnSpc="1">
+            <a:prstTxWarp prst="textNoShape">
+              <a:avLst/>
+            </a:prstTxWarp>
+          </a:bodyPr>
+          <a:lstStyle/>
+          <a:p>
+            <a:pPr marL="0" marR="0" indent="0" algn="l" defTabSz="914400" rtl="0" eaLnBrk="0" fontAlgn="base" latinLnBrk="0" hangingPunct="0">
+              <a:lnSpc>
+                <a:spcPct val="100000"/>
+              </a:lnSpc>
+              <a:spcBef>
+                <a:spcPct val="0"/>
+              </a:spcBef>
+              <a:spcAft>
+                <a:spcPct val="0"/>
+              </a:spcAft>
+              <a:buClrTx/>
+              <a:buSzTx/>
+              <a:buFontTx/>
+              <a:buNone/>
+              <a:tabLst/>
+            </a:pPr>
+            <a:endParaRPr kumimoji="0" lang="en-US" sz="2400" b="0" i="0" u="none" strike="noStrike" cap="none" normalizeH="0" baseline="0">
+              <a:ln>
+                <a:noFill/>
+              </a:ln>
+              <a:solidFill>
+                <a:srgbClr val="000000"/>
+              </a:solidFill>
+              <a:effectLst/>
+              <a:latin typeface="Arial" charset="0"/>
+              <a:ea typeface="ＭＳ Ｐゴシック" charset="0"/>
+              <a:cs typeface="ＭＳ Ｐゴシック" charset="0"/>
+            </a:endParaRPr>
+          </a:p>
+        </p:txBody>
+      </p:sp>
+      <p:sp>
+        <p:nvSpPr>
+          <p:cNvPr id="10" name="Right Brace 9"/>
+          <p:cNvSpPr/>
+          <p:nvPr/>
+        </p:nvSpPr>
+        <p:spPr bwMode="auto">
+          <a:xfrm>
+            <a:off x="4651208" y="3566160"/>
+            <a:ext cx="45719" cy="405288"/>
+          </a:xfrm>
+          <a:prstGeom prst="rightBrace">
+            <a:avLst/>
+          </a:prstGeom>
+          <a:solidFill>
+            <a:schemeClr val="accent1"/>
+          </a:solidFill>
+          <a:ln w="9525" cap="flat" cmpd="sng" algn="ctr">
+            <a:solidFill>
+              <a:schemeClr val="tx1"/>
+            </a:solidFill>
+            <a:prstDash val="solid"/>
+            <a:round/>
+            <a:headEnd type="none" w="med" len="med"/>
+            <a:tailEnd type="none" w="med" len="med"/>
+          </a:ln>
+          <a:effectLst/>
+          <a:extLst>
+            <a:ext uri="{AF507438-7753-43e0-B8FC-AC1667EBCBE1}">
+              <a14:hiddenEffects xmlns="" xmlns:a14="http://schemas.microsoft.com/office/drawing/2010/main">
+                <a:effectLst>
+                  <a:outerShdw blurRad="63500" dist="38099" dir="2700000" algn="ctr" rotWithShape="0">
+                    <a:schemeClr val="bg2">
+                      <a:alpha val="74998"/>
+                    </a:schemeClr>
+                  </a:outerShdw>
+                </a:effectLst>
+              </a14:hiddenEffects>
+            </a:ext>
+          </a:extLst>
+        </p:spPr>
+        <p:txBody>
+          <a:bodyPr vert="horz" wrap="square" lIns="91440" tIns="45720" rIns="91440" bIns="45720" numCol="1" rtlCol="0" anchor="t" anchorCtr="0" compatLnSpc="1">
+            <a:prstTxWarp prst="textNoShape">
+              <a:avLst/>
+            </a:prstTxWarp>
+          </a:bodyPr>
+          <a:lstStyle/>
+          <a:p>
+            <a:pPr marL="0" marR="0" indent="0" algn="l" defTabSz="914400" rtl="0" eaLnBrk="0" fontAlgn="base" latinLnBrk="0" hangingPunct="0">
+              <a:lnSpc>
+                <a:spcPct val="100000"/>
+              </a:lnSpc>
+              <a:spcBef>
+                <a:spcPct val="0"/>
+              </a:spcBef>
+              <a:spcAft>
+                <a:spcPct val="0"/>
+              </a:spcAft>
+              <a:buClrTx/>
+              <a:buSzTx/>
+              <a:buFontTx/>
+              <a:buNone/>
+              <a:tabLst/>
+            </a:pPr>
+            <a:endParaRPr kumimoji="0" lang="en-US" sz="2400" b="0" i="0" u="none" strike="noStrike" cap="none" normalizeH="0" baseline="0">
+              <a:ln>
+                <a:noFill/>
+              </a:ln>
+              <a:solidFill>
+                <a:srgbClr val="000000"/>
+              </a:solidFill>
+              <a:effectLst/>
+              <a:latin typeface="Arial" charset="0"/>
+              <a:ea typeface="ＭＳ Ｐゴシック" charset="0"/>
+              <a:cs typeface="ＭＳ Ｐゴシック" charset="0"/>
+            </a:endParaRPr>
+          </a:p>
+        </p:txBody>
+      </p:sp>
+      <p:sp>
+        <p:nvSpPr>
+          <p:cNvPr id="11" name="TextBox 10"/>
+          <p:cNvSpPr txBox="1"/>
+          <p:nvPr/>
+        </p:nvSpPr>
+        <p:spPr>
+          <a:xfrm>
+            <a:off x="4868242" y="3608903"/>
+            <a:ext cx="1635384" cy="307777"/>
+          </a:xfrm>
+          <a:prstGeom prst="rect">
+            <a:avLst/>
+          </a:prstGeom>
+          <a:noFill/>
+        </p:spPr>
+        <p:txBody>
+          <a:bodyPr wrap="none" rtlCol="0">
+            <a:spAutoFit/>
+          </a:bodyPr>
+          <a:lstStyle/>
+          <a:p>
+            <a:r>
+              <a:rPr lang="en-US" sz="1400" dirty="0" smtClean="0"/>
+              <a:t>Formal arguments</a:t>
+            </a:r>
+            <a:endParaRPr lang="en-US" sz="1400" dirty="0"/>
+          </a:p>
+        </p:txBody>
+      </p:sp>
+      <p:sp>
+        <p:nvSpPr>
+          <p:cNvPr id="12" name="Right Brace 11"/>
+          <p:cNvSpPr/>
+          <p:nvPr/>
+        </p:nvSpPr>
+        <p:spPr bwMode="auto">
+          <a:xfrm>
+            <a:off x="5180617" y="4796246"/>
+            <a:ext cx="45719" cy="405288"/>
+          </a:xfrm>
+          <a:prstGeom prst="rightBrace">
+            <a:avLst/>
+          </a:prstGeom>
+          <a:solidFill>
+            <a:schemeClr val="accent1"/>
+          </a:solidFill>
+          <a:ln w="9525" cap="flat" cmpd="sng" algn="ctr">
+            <a:solidFill>
+              <a:schemeClr val="tx1"/>
+            </a:solidFill>
+            <a:prstDash val="solid"/>
+            <a:round/>
+            <a:headEnd type="none" w="med" len="med"/>
+            <a:tailEnd type="none" w="med" len="med"/>
+          </a:ln>
+          <a:effectLst/>
+          <a:extLst>
+            <a:ext uri="{AF507438-7753-43e0-B8FC-AC1667EBCBE1}">
+              <a14:hiddenEffects xmlns="" xmlns:a14="http://schemas.microsoft.com/office/drawing/2010/main">
+                <a:effectLst>
+                  <a:outerShdw blurRad="63500" dist="38099" dir="2700000" algn="ctr" rotWithShape="0">
+                    <a:schemeClr val="bg2">
+                      <a:alpha val="74998"/>
+                    </a:schemeClr>
+                  </a:outerShdw>
+                </a:effectLst>
+              </a14:hiddenEffects>
+            </a:ext>
+          </a:extLst>
+        </p:spPr>
+        <p:txBody>
+          <a:bodyPr vert="horz" wrap="square" lIns="91440" tIns="45720" rIns="91440" bIns="45720" numCol="1" rtlCol="0" anchor="t" anchorCtr="0" compatLnSpc="1">
+            <a:prstTxWarp prst="textNoShape">
+              <a:avLst/>
+            </a:prstTxWarp>
+          </a:bodyPr>
+          <a:lstStyle/>
+          <a:p>
+            <a:pPr marL="0" marR="0" indent="0" algn="l" defTabSz="914400" rtl="0" eaLnBrk="0" fontAlgn="base" latinLnBrk="0" hangingPunct="0">
+              <a:lnSpc>
+                <a:spcPct val="100000"/>
+              </a:lnSpc>
+              <a:spcBef>
+                <a:spcPct val="0"/>
+              </a:spcBef>
+              <a:spcAft>
+                <a:spcPct val="0"/>
+              </a:spcAft>
+              <a:buClrTx/>
+              <a:buSzTx/>
+              <a:buFontTx/>
+              <a:buNone/>
+              <a:tabLst/>
+            </a:pPr>
+            <a:endParaRPr kumimoji="0" lang="en-US" sz="2400" b="0" i="0" u="none" strike="noStrike" cap="none" normalizeH="0" baseline="0">
+              <a:ln>
+                <a:noFill/>
+              </a:ln>
+              <a:solidFill>
+                <a:srgbClr val="000000"/>
+              </a:solidFill>
+              <a:effectLst/>
+              <a:latin typeface="Arial" charset="0"/>
+              <a:ea typeface="ＭＳ Ｐゴシック" charset="0"/>
+              <a:cs typeface="ＭＳ Ｐゴシック" charset="0"/>
+            </a:endParaRPr>
+          </a:p>
+        </p:txBody>
+      </p:sp>
+      <p:sp>
+        <p:nvSpPr>
+          <p:cNvPr id="13" name="TextBox 12"/>
+          <p:cNvSpPr txBox="1"/>
+          <p:nvPr/>
+        </p:nvSpPr>
+        <p:spPr>
+          <a:xfrm>
+            <a:off x="5397651" y="4838989"/>
+            <a:ext cx="1675459" cy="307777"/>
+          </a:xfrm>
+          <a:prstGeom prst="rect">
+            <a:avLst/>
+          </a:prstGeom>
+          <a:noFill/>
+        </p:spPr>
+        <p:txBody>
+          <a:bodyPr wrap="none" rtlCol="0">
+            <a:spAutoFit/>
+          </a:bodyPr>
+          <a:lstStyle/>
+          <a:p>
+            <a:r>
+              <a:rPr lang="en-US" sz="1400" dirty="0" smtClean="0"/>
+              <a:t>3-addr code temps</a:t>
+            </a:r>
+            <a:endParaRPr lang="en-US" sz="1400" dirty="0"/>
+          </a:p>
+        </p:txBody>
+      </p:sp>
+      <p:sp>
+        <p:nvSpPr>
+          <p:cNvPr id="14" name="Left Arrow 13"/>
+          <p:cNvSpPr/>
+          <p:nvPr/>
+        </p:nvSpPr>
+        <p:spPr bwMode="auto">
+          <a:xfrm>
+            <a:off x="5062052" y="5515791"/>
+            <a:ext cx="495300" cy="228600"/>
+          </a:xfrm>
+          <a:prstGeom prst="leftArrow">
+            <a:avLst/>
+          </a:prstGeom>
+          <a:solidFill>
+            <a:srgbClr val="FF0000"/>
+          </a:solidFill>
+          <a:ln w="9525" cap="flat" cmpd="sng" algn="ctr">
+            <a:solidFill>
+              <a:schemeClr val="tx1"/>
+            </a:solidFill>
+            <a:prstDash val="solid"/>
+            <a:round/>
+            <a:headEnd type="none" w="med" len="med"/>
+            <a:tailEnd type="none" w="med" len="med"/>
+          </a:ln>
+          <a:effectLst/>
+          <a:extLst>
+            <a:ext uri="{AF507438-7753-43e0-B8FC-AC1667EBCBE1}">
+              <a14:hiddenEffects xmlns="" xmlns:a14="http://schemas.microsoft.com/office/drawing/2010/main">
+                <a:effectLst>
+                  <a:outerShdw blurRad="63500" dist="38099" dir="2700000" algn="ctr" rotWithShape="0">
+                    <a:schemeClr val="bg2">
+                      <a:alpha val="74998"/>
+                    </a:schemeClr>
+                  </a:outerShdw>
+                </a:effectLst>
+              </a14:hiddenEffects>
+            </a:ext>
+          </a:extLst>
+        </p:spPr>
+        <p:txBody>
+          <a:bodyPr vert="horz" wrap="square" lIns="91440" tIns="45720" rIns="91440" bIns="45720" numCol="1" rtlCol="0" anchor="t" anchorCtr="0" compatLnSpc="1">
+            <a:prstTxWarp prst="textNoShape">
+              <a:avLst/>
+            </a:prstTxWarp>
+          </a:bodyPr>
+          <a:lstStyle/>
+          <a:p>
+            <a:pPr marL="0" marR="0" indent="0" algn="l" defTabSz="914400" rtl="0" eaLnBrk="0" fontAlgn="base" latinLnBrk="0" hangingPunct="0">
+              <a:lnSpc>
+                <a:spcPct val="100000"/>
+              </a:lnSpc>
+              <a:spcBef>
+                <a:spcPct val="0"/>
+              </a:spcBef>
+              <a:spcAft>
+                <a:spcPct val="0"/>
+              </a:spcAft>
+              <a:buClrTx/>
+              <a:buSzTx/>
+              <a:buFontTx/>
+              <a:buNone/>
+              <a:tabLst/>
+            </a:pPr>
+            <a:endParaRPr kumimoji="0" lang="en-US" sz="2400" b="0" i="0" u="none" strike="noStrike" cap="none" normalizeH="0" baseline="0">
+              <a:ln>
+                <a:noFill/>
+              </a:ln>
+              <a:solidFill>
+                <a:srgbClr val="000000"/>
+              </a:solidFill>
+              <a:effectLst/>
+              <a:latin typeface="Arial" charset="0"/>
+              <a:ea typeface="ＭＳ Ｐゴシック" charset="0"/>
+              <a:cs typeface="ＭＳ Ｐゴシック" charset="0"/>
+            </a:endParaRPr>
+          </a:p>
+        </p:txBody>
+      </p:sp>
+      <p:sp>
+        <p:nvSpPr>
+          <p:cNvPr id="15" name="Left Arrow 14"/>
+          <p:cNvSpPr/>
+          <p:nvPr/>
+        </p:nvSpPr>
+        <p:spPr bwMode="auto">
+          <a:xfrm>
+            <a:off x="4828009" y="5287191"/>
+            <a:ext cx="495300" cy="228600"/>
+          </a:xfrm>
+          <a:prstGeom prst="leftArrow">
+            <a:avLst/>
+          </a:prstGeom>
+          <a:solidFill>
+            <a:srgbClr val="FF0000"/>
+          </a:solidFill>
+          <a:ln w="9525" cap="flat" cmpd="sng" algn="ctr">
+            <a:solidFill>
+              <a:schemeClr val="tx1"/>
+            </a:solidFill>
+            <a:prstDash val="solid"/>
+            <a:round/>
+            <a:headEnd type="none" w="med" len="med"/>
+            <a:tailEnd type="none" w="med" len="med"/>
+          </a:ln>
+          <a:effectLst/>
+          <a:extLst>
+            <a:ext uri="{AF507438-7753-43e0-B8FC-AC1667EBCBE1}">
+              <a14:hiddenEffects xmlns="" xmlns:a14="http://schemas.microsoft.com/office/drawing/2010/main">
+                <a:effectLst>
+                  <a:outerShdw blurRad="63500" dist="38099" dir="2700000" algn="ctr" rotWithShape="0">
+                    <a:schemeClr val="bg2">
+                      <a:alpha val="74998"/>
+                    </a:schemeClr>
+                  </a:outerShdw>
+                </a:effectLst>
+              </a14:hiddenEffects>
+            </a:ext>
+          </a:extLst>
+        </p:spPr>
+        <p:txBody>
+          <a:bodyPr vert="horz" wrap="square" lIns="91440" tIns="45720" rIns="91440" bIns="45720" numCol="1" rtlCol="0" anchor="t" anchorCtr="0" compatLnSpc="1">
+            <a:prstTxWarp prst="textNoShape">
+              <a:avLst/>
+            </a:prstTxWarp>
+          </a:bodyPr>
+          <a:lstStyle/>
+          <a:p>
+            <a:pPr marL="0" marR="0" indent="0" algn="l" defTabSz="914400" rtl="0" eaLnBrk="0" fontAlgn="base" latinLnBrk="0" hangingPunct="0">
+              <a:lnSpc>
+                <a:spcPct val="100000"/>
+              </a:lnSpc>
+              <a:spcBef>
+                <a:spcPct val="0"/>
+              </a:spcBef>
+              <a:spcAft>
+                <a:spcPct val="0"/>
+              </a:spcAft>
+              <a:buClrTx/>
+              <a:buSzTx/>
+              <a:buFontTx/>
+              <a:buNone/>
+              <a:tabLst/>
+            </a:pPr>
+            <a:endParaRPr kumimoji="0" lang="en-US" sz="2400" b="0" i="0" u="none" strike="noStrike" cap="none" normalizeH="0" baseline="0">
+              <a:ln>
+                <a:noFill/>
+              </a:ln>
+              <a:solidFill>
+                <a:srgbClr val="000000"/>
+              </a:solidFill>
+              <a:effectLst/>
+              <a:latin typeface="Arial" charset="0"/>
+              <a:ea typeface="ＭＳ Ｐゴシック" charset="0"/>
+              <a:cs typeface="ＭＳ Ｐゴシック" charset="0"/>
+            </a:endParaRPr>
+          </a:p>
+        </p:txBody>
+      </p:sp>
+      <p:sp>
+        <p:nvSpPr>
+          <p:cNvPr id="16" name="Right Brace 15"/>
+          <p:cNvSpPr/>
+          <p:nvPr/>
+        </p:nvSpPr>
+        <p:spPr bwMode="auto">
+          <a:xfrm>
+            <a:off x="6083268" y="5287191"/>
+            <a:ext cx="45719" cy="405288"/>
+          </a:xfrm>
+          <a:prstGeom prst="rightBrace">
+            <a:avLst/>
+          </a:prstGeom>
+          <a:solidFill>
+            <a:schemeClr val="accent1"/>
+          </a:solidFill>
+          <a:ln w="9525" cap="flat" cmpd="sng" algn="ctr">
+            <a:solidFill>
+              <a:schemeClr val="tx1"/>
+            </a:solidFill>
+            <a:prstDash val="solid"/>
+            <a:round/>
+            <a:headEnd type="none" w="med" len="med"/>
+            <a:tailEnd type="none" w="med" len="med"/>
+          </a:ln>
+          <a:effectLst/>
+          <a:extLst>
+            <a:ext uri="{AF507438-7753-43e0-B8FC-AC1667EBCBE1}">
+              <a14:hiddenEffects xmlns="" xmlns:a14="http://schemas.microsoft.com/office/drawing/2010/main">
+                <a:effectLst>
+                  <a:outerShdw blurRad="63500" dist="38099" dir="2700000" algn="ctr" rotWithShape="0">
+                    <a:schemeClr val="bg2">
+                      <a:alpha val="74998"/>
+                    </a:schemeClr>
+                  </a:outerShdw>
+                </a:effectLst>
+              </a14:hiddenEffects>
+            </a:ext>
+          </a:extLst>
+        </p:spPr>
+        <p:txBody>
+          <a:bodyPr vert="horz" wrap="square" lIns="91440" tIns="45720" rIns="91440" bIns="45720" numCol="1" rtlCol="0" anchor="t" anchorCtr="0" compatLnSpc="1">
+            <a:prstTxWarp prst="textNoShape">
+              <a:avLst/>
+            </a:prstTxWarp>
+          </a:bodyPr>
+          <a:lstStyle/>
+          <a:p>
+            <a:pPr marL="0" marR="0" indent="0" algn="l" defTabSz="914400" rtl="0" eaLnBrk="0" fontAlgn="base" latinLnBrk="0" hangingPunct="0">
+              <a:lnSpc>
+                <a:spcPct val="100000"/>
+              </a:lnSpc>
+              <a:spcBef>
+                <a:spcPct val="0"/>
+              </a:spcBef>
+              <a:spcAft>
+                <a:spcPct val="0"/>
+              </a:spcAft>
+              <a:buClrTx/>
+              <a:buSzTx/>
+              <a:buFontTx/>
+              <a:buNone/>
+              <a:tabLst/>
+            </a:pPr>
+            <a:endParaRPr kumimoji="0" lang="en-US" sz="2400" b="0" i="0" u="none" strike="noStrike" cap="none" normalizeH="0" baseline="0">
+              <a:ln>
+                <a:noFill/>
+              </a:ln>
+              <a:solidFill>
+                <a:srgbClr val="000000"/>
+              </a:solidFill>
+              <a:effectLst/>
+              <a:latin typeface="Arial" charset="0"/>
+              <a:ea typeface="ＭＳ Ｐゴシック" charset="0"/>
+              <a:cs typeface="ＭＳ Ｐゴシック" charset="0"/>
+            </a:endParaRPr>
+          </a:p>
+        </p:txBody>
+      </p:sp>
+      <p:sp>
+        <p:nvSpPr>
+          <p:cNvPr id="17" name="TextBox 16"/>
+          <p:cNvSpPr txBox="1"/>
+          <p:nvPr/>
+        </p:nvSpPr>
+        <p:spPr>
+          <a:xfrm>
+            <a:off x="6300302" y="5329934"/>
+            <a:ext cx="1635384" cy="307777"/>
+          </a:xfrm>
+          <a:prstGeom prst="rect">
+            <a:avLst/>
+          </a:prstGeom>
+          <a:noFill/>
+        </p:spPr>
+        <p:txBody>
+          <a:bodyPr wrap="none" rtlCol="0">
+            <a:spAutoFit/>
+          </a:bodyPr>
+          <a:lstStyle/>
+          <a:p>
+            <a:r>
+              <a:rPr lang="en-US" sz="1400" dirty="0" smtClean="0"/>
+              <a:t>Formal arguments</a:t>
+            </a:r>
+            <a:endParaRPr lang="en-US" sz="1400" dirty="0"/>
+          </a:p>
+        </p:txBody>
+      </p:sp>
+    </p:spTree>
+    <p:extLst>
+      <p:ext uri="{BB962C8B-B14F-4D97-AF65-F5344CB8AC3E}">
+        <p14:creationId xmlns:p14="http://schemas.microsoft.com/office/powerpoint/2010/main" val="1860623443"/>
+      </p:ext>
+    </p:extLst>
+  </p:cSld>
+  <p:clrMapOvr>
+    <a:masterClrMapping/>
+  </p:clrMapOvr>
+  <p:timing>
+    <p:tnLst>
+      <p:par>
+        <p:cTn id="1" dur="indefinite" restart="never" nodeType="tmRoot"/>
+      </p:par>
+    </p:tnLst>
+  </p:timing>
+</p:sld>
+</file>
+
+<file path=ppt/slides/slide26.xml><?xml version="1.0" encoding="utf-8"?>
+<p:sld xmlns:a="http://schemas.openxmlformats.org/drawingml/2006/main" xmlns:r="http://schemas.openxmlformats.org/officeDocument/2006/relationships" xmlns:p="http://schemas.openxmlformats.org/presentationml/2006/main">
+  <p:cSld>
+    <p:spTree>
+      <p:nvGrpSpPr>
+        <p:cNvPr id="1" name=""/>
+        <p:cNvGrpSpPr/>
+        <p:nvPr/>
+      </p:nvGrpSpPr>
+      <p:grpSpPr>
+        <a:xfrm>
+          <a:off x="0" y="0"/>
+          <a:ext cx="0" cy="0"/>
+          <a:chOff x="0" y="0"/>
+          <a:chExt cx="0" cy="0"/>
+        </a:xfrm>
+      </p:grpSpPr>
+      <p:sp>
+        <p:nvSpPr>
+          <p:cNvPr id="2" name="Title 1"/>
+          <p:cNvSpPr>
+            <a:spLocks noGrp="1"/>
+          </p:cNvSpPr>
+          <p:nvPr>
+            <p:ph type="title"/>
+          </p:nvPr>
+        </p:nvSpPr>
+        <p:spPr/>
+        <p:txBody>
+          <a:bodyPr/>
+          <a:lstStyle/>
+          <a:p>
+            <a:r>
+              <a:rPr lang="en-US" dirty="0" smtClean="0"/>
+              <a:t>Putting it all together: Function local code</a:t>
+            </a:r>
+            <a:endParaRPr lang="en-US" dirty="0"/>
+          </a:p>
+        </p:txBody>
+      </p:sp>
+      <p:pic>
+        <p:nvPicPr>
+          <p:cNvPr id="5" name="Picture 4"/>
+          <p:cNvPicPr>
+            <a:picLocks noChangeAspect="1"/>
+          </p:cNvPicPr>
+          <p:nvPr/>
+        </p:nvPicPr>
+        <p:blipFill>
+          <a:blip r:embed="rId2"/>
+          <a:stretch>
+            <a:fillRect/>
+          </a:stretch>
+        </p:blipFill>
+        <p:spPr>
+          <a:xfrm>
+            <a:off x="187502" y="2029415"/>
+            <a:ext cx="5114723" cy="4447585"/>
+          </a:xfrm>
+          <a:prstGeom prst="rect">
+            <a:avLst/>
+          </a:prstGeom>
+        </p:spPr>
+      </p:pic>
+      <p:sp>
+        <p:nvSpPr>
+          <p:cNvPr id="3" name="Content Placeholder 2"/>
+          <p:cNvSpPr>
+            <a:spLocks noGrp="1"/>
+          </p:cNvSpPr>
+          <p:nvPr>
+            <p:ph idx="1"/>
+          </p:nvPr>
+        </p:nvSpPr>
+        <p:spPr>
+          <a:xfrm>
+            <a:off x="5410200" y="1828800"/>
+            <a:ext cx="3276600" cy="3614737"/>
+          </a:xfrm>
+        </p:spPr>
+        <p:txBody>
+          <a:bodyPr/>
+          <a:lstStyle/>
+          <a:p>
+            <a:r>
+              <a:rPr lang="en-US" sz="1400" dirty="0" smtClean="0"/>
+              <a:t>Generated code</a:t>
+            </a:r>
+          </a:p>
+        </p:txBody>
+      </p:sp>
+      <p:sp>
+        <p:nvSpPr>
+          <p:cNvPr id="6" name="Left Arrow 5"/>
+          <p:cNvSpPr/>
+          <p:nvPr/>
+        </p:nvSpPr>
+        <p:spPr bwMode="auto">
+          <a:xfrm>
+            <a:off x="4289166" y="3962400"/>
+            <a:ext cx="495300" cy="228600"/>
+          </a:xfrm>
+          <a:prstGeom prst="leftArrow">
+            <a:avLst/>
+          </a:prstGeom>
+          <a:solidFill>
+            <a:srgbClr val="FF0000"/>
+          </a:solidFill>
+          <a:ln w="9525" cap="flat" cmpd="sng" algn="ctr">
+            <a:solidFill>
+              <a:schemeClr val="tx1"/>
+            </a:solidFill>
+            <a:prstDash val="solid"/>
+            <a:round/>
+            <a:headEnd type="none" w="med" len="med"/>
+            <a:tailEnd type="none" w="med" len="med"/>
+          </a:ln>
+          <a:effectLst/>
+          <a:extLst>
+            <a:ext uri="{AF507438-7753-43e0-B8FC-AC1667EBCBE1}">
+              <a14:hiddenEffects xmlns="" xmlns:a14="http://schemas.microsoft.com/office/drawing/2010/main">
+                <a:effectLst>
+                  <a:outerShdw blurRad="63500" dist="38099" dir="2700000" algn="ctr" rotWithShape="0">
+                    <a:schemeClr val="bg2">
+                      <a:alpha val="74998"/>
+                    </a:schemeClr>
+                  </a:outerShdw>
+                </a:effectLst>
+              </a14:hiddenEffects>
+            </a:ext>
+          </a:extLst>
+        </p:spPr>
+        <p:txBody>
+          <a:bodyPr vert="horz" wrap="square" lIns="91440" tIns="45720" rIns="91440" bIns="45720" numCol="1" rtlCol="0" anchor="t" anchorCtr="0" compatLnSpc="1">
+            <a:prstTxWarp prst="textNoShape">
+              <a:avLst/>
+            </a:prstTxWarp>
+          </a:bodyPr>
+          <a:lstStyle/>
+          <a:p>
+            <a:pPr marL="0" marR="0" indent="0" algn="l" defTabSz="914400" rtl="0" eaLnBrk="0" fontAlgn="base" latinLnBrk="0" hangingPunct="0">
+              <a:lnSpc>
+                <a:spcPct val="100000"/>
+              </a:lnSpc>
+              <a:spcBef>
+                <a:spcPct val="0"/>
+              </a:spcBef>
+              <a:spcAft>
+                <a:spcPct val="0"/>
+              </a:spcAft>
+              <a:buClrTx/>
+              <a:buSzTx/>
+              <a:buFontTx/>
+              <a:buNone/>
+              <a:tabLst/>
+            </a:pPr>
+            <a:endParaRPr kumimoji="0" lang="en-US" sz="2400" b="0" i="0" u="none" strike="noStrike" cap="none" normalizeH="0" baseline="0">
+              <a:ln>
+                <a:noFill/>
+              </a:ln>
+              <a:solidFill>
+                <a:srgbClr val="000000"/>
+              </a:solidFill>
+              <a:effectLst/>
+              <a:latin typeface="Arial" charset="0"/>
+              <a:ea typeface="ＭＳ Ｐゴシック" charset="0"/>
+              <a:cs typeface="ＭＳ Ｐゴシック" charset="0"/>
+            </a:endParaRPr>
+          </a:p>
+        </p:txBody>
+      </p:sp>
+      <p:sp>
+        <p:nvSpPr>
+          <p:cNvPr id="7" name="Left Arrow 6"/>
+          <p:cNvSpPr/>
+          <p:nvPr/>
+        </p:nvSpPr>
+        <p:spPr bwMode="auto">
+          <a:xfrm>
+            <a:off x="4055123" y="3733800"/>
+            <a:ext cx="495300" cy="228600"/>
+          </a:xfrm>
+          <a:prstGeom prst="leftArrow">
+            <a:avLst/>
+          </a:prstGeom>
+          <a:solidFill>
+            <a:srgbClr val="FF0000"/>
+          </a:solidFill>
+          <a:ln w="9525" cap="flat" cmpd="sng" algn="ctr">
+            <a:solidFill>
+              <a:schemeClr val="tx1"/>
+            </a:solidFill>
+            <a:prstDash val="solid"/>
+            <a:round/>
+            <a:headEnd type="none" w="med" len="med"/>
+            <a:tailEnd type="none" w="med" len="med"/>
+          </a:ln>
+          <a:effectLst/>
+          <a:extLst>
+            <a:ext uri="{AF507438-7753-43e0-B8FC-AC1667EBCBE1}">
+              <a14:hiddenEffects xmlns="" xmlns:a14="http://schemas.microsoft.com/office/drawing/2010/main">
+                <a:effectLst>
+                  <a:outerShdw blurRad="63500" dist="38099" dir="2700000" algn="ctr" rotWithShape="0">
+                    <a:schemeClr val="bg2">
+                      <a:alpha val="74998"/>
+                    </a:schemeClr>
+                  </a:outerShdw>
+                </a:effectLst>
+              </a14:hiddenEffects>
+            </a:ext>
+          </a:extLst>
+        </p:spPr>
+        <p:txBody>
+          <a:bodyPr vert="horz" wrap="square" lIns="91440" tIns="45720" rIns="91440" bIns="45720" numCol="1" rtlCol="0" anchor="t" anchorCtr="0" compatLnSpc="1">
+            <a:prstTxWarp prst="textNoShape">
+              <a:avLst/>
+            </a:prstTxWarp>
+          </a:bodyPr>
+          <a:lstStyle/>
+          <a:p>
+            <a:pPr marL="0" marR="0" indent="0" algn="l" defTabSz="914400" rtl="0" eaLnBrk="0" fontAlgn="base" latinLnBrk="0" hangingPunct="0">
+              <a:lnSpc>
+                <a:spcPct val="100000"/>
+              </a:lnSpc>
+              <a:spcBef>
+                <a:spcPct val="0"/>
+              </a:spcBef>
+              <a:spcAft>
+                <a:spcPct val="0"/>
+              </a:spcAft>
+              <a:buClrTx/>
+              <a:buSzTx/>
+              <a:buFontTx/>
+              <a:buNone/>
+              <a:tabLst/>
+            </a:pPr>
+            <a:endParaRPr kumimoji="0" lang="en-US" sz="2400" b="0" i="0" u="none" strike="noStrike" cap="none" normalizeH="0" baseline="0">
+              <a:ln>
+                <a:noFill/>
+              </a:ln>
+              <a:solidFill>
+                <a:srgbClr val="000000"/>
+              </a:solidFill>
+              <a:effectLst/>
+              <a:latin typeface="Arial" charset="0"/>
+              <a:ea typeface="ＭＳ Ｐゴシック" charset="0"/>
+              <a:cs typeface="ＭＳ Ｐゴシック" charset="0"/>
+            </a:endParaRPr>
+          </a:p>
+        </p:txBody>
+      </p:sp>
+      <p:sp>
+        <p:nvSpPr>
+          <p:cNvPr id="8" name="Left Arrow 7"/>
+          <p:cNvSpPr/>
+          <p:nvPr/>
+        </p:nvSpPr>
+        <p:spPr bwMode="auto">
+          <a:xfrm>
+            <a:off x="4996032" y="4145424"/>
+            <a:ext cx="495300" cy="228600"/>
+          </a:xfrm>
+          <a:prstGeom prst="leftArrow">
+            <a:avLst/>
+          </a:prstGeom>
+          <a:solidFill>
+            <a:srgbClr val="FF0000"/>
+          </a:solidFill>
+          <a:ln w="9525" cap="flat" cmpd="sng" algn="ctr">
+            <a:solidFill>
+              <a:schemeClr val="tx1"/>
+            </a:solidFill>
+            <a:prstDash val="solid"/>
+            <a:round/>
+            <a:headEnd type="none" w="med" len="med"/>
+            <a:tailEnd type="none" w="med" len="med"/>
+          </a:ln>
+          <a:effectLst/>
+          <a:extLst>
+            <a:ext uri="{AF507438-7753-43e0-B8FC-AC1667EBCBE1}">
+              <a14:hiddenEffects xmlns="" xmlns:a14="http://schemas.microsoft.com/office/drawing/2010/main">
+                <a:effectLst>
+                  <a:outerShdw blurRad="63500" dist="38099" dir="2700000" algn="ctr" rotWithShape="0">
+                    <a:schemeClr val="bg2">
+                      <a:alpha val="74998"/>
+                    </a:schemeClr>
+                  </a:outerShdw>
+                </a:effectLst>
+              </a14:hiddenEffects>
+            </a:ext>
+          </a:extLst>
+        </p:spPr>
+        <p:txBody>
+          <a:bodyPr vert="horz" wrap="square" lIns="91440" tIns="45720" rIns="91440" bIns="45720" numCol="1" rtlCol="0" anchor="t" anchorCtr="0" compatLnSpc="1">
+            <a:prstTxWarp prst="textNoShape">
+              <a:avLst/>
+            </a:prstTxWarp>
+          </a:bodyPr>
+          <a:lstStyle/>
+          <a:p>
+            <a:pPr marL="0" marR="0" indent="0" algn="l" defTabSz="914400" rtl="0" eaLnBrk="0" fontAlgn="base" latinLnBrk="0" hangingPunct="0">
+              <a:lnSpc>
+                <a:spcPct val="100000"/>
+              </a:lnSpc>
+              <a:spcBef>
+                <a:spcPct val="0"/>
+              </a:spcBef>
+              <a:spcAft>
+                <a:spcPct val="0"/>
+              </a:spcAft>
+              <a:buClrTx/>
+              <a:buSzTx/>
+              <a:buFontTx/>
+              <a:buNone/>
+              <a:tabLst/>
+            </a:pPr>
+            <a:endParaRPr kumimoji="0" lang="en-US" sz="2400" b="0" i="0" u="none" strike="noStrike" cap="none" normalizeH="0" baseline="0">
+              <a:ln>
+                <a:noFill/>
+              </a:ln>
+              <a:solidFill>
+                <a:srgbClr val="000000"/>
+              </a:solidFill>
+              <a:effectLst/>
+              <a:latin typeface="Arial" charset="0"/>
+              <a:ea typeface="ＭＳ Ｐゴシック" charset="0"/>
+              <a:cs typeface="ＭＳ Ｐゴシック" charset="0"/>
+            </a:endParaRPr>
+          </a:p>
+        </p:txBody>
+      </p:sp>
+      <p:sp>
+        <p:nvSpPr>
+          <p:cNvPr id="9" name="Left Arrow 8"/>
+          <p:cNvSpPr/>
+          <p:nvPr/>
+        </p:nvSpPr>
+        <p:spPr bwMode="auto">
+          <a:xfrm>
+            <a:off x="4724400" y="4374024"/>
+            <a:ext cx="495300" cy="228600"/>
+          </a:xfrm>
+          <a:prstGeom prst="leftArrow">
+            <a:avLst/>
+          </a:prstGeom>
+          <a:solidFill>
+            <a:srgbClr val="FF0000"/>
+          </a:solidFill>
+          <a:ln w="9525" cap="flat" cmpd="sng" algn="ctr">
+            <a:solidFill>
+              <a:schemeClr val="tx1"/>
+            </a:solidFill>
+            <a:prstDash val="solid"/>
+            <a:round/>
+            <a:headEnd type="none" w="med" len="med"/>
+            <a:tailEnd type="none" w="med" len="med"/>
+          </a:ln>
+          <a:effectLst/>
+          <a:extLst>
+            <a:ext uri="{AF507438-7753-43e0-B8FC-AC1667EBCBE1}">
+              <a14:hiddenEffects xmlns="" xmlns:a14="http://schemas.microsoft.com/office/drawing/2010/main">
+                <a:effectLst>
+                  <a:outerShdw blurRad="63500" dist="38099" dir="2700000" algn="ctr" rotWithShape="0">
+                    <a:schemeClr val="bg2">
+                      <a:alpha val="74998"/>
+                    </a:schemeClr>
+                  </a:outerShdw>
+                </a:effectLst>
+              </a14:hiddenEffects>
+            </a:ext>
+          </a:extLst>
+        </p:spPr>
+        <p:txBody>
+          <a:bodyPr vert="horz" wrap="square" lIns="91440" tIns="45720" rIns="91440" bIns="45720" numCol="1" rtlCol="0" anchor="t" anchorCtr="0" compatLnSpc="1">
+            <a:prstTxWarp prst="textNoShape">
+              <a:avLst/>
+            </a:prstTxWarp>
+          </a:bodyPr>
+          <a:lstStyle/>
+          <a:p>
+            <a:pPr marL="0" marR="0" indent="0" algn="l" defTabSz="914400" rtl="0" eaLnBrk="0" fontAlgn="base" latinLnBrk="0" hangingPunct="0">
+              <a:lnSpc>
+                <a:spcPct val="100000"/>
+              </a:lnSpc>
+              <a:spcBef>
+                <a:spcPct val="0"/>
+              </a:spcBef>
+              <a:spcAft>
+                <a:spcPct val="0"/>
+              </a:spcAft>
+              <a:buClrTx/>
+              <a:buSzTx/>
+              <a:buFontTx/>
+              <a:buNone/>
+              <a:tabLst/>
+            </a:pPr>
+            <a:endParaRPr kumimoji="0" lang="en-US" sz="2400" b="0" i="0" u="none" strike="noStrike" cap="none" normalizeH="0" baseline="0">
+              <a:ln>
+                <a:noFill/>
+              </a:ln>
+              <a:solidFill>
+                <a:srgbClr val="000000"/>
+              </a:solidFill>
+              <a:effectLst/>
+              <a:latin typeface="Arial" charset="0"/>
+              <a:ea typeface="ＭＳ Ｐゴシック" charset="0"/>
+              <a:cs typeface="ＭＳ Ｐゴシック" charset="0"/>
+            </a:endParaRPr>
+          </a:p>
+        </p:txBody>
+      </p:sp>
+      <p:sp>
+        <p:nvSpPr>
+          <p:cNvPr id="10" name="Right Brace 9"/>
+          <p:cNvSpPr/>
+          <p:nvPr/>
+        </p:nvSpPr>
+        <p:spPr bwMode="auto">
+          <a:xfrm>
+            <a:off x="5310382" y="3733800"/>
+            <a:ext cx="45719" cy="405288"/>
+          </a:xfrm>
+          <a:prstGeom prst="rightBrace">
+            <a:avLst/>
+          </a:prstGeom>
+          <a:solidFill>
+            <a:schemeClr val="accent1"/>
+          </a:solidFill>
+          <a:ln w="9525" cap="flat" cmpd="sng" algn="ctr">
+            <a:solidFill>
+              <a:schemeClr val="tx1"/>
+            </a:solidFill>
+            <a:prstDash val="solid"/>
+            <a:round/>
+            <a:headEnd type="none" w="med" len="med"/>
+            <a:tailEnd type="none" w="med" len="med"/>
+          </a:ln>
+          <a:effectLst/>
+          <a:extLst>
+            <a:ext uri="{AF507438-7753-43e0-B8FC-AC1667EBCBE1}">
+              <a14:hiddenEffects xmlns="" xmlns:a14="http://schemas.microsoft.com/office/drawing/2010/main">
+                <a:effectLst>
+                  <a:outerShdw blurRad="63500" dist="38099" dir="2700000" algn="ctr" rotWithShape="0">
+                    <a:schemeClr val="bg2">
+                      <a:alpha val="74998"/>
+                    </a:schemeClr>
+                  </a:outerShdw>
+                </a:effectLst>
+              </a14:hiddenEffects>
+            </a:ext>
+          </a:extLst>
+        </p:spPr>
+        <p:txBody>
+          <a:bodyPr vert="horz" wrap="square" lIns="91440" tIns="45720" rIns="91440" bIns="45720" numCol="1" rtlCol="0" anchor="t" anchorCtr="0" compatLnSpc="1">
+            <a:prstTxWarp prst="textNoShape">
+              <a:avLst/>
+            </a:prstTxWarp>
+          </a:bodyPr>
+          <a:lstStyle/>
+          <a:p>
+            <a:pPr marL="0" marR="0" indent="0" algn="l" defTabSz="914400" rtl="0" eaLnBrk="0" fontAlgn="base" latinLnBrk="0" hangingPunct="0">
+              <a:lnSpc>
+                <a:spcPct val="100000"/>
+              </a:lnSpc>
+              <a:spcBef>
+                <a:spcPct val="0"/>
+              </a:spcBef>
+              <a:spcAft>
+                <a:spcPct val="0"/>
+              </a:spcAft>
+              <a:buClrTx/>
+              <a:buSzTx/>
+              <a:buFontTx/>
+              <a:buNone/>
+              <a:tabLst/>
+            </a:pPr>
+            <a:endParaRPr kumimoji="0" lang="en-US" sz="2400" b="0" i="0" u="none" strike="noStrike" cap="none" normalizeH="0" baseline="0">
+              <a:ln>
+                <a:noFill/>
+              </a:ln>
+              <a:solidFill>
+                <a:srgbClr val="000000"/>
+              </a:solidFill>
+              <a:effectLst/>
+              <a:latin typeface="Arial" charset="0"/>
+              <a:ea typeface="ＭＳ Ｐゴシック" charset="0"/>
+              <a:cs typeface="ＭＳ Ｐゴシック" charset="0"/>
+            </a:endParaRPr>
+          </a:p>
+        </p:txBody>
+      </p:sp>
+      <p:sp>
+        <p:nvSpPr>
+          <p:cNvPr id="11" name="TextBox 10"/>
+          <p:cNvSpPr txBox="1"/>
+          <p:nvPr/>
+        </p:nvSpPr>
+        <p:spPr>
+          <a:xfrm>
+            <a:off x="5527416" y="3776543"/>
+            <a:ext cx="1635384" cy="307777"/>
+          </a:xfrm>
+          <a:prstGeom prst="rect">
+            <a:avLst/>
+          </a:prstGeom>
+          <a:noFill/>
+        </p:spPr>
+        <p:txBody>
+          <a:bodyPr wrap="none" rtlCol="0">
+            <a:spAutoFit/>
+          </a:bodyPr>
+          <a:lstStyle/>
+          <a:p>
+            <a:r>
+              <a:rPr lang="en-US" sz="1400" dirty="0" smtClean="0"/>
+              <a:t>Formal arguments</a:t>
+            </a:r>
+            <a:endParaRPr lang="en-US" sz="1400" dirty="0"/>
+          </a:p>
+        </p:txBody>
+      </p:sp>
+      <p:sp>
+        <p:nvSpPr>
+          <p:cNvPr id="12" name="Right Brace 11"/>
+          <p:cNvSpPr/>
+          <p:nvPr/>
+        </p:nvSpPr>
+        <p:spPr bwMode="auto">
+          <a:xfrm>
+            <a:off x="6108507" y="4110590"/>
+            <a:ext cx="45719" cy="405288"/>
+          </a:xfrm>
+          <a:prstGeom prst="rightBrace">
+            <a:avLst/>
+          </a:prstGeom>
+          <a:solidFill>
+            <a:schemeClr val="accent1"/>
+          </a:solidFill>
+          <a:ln w="9525" cap="flat" cmpd="sng" algn="ctr">
+            <a:solidFill>
+              <a:schemeClr val="tx1"/>
+            </a:solidFill>
+            <a:prstDash val="solid"/>
+            <a:round/>
+            <a:headEnd type="none" w="med" len="med"/>
+            <a:tailEnd type="none" w="med" len="med"/>
+          </a:ln>
+          <a:effectLst/>
+          <a:extLst>
+            <a:ext uri="{AF507438-7753-43e0-B8FC-AC1667EBCBE1}">
+              <a14:hiddenEffects xmlns="" xmlns:a14="http://schemas.microsoft.com/office/drawing/2010/main">
+                <a:effectLst>
+                  <a:outerShdw blurRad="63500" dist="38099" dir="2700000" algn="ctr" rotWithShape="0">
+                    <a:schemeClr val="bg2">
+                      <a:alpha val="74998"/>
+                    </a:schemeClr>
+                  </a:outerShdw>
+                </a:effectLst>
+              </a14:hiddenEffects>
+            </a:ext>
+          </a:extLst>
+        </p:spPr>
+        <p:txBody>
+          <a:bodyPr vert="horz" wrap="square" lIns="91440" tIns="45720" rIns="91440" bIns="45720" numCol="1" rtlCol="0" anchor="t" anchorCtr="0" compatLnSpc="1">
+            <a:prstTxWarp prst="textNoShape">
+              <a:avLst/>
+            </a:prstTxWarp>
+          </a:bodyPr>
+          <a:lstStyle/>
+          <a:p>
+            <a:pPr marL="0" marR="0" indent="0" algn="l" defTabSz="914400" rtl="0" eaLnBrk="0" fontAlgn="base" latinLnBrk="0" hangingPunct="0">
+              <a:lnSpc>
+                <a:spcPct val="100000"/>
+              </a:lnSpc>
+              <a:spcBef>
+                <a:spcPct val="0"/>
+              </a:spcBef>
+              <a:spcAft>
+                <a:spcPct val="0"/>
+              </a:spcAft>
+              <a:buClrTx/>
+              <a:buSzTx/>
+              <a:buFontTx/>
+              <a:buNone/>
+              <a:tabLst/>
+            </a:pPr>
+            <a:endParaRPr kumimoji="0" lang="en-US" sz="2400" b="0" i="0" u="none" strike="noStrike" cap="none" normalizeH="0" baseline="0">
+              <a:ln>
+                <a:noFill/>
+              </a:ln>
+              <a:solidFill>
+                <a:srgbClr val="000000"/>
+              </a:solidFill>
+              <a:effectLst/>
+              <a:latin typeface="Arial" charset="0"/>
+              <a:ea typeface="ＭＳ Ｐゴシック" charset="0"/>
+              <a:cs typeface="ＭＳ Ｐゴシック" charset="0"/>
+            </a:endParaRPr>
+          </a:p>
+        </p:txBody>
+      </p:sp>
+      <p:sp>
+        <p:nvSpPr>
+          <p:cNvPr id="13" name="TextBox 12"/>
+          <p:cNvSpPr txBox="1"/>
+          <p:nvPr/>
+        </p:nvSpPr>
+        <p:spPr>
+          <a:xfrm>
+            <a:off x="6325541" y="4153333"/>
+            <a:ext cx="1675459" cy="307777"/>
+          </a:xfrm>
+          <a:prstGeom prst="rect">
+            <a:avLst/>
+          </a:prstGeom>
+          <a:noFill/>
+        </p:spPr>
+        <p:txBody>
+          <a:bodyPr wrap="none" rtlCol="0">
+            <a:spAutoFit/>
+          </a:bodyPr>
+          <a:lstStyle/>
+          <a:p>
+            <a:r>
+              <a:rPr lang="en-US" sz="1400" dirty="0" smtClean="0"/>
+              <a:t>3-addr code temps</a:t>
+            </a:r>
+            <a:endParaRPr lang="en-US" sz="1400" dirty="0"/>
+          </a:p>
+        </p:txBody>
+      </p:sp>
+    </p:spTree>
+    <p:extLst>
+      <p:ext uri="{BB962C8B-B14F-4D97-AF65-F5344CB8AC3E}">
+        <p14:creationId xmlns:p14="http://schemas.microsoft.com/office/powerpoint/2010/main" val="2054160999"/>
+      </p:ext>
+    </p:extLst>
+  </p:cSld>
+  <p:clrMapOvr>
+    <a:masterClrMapping/>
+  </p:clrMapOvr>
+  <p:timing>
+    <p:tnLst>
+      <p:par>
+        <p:cTn id="1" dur="indefinite" restart="never" nodeType="tmRoot"/>
+      </p:par>
+    </p:tnLst>
+  </p:timing>
+</p:sld>
+</file>
+
+<file path=ppt/slides/slide27.xml><?xml version="1.0" encoding="utf-8"?>
+<p:sld xmlns:a="http://schemas.openxmlformats.org/drawingml/2006/main" xmlns:r="http://schemas.openxmlformats.org/officeDocument/2006/relationships" xmlns:p="http://schemas.openxmlformats.org/presentationml/2006/main">
+  <p:cSld>
+    <p:spTree>
+      <p:nvGrpSpPr>
+        <p:cNvPr id="1" name=""/>
+        <p:cNvGrpSpPr/>
+        <p:nvPr/>
+      </p:nvGrpSpPr>
+      <p:grpSpPr>
+        <a:xfrm>
+          <a:off x="0" y="0"/>
+          <a:ext cx="0" cy="0"/>
+          <a:chOff x="0" y="0"/>
+          <a:chExt cx="0" cy="0"/>
+        </a:xfrm>
+      </p:grpSpPr>
+      <p:sp>
+        <p:nvSpPr>
+          <p:cNvPr id="2" name="Title 1"/>
+          <p:cNvSpPr>
+            <a:spLocks noGrp="1"/>
+          </p:cNvSpPr>
+          <p:nvPr>
+            <p:ph type="title"/>
+          </p:nvPr>
+        </p:nvSpPr>
+        <p:spPr/>
+        <p:txBody>
+          <a:bodyPr/>
+          <a:lstStyle/>
+          <a:p>
+            <a:r>
+              <a:rPr lang="en-US" dirty="0" smtClean="0"/>
+              <a:t>Putting it all together</a:t>
+            </a:r>
+            <a:endParaRPr lang="en-US" dirty="0"/>
+          </a:p>
+        </p:txBody>
+      </p:sp>
+      <p:sp>
+        <p:nvSpPr>
+          <p:cNvPr id="3" name="Content Placeholder 2"/>
+          <p:cNvSpPr>
+            <a:spLocks noGrp="1"/>
+          </p:cNvSpPr>
+          <p:nvPr>
+            <p:ph idx="1"/>
+          </p:nvPr>
+        </p:nvSpPr>
+        <p:spPr>
+          <a:xfrm>
+            <a:off x="5410200" y="1828800"/>
+            <a:ext cx="3276600" cy="3614737"/>
+          </a:xfrm>
+        </p:spPr>
+        <p:txBody>
+          <a:bodyPr/>
+          <a:lstStyle/>
+          <a:p>
+            <a:r>
+              <a:rPr lang="en-US" sz="1400" dirty="0" smtClean="0"/>
+              <a:t>The program</a:t>
+            </a:r>
+          </a:p>
+        </p:txBody>
+      </p:sp>
+      <p:pic>
+        <p:nvPicPr>
+          <p:cNvPr id="4" name="Picture 3"/>
+          <p:cNvPicPr>
+            <a:picLocks noChangeAspect="1"/>
+          </p:cNvPicPr>
+          <p:nvPr/>
+        </p:nvPicPr>
+        <p:blipFill>
+          <a:blip r:embed="rId2"/>
+          <a:stretch>
+            <a:fillRect/>
+          </a:stretch>
+        </p:blipFill>
+        <p:spPr>
+          <a:xfrm>
+            <a:off x="685800" y="2895600"/>
+            <a:ext cx="4318000" cy="2921000"/>
+          </a:xfrm>
+          <a:prstGeom prst="rect">
+            <a:avLst/>
+          </a:prstGeom>
+        </p:spPr>
+      </p:pic>
+    </p:spTree>
+    <p:extLst>
+      <p:ext uri="{BB962C8B-B14F-4D97-AF65-F5344CB8AC3E}">
+        <p14:creationId xmlns:p14="http://schemas.microsoft.com/office/powerpoint/2010/main" val="1936592225"/>
+      </p:ext>
+    </p:extLst>
+  </p:cSld>
+  <p:clrMapOvr>
+    <a:masterClrMapping/>
+  </p:clrMapOvr>
+  <p:timing>
+    <p:tnLst>
+      <p:par>
+        <p:cTn id="1" dur="indefinite" restart="never" nodeType="tmRoot"/>
+      </p:par>
+    </p:tnLst>
+  </p:timing>
+</p:sld>
+</file>
+
+<file path=ppt/slides/slide28.xml><?xml version="1.0" encoding="utf-8"?>
+<p:sld xmlns:a="http://schemas.openxmlformats.org/drawingml/2006/main" xmlns:r="http://schemas.openxmlformats.org/officeDocument/2006/relationships" xmlns:p="http://schemas.openxmlformats.org/presentationml/2006/main">
+  <p:cSld>
+    <p:spTree>
+      <p:nvGrpSpPr>
+        <p:cNvPr id="1" name=""/>
+        <p:cNvGrpSpPr/>
+        <p:nvPr/>
+      </p:nvGrpSpPr>
+      <p:grpSpPr>
+        <a:xfrm>
+          <a:off x="0" y="0"/>
+          <a:ext cx="0" cy="0"/>
+          <a:chOff x="0" y="0"/>
+          <a:chExt cx="0" cy="0"/>
+        </a:xfrm>
+      </p:grpSpPr>
+      <p:sp>
+        <p:nvSpPr>
+          <p:cNvPr id="2" name="Title 1"/>
+          <p:cNvSpPr>
+            <a:spLocks noGrp="1"/>
+          </p:cNvSpPr>
+          <p:nvPr>
+            <p:ph type="title"/>
+          </p:nvPr>
+        </p:nvSpPr>
+        <p:spPr/>
+        <p:txBody>
+          <a:bodyPr/>
+          <a:lstStyle/>
+          <a:p>
+            <a:r>
+              <a:rPr lang="en-US" dirty="0" smtClean="0"/>
+              <a:t>Putting it all together</a:t>
+            </a:r>
+            <a:endParaRPr lang="en-US" dirty="0"/>
+          </a:p>
+        </p:txBody>
+      </p:sp>
+      <p:sp>
+        <p:nvSpPr>
+          <p:cNvPr id="3" name="Content Placeholder 2"/>
+          <p:cNvSpPr>
+            <a:spLocks noGrp="1"/>
+          </p:cNvSpPr>
+          <p:nvPr>
+            <p:ph idx="1"/>
+          </p:nvPr>
+        </p:nvSpPr>
+        <p:spPr>
+          <a:xfrm>
+            <a:off x="5410200" y="1828800"/>
+            <a:ext cx="3276600" cy="3614737"/>
+          </a:xfrm>
+        </p:spPr>
+        <p:txBody>
+          <a:bodyPr/>
+          <a:lstStyle/>
+          <a:p>
+            <a:r>
+              <a:rPr lang="en-US" sz="1400" dirty="0" smtClean="0"/>
+              <a:t>The front end AST</a:t>
+            </a:r>
+          </a:p>
+        </p:txBody>
+      </p:sp>
+      <p:pic>
+        <p:nvPicPr>
+          <p:cNvPr id="5" name="Picture 4"/>
+          <p:cNvPicPr>
+            <a:picLocks noChangeAspect="1"/>
+          </p:cNvPicPr>
+          <p:nvPr/>
+        </p:nvPicPr>
+        <p:blipFill>
+          <a:blip r:embed="rId2"/>
+          <a:stretch>
+            <a:fillRect/>
+          </a:stretch>
+        </p:blipFill>
+        <p:spPr>
+          <a:xfrm>
+            <a:off x="304800" y="1426367"/>
+            <a:ext cx="3581400" cy="5250007"/>
+          </a:xfrm>
+          <a:prstGeom prst="rect">
+            <a:avLst/>
+          </a:prstGeom>
+        </p:spPr>
+      </p:pic>
+      <p:sp>
+        <p:nvSpPr>
+          <p:cNvPr id="6" name="Left Arrow 5"/>
+          <p:cNvSpPr/>
+          <p:nvPr/>
+        </p:nvSpPr>
+        <p:spPr bwMode="auto">
+          <a:xfrm>
+            <a:off x="3417026" y="4724400"/>
+            <a:ext cx="495300" cy="228600"/>
+          </a:xfrm>
+          <a:prstGeom prst="leftArrow">
+            <a:avLst/>
+          </a:prstGeom>
+          <a:solidFill>
+            <a:srgbClr val="FF0000"/>
+          </a:solidFill>
+          <a:ln w="9525" cap="flat" cmpd="sng" algn="ctr">
+            <a:solidFill>
+              <a:schemeClr val="tx1"/>
+            </a:solidFill>
+            <a:prstDash val="solid"/>
+            <a:round/>
+            <a:headEnd type="none" w="med" len="med"/>
+            <a:tailEnd type="none" w="med" len="med"/>
+          </a:ln>
+          <a:effectLst/>
+          <a:extLst>
+            <a:ext uri="{AF507438-7753-43e0-B8FC-AC1667EBCBE1}">
+              <a14:hiddenEffects xmlns="" xmlns:a14="http://schemas.microsoft.com/office/drawing/2010/main">
+                <a:effectLst>
+                  <a:outerShdw blurRad="63500" dist="38099" dir="2700000" algn="ctr" rotWithShape="0">
+                    <a:schemeClr val="bg2">
+                      <a:alpha val="74998"/>
+                    </a:schemeClr>
+                  </a:outerShdw>
+                </a:effectLst>
+              </a14:hiddenEffects>
+            </a:ext>
+          </a:extLst>
+        </p:spPr>
+        <p:txBody>
+          <a:bodyPr vert="horz" wrap="square" lIns="91440" tIns="45720" rIns="91440" bIns="45720" numCol="1" rtlCol="0" anchor="t" anchorCtr="0" compatLnSpc="1">
+            <a:prstTxWarp prst="textNoShape">
+              <a:avLst/>
+            </a:prstTxWarp>
+          </a:bodyPr>
+          <a:lstStyle/>
+          <a:p>
+            <a:pPr marL="0" marR="0" indent="0" algn="l" defTabSz="914400" rtl="0" eaLnBrk="0" fontAlgn="base" latinLnBrk="0" hangingPunct="0">
+              <a:lnSpc>
+                <a:spcPct val="100000"/>
+              </a:lnSpc>
+              <a:spcBef>
+                <a:spcPct val="0"/>
+              </a:spcBef>
+              <a:spcAft>
+                <a:spcPct val="0"/>
+              </a:spcAft>
+              <a:buClrTx/>
+              <a:buSzTx/>
+              <a:buFontTx/>
+              <a:buNone/>
+              <a:tabLst/>
+            </a:pPr>
+            <a:endParaRPr kumimoji="0" lang="en-US" sz="2400" b="0" i="0" u="none" strike="noStrike" cap="none" normalizeH="0" baseline="0">
+              <a:ln>
+                <a:noFill/>
+              </a:ln>
+              <a:solidFill>
+                <a:srgbClr val="000000"/>
+              </a:solidFill>
+              <a:effectLst/>
+              <a:latin typeface="Arial" charset="0"/>
+              <a:ea typeface="ＭＳ Ｐゴシック" charset="0"/>
+              <a:cs typeface="ＭＳ Ｐゴシック" charset="0"/>
+            </a:endParaRPr>
+          </a:p>
+        </p:txBody>
+      </p:sp>
+    </p:spTree>
+    <p:extLst>
+      <p:ext uri="{BB962C8B-B14F-4D97-AF65-F5344CB8AC3E}">
+        <p14:creationId xmlns:p14="http://schemas.microsoft.com/office/powerpoint/2010/main" val="565082736"/>
+      </p:ext>
+    </p:extLst>
+  </p:cSld>
+  <p:clrMapOvr>
+    <a:masterClrMapping/>
+  </p:clrMapOvr>
+  <p:timing>
+    <p:tnLst>
+      <p:par>
+        <p:cTn id="1" dur="indefinite" restart="never" nodeType="tmRoot"/>
+      </p:par>
+    </p:tnLst>
+  </p:timing>
+</p:sld>
+</file>
+
+<file path=ppt/slides/slide29.xml><?xml version="1.0" encoding="utf-8"?>
+<p:sld xmlns:a="http://schemas.openxmlformats.org/drawingml/2006/main" xmlns:r="http://schemas.openxmlformats.org/officeDocument/2006/relationships" xmlns:p="http://schemas.openxmlformats.org/presentationml/2006/main">
+  <p:cSld>
+    <p:spTree>
+      <p:nvGrpSpPr>
+        <p:cNvPr id="1" name=""/>
+        <p:cNvGrpSpPr/>
+        <p:nvPr/>
+      </p:nvGrpSpPr>
+      <p:grpSpPr>
+        <a:xfrm>
+          <a:off x="0" y="0"/>
+          <a:ext cx="0" cy="0"/>
+          <a:chOff x="0" y="0"/>
+          <a:chExt cx="0" cy="0"/>
+        </a:xfrm>
+      </p:grpSpPr>
+      <p:sp>
+        <p:nvSpPr>
+          <p:cNvPr id="2" name="Title 1"/>
+          <p:cNvSpPr>
+            <a:spLocks noGrp="1"/>
+          </p:cNvSpPr>
+          <p:nvPr>
+            <p:ph type="title"/>
+          </p:nvPr>
+        </p:nvSpPr>
+        <p:spPr/>
+        <p:txBody>
+          <a:bodyPr/>
+          <a:lstStyle/>
+          <a:p>
+            <a:r>
+              <a:rPr lang="en-US" dirty="0" smtClean="0"/>
+              <a:t>Putting it all together</a:t>
+            </a:r>
+            <a:endParaRPr lang="en-US" dirty="0"/>
+          </a:p>
+        </p:txBody>
+      </p:sp>
+      <p:sp>
+        <p:nvSpPr>
+          <p:cNvPr id="3" name="Content Placeholder 2"/>
+          <p:cNvSpPr>
+            <a:spLocks noGrp="1"/>
+          </p:cNvSpPr>
+          <p:nvPr>
+            <p:ph idx="1"/>
+          </p:nvPr>
+        </p:nvSpPr>
+        <p:spPr>
+          <a:xfrm>
+            <a:off x="5410200" y="1828800"/>
+            <a:ext cx="3276600" cy="3614737"/>
+          </a:xfrm>
+        </p:spPr>
+        <p:txBody>
+          <a:bodyPr/>
+          <a:lstStyle/>
+          <a:p>
+            <a:r>
+              <a:rPr lang="en-US" sz="1400" dirty="0" smtClean="0"/>
+              <a:t>The rewritten AST</a:t>
+            </a:r>
+          </a:p>
+        </p:txBody>
+      </p:sp>
+      <p:pic>
+        <p:nvPicPr>
+          <p:cNvPr id="4" name="Picture 3"/>
+          <p:cNvPicPr>
+            <a:picLocks noChangeAspect="1"/>
+          </p:cNvPicPr>
+          <p:nvPr/>
+        </p:nvPicPr>
+        <p:blipFill>
+          <a:blip r:embed="rId2"/>
+          <a:stretch>
+            <a:fillRect/>
+          </a:stretch>
+        </p:blipFill>
+        <p:spPr>
+          <a:xfrm>
+            <a:off x="243276" y="1417638"/>
+            <a:ext cx="3490524" cy="5252303"/>
+          </a:xfrm>
+          <a:prstGeom prst="rect">
+            <a:avLst/>
+          </a:prstGeom>
+        </p:spPr>
+      </p:pic>
+      <p:sp>
+        <p:nvSpPr>
+          <p:cNvPr id="6" name="Left Arrow 5"/>
+          <p:cNvSpPr/>
+          <p:nvPr/>
+        </p:nvSpPr>
+        <p:spPr bwMode="auto">
+          <a:xfrm>
+            <a:off x="3486150" y="4572000"/>
+            <a:ext cx="495300" cy="228600"/>
+          </a:xfrm>
+          <a:prstGeom prst="leftArrow">
+            <a:avLst/>
+          </a:prstGeom>
+          <a:solidFill>
+            <a:srgbClr val="FF0000"/>
+          </a:solidFill>
+          <a:ln w="9525" cap="flat" cmpd="sng" algn="ctr">
+            <a:solidFill>
+              <a:schemeClr val="tx1"/>
+            </a:solidFill>
+            <a:prstDash val="solid"/>
+            <a:round/>
+            <a:headEnd type="none" w="med" len="med"/>
+            <a:tailEnd type="none" w="med" len="med"/>
+          </a:ln>
+          <a:effectLst/>
+          <a:extLst>
+            <a:ext uri="{AF507438-7753-43e0-B8FC-AC1667EBCBE1}">
+              <a14:hiddenEffects xmlns="" xmlns:a14="http://schemas.microsoft.com/office/drawing/2010/main">
+                <a:effectLst>
+                  <a:outerShdw blurRad="63500" dist="38099" dir="2700000" algn="ctr" rotWithShape="0">
+                    <a:schemeClr val="bg2">
+                      <a:alpha val="74998"/>
+                    </a:schemeClr>
+                  </a:outerShdw>
+                </a:effectLst>
+              </a14:hiddenEffects>
+            </a:ext>
+          </a:extLst>
+        </p:spPr>
+        <p:txBody>
+          <a:bodyPr vert="horz" wrap="square" lIns="91440" tIns="45720" rIns="91440" bIns="45720" numCol="1" rtlCol="0" anchor="t" anchorCtr="0" compatLnSpc="1">
+            <a:prstTxWarp prst="textNoShape">
+              <a:avLst/>
+            </a:prstTxWarp>
+          </a:bodyPr>
+          <a:lstStyle/>
+          <a:p>
+            <a:pPr marL="0" marR="0" indent="0" algn="l" defTabSz="914400" rtl="0" eaLnBrk="0" fontAlgn="base" latinLnBrk="0" hangingPunct="0">
+              <a:lnSpc>
+                <a:spcPct val="100000"/>
+              </a:lnSpc>
+              <a:spcBef>
+                <a:spcPct val="0"/>
+              </a:spcBef>
+              <a:spcAft>
+                <a:spcPct val="0"/>
+              </a:spcAft>
+              <a:buClrTx/>
+              <a:buSzTx/>
+              <a:buFontTx/>
+              <a:buNone/>
+              <a:tabLst/>
+            </a:pPr>
+            <a:endParaRPr kumimoji="0" lang="en-US" sz="2400" b="0" i="0" u="none" strike="noStrike" cap="none" normalizeH="0" baseline="0">
+              <a:ln>
+                <a:noFill/>
+              </a:ln>
+              <a:solidFill>
+                <a:srgbClr val="000000"/>
+              </a:solidFill>
+              <a:effectLst/>
+              <a:latin typeface="Arial" charset="0"/>
+              <a:ea typeface="ＭＳ Ｐゴシック" charset="0"/>
+              <a:cs typeface="ＭＳ Ｐゴシック" charset="0"/>
+            </a:endParaRPr>
+          </a:p>
+        </p:txBody>
+      </p:sp>
+    </p:spTree>
+    <p:extLst>
+      <p:ext uri="{BB962C8B-B14F-4D97-AF65-F5344CB8AC3E}">
+        <p14:creationId xmlns:p14="http://schemas.microsoft.com/office/powerpoint/2010/main" val="1372888345"/>
+      </p:ext>
+    </p:extLst>
   </p:cSld>
   <p:clrMapOvr>
     <a:masterClrMapping/>
@@ -13255,6 +16681,1761 @@
 </p:sld>
 </file>
 
+<file path=ppt/slides/slide30.xml><?xml version="1.0" encoding="utf-8"?>
+<p:sld xmlns:a="http://schemas.openxmlformats.org/drawingml/2006/main" xmlns:r="http://schemas.openxmlformats.org/officeDocument/2006/relationships" xmlns:p="http://schemas.openxmlformats.org/presentationml/2006/main">
+  <p:cSld>
+    <p:spTree>
+      <p:nvGrpSpPr>
+        <p:cNvPr id="1" name=""/>
+        <p:cNvGrpSpPr/>
+        <p:nvPr/>
+      </p:nvGrpSpPr>
+      <p:grpSpPr>
+        <a:xfrm>
+          <a:off x="0" y="0"/>
+          <a:ext cx="0" cy="0"/>
+          <a:chOff x="0" y="0"/>
+          <a:chExt cx="0" cy="0"/>
+        </a:xfrm>
+      </p:grpSpPr>
+      <p:sp>
+        <p:nvSpPr>
+          <p:cNvPr id="2" name="Title 1"/>
+          <p:cNvSpPr>
+            <a:spLocks noGrp="1"/>
+          </p:cNvSpPr>
+          <p:nvPr>
+            <p:ph type="title"/>
+          </p:nvPr>
+        </p:nvSpPr>
+        <p:spPr/>
+        <p:txBody>
+          <a:bodyPr/>
+          <a:lstStyle/>
+          <a:p>
+            <a:r>
+              <a:rPr lang="en-US" dirty="0" smtClean="0"/>
+              <a:t>Putting it all together</a:t>
+            </a:r>
+            <a:endParaRPr lang="en-US" dirty="0"/>
+          </a:p>
+        </p:txBody>
+      </p:sp>
+      <p:sp>
+        <p:nvSpPr>
+          <p:cNvPr id="3" name="Content Placeholder 2"/>
+          <p:cNvSpPr>
+            <a:spLocks noGrp="1"/>
+          </p:cNvSpPr>
+          <p:nvPr>
+            <p:ph idx="1"/>
+          </p:nvPr>
+        </p:nvSpPr>
+        <p:spPr>
+          <a:xfrm>
+            <a:off x="5410200" y="1828800"/>
+            <a:ext cx="3276600" cy="3614737"/>
+          </a:xfrm>
+        </p:spPr>
+        <p:txBody>
+          <a:bodyPr/>
+          <a:lstStyle/>
+          <a:p>
+            <a:r>
+              <a:rPr lang="en-US" sz="1400" dirty="0" smtClean="0"/>
+              <a:t>The rewritten AST</a:t>
+            </a:r>
+          </a:p>
+        </p:txBody>
+      </p:sp>
+      <p:pic>
+        <p:nvPicPr>
+          <p:cNvPr id="5" name="Picture 4"/>
+          <p:cNvPicPr>
+            <a:picLocks noChangeAspect="1"/>
+          </p:cNvPicPr>
+          <p:nvPr/>
+        </p:nvPicPr>
+        <p:blipFill>
+          <a:blip r:embed="rId2"/>
+          <a:stretch>
+            <a:fillRect/>
+          </a:stretch>
+        </p:blipFill>
+        <p:spPr>
+          <a:xfrm>
+            <a:off x="457200" y="1428524"/>
+            <a:ext cx="4552315" cy="5211762"/>
+          </a:xfrm>
+          <a:prstGeom prst="rect">
+            <a:avLst/>
+          </a:prstGeom>
+        </p:spPr>
+      </p:pic>
+      <p:sp>
+        <p:nvSpPr>
+          <p:cNvPr id="6" name="Left Arrow 5"/>
+          <p:cNvSpPr/>
+          <p:nvPr/>
+        </p:nvSpPr>
+        <p:spPr bwMode="auto">
+          <a:xfrm>
+            <a:off x="3276600" y="5443537"/>
+            <a:ext cx="495300" cy="228600"/>
+          </a:xfrm>
+          <a:prstGeom prst="leftArrow">
+            <a:avLst/>
+          </a:prstGeom>
+          <a:solidFill>
+            <a:srgbClr val="FF0000"/>
+          </a:solidFill>
+          <a:ln w="9525" cap="flat" cmpd="sng" algn="ctr">
+            <a:solidFill>
+              <a:schemeClr val="tx1"/>
+            </a:solidFill>
+            <a:prstDash val="solid"/>
+            <a:round/>
+            <a:headEnd type="none" w="med" len="med"/>
+            <a:tailEnd type="none" w="med" len="med"/>
+          </a:ln>
+          <a:effectLst/>
+          <a:extLst>
+            <a:ext uri="{AF507438-7753-43e0-B8FC-AC1667EBCBE1}">
+              <a14:hiddenEffects xmlns="" xmlns:a14="http://schemas.microsoft.com/office/drawing/2010/main">
+                <a:effectLst>
+                  <a:outerShdw blurRad="63500" dist="38099" dir="2700000" algn="ctr" rotWithShape="0">
+                    <a:schemeClr val="bg2">
+                      <a:alpha val="74998"/>
+                    </a:schemeClr>
+                  </a:outerShdw>
+                </a:effectLst>
+              </a14:hiddenEffects>
+            </a:ext>
+          </a:extLst>
+        </p:spPr>
+        <p:txBody>
+          <a:bodyPr vert="horz" wrap="square" lIns="91440" tIns="45720" rIns="91440" bIns="45720" numCol="1" rtlCol="0" anchor="t" anchorCtr="0" compatLnSpc="1">
+            <a:prstTxWarp prst="textNoShape">
+              <a:avLst/>
+            </a:prstTxWarp>
+          </a:bodyPr>
+          <a:lstStyle/>
+          <a:p>
+            <a:pPr marL="0" marR="0" indent="0" algn="l" defTabSz="914400" rtl="0" eaLnBrk="0" fontAlgn="base" latinLnBrk="0" hangingPunct="0">
+              <a:lnSpc>
+                <a:spcPct val="100000"/>
+              </a:lnSpc>
+              <a:spcBef>
+                <a:spcPct val="0"/>
+              </a:spcBef>
+              <a:spcAft>
+                <a:spcPct val="0"/>
+              </a:spcAft>
+              <a:buClrTx/>
+              <a:buSzTx/>
+              <a:buFontTx/>
+              <a:buNone/>
+              <a:tabLst/>
+            </a:pPr>
+            <a:endParaRPr kumimoji="0" lang="en-US" sz="2400" b="0" i="0" u="none" strike="noStrike" cap="none" normalizeH="0" baseline="0">
+              <a:ln>
+                <a:noFill/>
+              </a:ln>
+              <a:solidFill>
+                <a:srgbClr val="000000"/>
+              </a:solidFill>
+              <a:effectLst/>
+              <a:latin typeface="Arial" charset="0"/>
+              <a:ea typeface="ＭＳ Ｐゴシック" charset="0"/>
+              <a:cs typeface="ＭＳ Ｐゴシック" charset="0"/>
+            </a:endParaRPr>
+          </a:p>
+        </p:txBody>
+      </p:sp>
+    </p:spTree>
+    <p:extLst>
+      <p:ext uri="{BB962C8B-B14F-4D97-AF65-F5344CB8AC3E}">
+        <p14:creationId xmlns:p14="http://schemas.microsoft.com/office/powerpoint/2010/main" val="1667644954"/>
+      </p:ext>
+    </p:extLst>
+  </p:cSld>
+  <p:clrMapOvr>
+    <a:masterClrMapping/>
+  </p:clrMapOvr>
+  <p:timing>
+    <p:tnLst>
+      <p:par>
+        <p:cTn id="1" dur="indefinite" restart="never" nodeType="tmRoot"/>
+      </p:par>
+    </p:tnLst>
+  </p:timing>
+</p:sld>
+</file>
+
+<file path=ppt/slides/slide31.xml><?xml version="1.0" encoding="utf-8"?>
+<p:sld xmlns:a="http://schemas.openxmlformats.org/drawingml/2006/main" xmlns:r="http://schemas.openxmlformats.org/officeDocument/2006/relationships" xmlns:p="http://schemas.openxmlformats.org/presentationml/2006/main">
+  <p:cSld>
+    <p:spTree>
+      <p:nvGrpSpPr>
+        <p:cNvPr id="1" name=""/>
+        <p:cNvGrpSpPr/>
+        <p:nvPr/>
+      </p:nvGrpSpPr>
+      <p:grpSpPr>
+        <a:xfrm>
+          <a:off x="0" y="0"/>
+          <a:ext cx="0" cy="0"/>
+          <a:chOff x="0" y="0"/>
+          <a:chExt cx="0" cy="0"/>
+        </a:xfrm>
+      </p:grpSpPr>
+      <p:sp>
+        <p:nvSpPr>
+          <p:cNvPr id="2" name="Title 1"/>
+          <p:cNvSpPr>
+            <a:spLocks noGrp="1"/>
+          </p:cNvSpPr>
+          <p:nvPr>
+            <p:ph type="title"/>
+          </p:nvPr>
+        </p:nvSpPr>
+        <p:spPr/>
+        <p:txBody>
+          <a:bodyPr/>
+          <a:lstStyle/>
+          <a:p>
+            <a:r>
+              <a:rPr lang="en-US" dirty="0" smtClean="0"/>
+              <a:t>The Symbol Table</a:t>
+            </a:r>
+            <a:endParaRPr lang="en-US" dirty="0"/>
+          </a:p>
+        </p:txBody>
+      </p:sp>
+      <p:sp>
+        <p:nvSpPr>
+          <p:cNvPr id="3" name="Content Placeholder 2"/>
+          <p:cNvSpPr>
+            <a:spLocks noGrp="1"/>
+          </p:cNvSpPr>
+          <p:nvPr>
+            <p:ph idx="1"/>
+          </p:nvPr>
+        </p:nvSpPr>
+        <p:spPr/>
+        <p:txBody>
+          <a:bodyPr/>
+          <a:lstStyle/>
+          <a:p>
+            <a:r>
+              <a:rPr lang="en-US" dirty="0" smtClean="0"/>
+              <a:t>The symbol table has additional functionality to deal with</a:t>
+            </a:r>
+          </a:p>
+          <a:p>
+            <a:pPr lvl="1"/>
+            <a:r>
+              <a:rPr lang="en-US" dirty="0" smtClean="0"/>
+              <a:t>The stack frame</a:t>
+            </a:r>
+          </a:p>
+          <a:p>
+            <a:pPr lvl="1"/>
+            <a:r>
+              <a:rPr lang="en-US" dirty="0" smtClean="0"/>
+              <a:t>Scalars vs functions</a:t>
+            </a:r>
+          </a:p>
+          <a:p>
+            <a:pPr lvl="1"/>
+            <a:r>
+              <a:rPr lang="en-US" smtClean="0"/>
+              <a:t>Function local vs global variables</a:t>
+            </a:r>
+            <a:endParaRPr lang="en-US"/>
+          </a:p>
+        </p:txBody>
+      </p:sp>
+    </p:spTree>
+    <p:extLst>
+      <p:ext uri="{BB962C8B-B14F-4D97-AF65-F5344CB8AC3E}">
+        <p14:creationId xmlns:p14="http://schemas.microsoft.com/office/powerpoint/2010/main" val="208606467"/>
+      </p:ext>
+    </p:extLst>
+  </p:cSld>
+  <p:clrMapOvr>
+    <a:masterClrMapping/>
+  </p:clrMapOvr>
+</p:sld>
+</file>
+
+<file path=ppt/slides/slide32.xml><?xml version="1.0" encoding="utf-8"?>
+<p:sld xmlns:a="http://schemas.openxmlformats.org/drawingml/2006/main" xmlns:r="http://schemas.openxmlformats.org/officeDocument/2006/relationships" xmlns:p="http://schemas.openxmlformats.org/presentationml/2006/main">
+  <p:cSld>
+    <p:spTree>
+      <p:nvGrpSpPr>
+        <p:cNvPr id="1" name=""/>
+        <p:cNvGrpSpPr/>
+        <p:nvPr/>
+      </p:nvGrpSpPr>
+      <p:grpSpPr>
+        <a:xfrm>
+          <a:off x="0" y="0"/>
+          <a:ext cx="0" cy="0"/>
+          <a:chOff x="0" y="0"/>
+          <a:chExt cx="0" cy="0"/>
+        </a:xfrm>
+      </p:grpSpPr>
+      <p:sp>
+        <p:nvSpPr>
+          <p:cNvPr id="2" name="Title 1"/>
+          <p:cNvSpPr>
+            <a:spLocks noGrp="1"/>
+          </p:cNvSpPr>
+          <p:nvPr>
+            <p:ph type="title"/>
+          </p:nvPr>
+        </p:nvSpPr>
+        <p:spPr/>
+        <p:txBody>
+          <a:bodyPr/>
+          <a:lstStyle/>
+          <a:p>
+            <a:r>
+              <a:rPr lang="en-US" dirty="0" smtClean="0"/>
+              <a:t>The Symbol Table</a:t>
+            </a:r>
+            <a:endParaRPr lang="en-US" dirty="0"/>
+          </a:p>
+        </p:txBody>
+      </p:sp>
+      <p:pic>
+        <p:nvPicPr>
+          <p:cNvPr id="4" name="Picture 3"/>
+          <p:cNvPicPr>
+            <a:picLocks noChangeAspect="1"/>
+          </p:cNvPicPr>
+          <p:nvPr/>
+        </p:nvPicPr>
+        <p:blipFill>
+          <a:blip r:embed="rId2"/>
+          <a:stretch>
+            <a:fillRect/>
+          </a:stretch>
+        </p:blipFill>
+        <p:spPr>
+          <a:xfrm>
+            <a:off x="452846" y="1524001"/>
+            <a:ext cx="6481354" cy="2188106"/>
+          </a:xfrm>
+          <a:prstGeom prst="rect">
+            <a:avLst/>
+          </a:prstGeom>
+          <a:ln>
+            <a:solidFill>
+              <a:schemeClr val="tx1"/>
+            </a:solidFill>
+          </a:ln>
+        </p:spPr>
+      </p:pic>
+      <p:pic>
+        <p:nvPicPr>
+          <p:cNvPr id="5" name="Picture 4"/>
+          <p:cNvPicPr>
+            <a:picLocks noChangeAspect="1"/>
+          </p:cNvPicPr>
+          <p:nvPr/>
+        </p:nvPicPr>
+        <p:blipFill>
+          <a:blip r:embed="rId3"/>
+          <a:stretch>
+            <a:fillRect/>
+          </a:stretch>
+        </p:blipFill>
+        <p:spPr>
+          <a:xfrm>
+            <a:off x="2209800" y="3844596"/>
+            <a:ext cx="6083300" cy="2513919"/>
+          </a:xfrm>
+          <a:prstGeom prst="rect">
+            <a:avLst/>
+          </a:prstGeom>
+          <a:ln>
+            <a:solidFill>
+              <a:schemeClr val="tx1"/>
+            </a:solidFill>
+          </a:ln>
+        </p:spPr>
+      </p:pic>
+    </p:spTree>
+    <p:extLst>
+      <p:ext uri="{BB962C8B-B14F-4D97-AF65-F5344CB8AC3E}">
+        <p14:creationId xmlns:p14="http://schemas.microsoft.com/office/powerpoint/2010/main" val="825474012"/>
+      </p:ext>
+    </p:extLst>
+  </p:cSld>
+  <p:clrMapOvr>
+    <a:masterClrMapping/>
+  </p:clrMapOvr>
+</p:sld>
+</file>
+
+<file path=ppt/slides/slide33.xml><?xml version="1.0" encoding="utf-8"?>
+<p:sld xmlns:a="http://schemas.openxmlformats.org/drawingml/2006/main" xmlns:r="http://schemas.openxmlformats.org/officeDocument/2006/relationships" xmlns:p="http://schemas.openxmlformats.org/presentationml/2006/main">
+  <p:cSld>
+    <p:spTree>
+      <p:nvGrpSpPr>
+        <p:cNvPr id="1" name=""/>
+        <p:cNvGrpSpPr/>
+        <p:nvPr/>
+      </p:nvGrpSpPr>
+      <p:grpSpPr>
+        <a:xfrm>
+          <a:off x="0" y="0"/>
+          <a:ext cx="0" cy="0"/>
+          <a:chOff x="0" y="0"/>
+          <a:chExt cx="0" cy="0"/>
+        </a:xfrm>
+      </p:grpSpPr>
+      <p:sp>
+        <p:nvSpPr>
+          <p:cNvPr id="2" name="Title 1"/>
+          <p:cNvSpPr>
+            <a:spLocks noGrp="1"/>
+          </p:cNvSpPr>
+          <p:nvPr>
+            <p:ph type="title"/>
+          </p:nvPr>
+        </p:nvSpPr>
+        <p:spPr/>
+        <p:txBody>
+          <a:bodyPr/>
+          <a:lstStyle/>
+          <a:p>
+            <a:r>
+              <a:rPr lang="en-US" dirty="0" smtClean="0"/>
+              <a:t>The Symbol Table</a:t>
+            </a:r>
+            <a:endParaRPr lang="en-US" dirty="0"/>
+          </a:p>
+        </p:txBody>
+      </p:sp>
+      <p:pic>
+        <p:nvPicPr>
+          <p:cNvPr id="3" name="Picture 2"/>
+          <p:cNvPicPr>
+            <a:picLocks noChangeAspect="1"/>
+          </p:cNvPicPr>
+          <p:nvPr/>
+        </p:nvPicPr>
+        <p:blipFill>
+          <a:blip r:embed="rId2"/>
+          <a:stretch>
+            <a:fillRect/>
+          </a:stretch>
+        </p:blipFill>
+        <p:spPr>
+          <a:xfrm>
+            <a:off x="800100" y="1445941"/>
+            <a:ext cx="6858000" cy="5115546"/>
+          </a:xfrm>
+          <a:prstGeom prst="rect">
+            <a:avLst/>
+          </a:prstGeom>
+          <a:ln>
+            <a:solidFill>
+              <a:schemeClr val="tx1"/>
+            </a:solidFill>
+          </a:ln>
+        </p:spPr>
+      </p:pic>
+    </p:spTree>
+    <p:extLst>
+      <p:ext uri="{BB962C8B-B14F-4D97-AF65-F5344CB8AC3E}">
+        <p14:creationId xmlns:p14="http://schemas.microsoft.com/office/powerpoint/2010/main" val="1558149946"/>
+      </p:ext>
+    </p:extLst>
+  </p:cSld>
+  <p:clrMapOvr>
+    <a:masterClrMapping/>
+  </p:clrMapOvr>
+</p:sld>
+</file>
+
+<file path=ppt/slides/slide34.xml><?xml version="1.0" encoding="utf-8"?>
+<p:sld xmlns:a="http://schemas.openxmlformats.org/drawingml/2006/main" xmlns:r="http://schemas.openxmlformats.org/officeDocument/2006/relationships" xmlns:p="http://schemas.openxmlformats.org/presentationml/2006/main">
+  <p:cSld>
+    <p:spTree>
+      <p:nvGrpSpPr>
+        <p:cNvPr id="1" name=""/>
+        <p:cNvGrpSpPr/>
+        <p:nvPr/>
+      </p:nvGrpSpPr>
+      <p:grpSpPr>
+        <a:xfrm>
+          <a:off x="0" y="0"/>
+          <a:ext cx="0" cy="0"/>
+          <a:chOff x="0" y="0"/>
+          <a:chExt cx="0" cy="0"/>
+        </a:xfrm>
+      </p:grpSpPr>
+      <p:sp>
+        <p:nvSpPr>
+          <p:cNvPr id="2" name="Title 1"/>
+          <p:cNvSpPr>
+            <a:spLocks noGrp="1"/>
+          </p:cNvSpPr>
+          <p:nvPr>
+            <p:ph type="title"/>
+          </p:nvPr>
+        </p:nvSpPr>
+        <p:spPr/>
+        <p:txBody>
+          <a:bodyPr/>
+          <a:lstStyle/>
+          <a:p>
+            <a:r>
+              <a:rPr lang="en-US" dirty="0" smtClean="0"/>
+              <a:t>The Symbol Table</a:t>
+            </a:r>
+            <a:endParaRPr lang="en-US" dirty="0"/>
+          </a:p>
+        </p:txBody>
+      </p:sp>
+      <p:pic>
+        <p:nvPicPr>
+          <p:cNvPr id="4" name="Picture 3"/>
+          <p:cNvPicPr>
+            <a:picLocks noChangeAspect="1"/>
+          </p:cNvPicPr>
+          <p:nvPr/>
+        </p:nvPicPr>
+        <p:blipFill>
+          <a:blip r:embed="rId2"/>
+          <a:stretch>
+            <a:fillRect/>
+          </a:stretch>
+        </p:blipFill>
+        <p:spPr>
+          <a:xfrm>
+            <a:off x="914400" y="1828800"/>
+            <a:ext cx="5513560" cy="3657600"/>
+          </a:xfrm>
+          <a:prstGeom prst="rect">
+            <a:avLst/>
+          </a:prstGeom>
+          <a:ln>
+            <a:solidFill>
+              <a:schemeClr val="tx1"/>
+            </a:solidFill>
+          </a:ln>
+        </p:spPr>
+      </p:pic>
+      <p:sp>
+        <p:nvSpPr>
+          <p:cNvPr id="5" name="Left Arrow 4"/>
+          <p:cNvSpPr/>
+          <p:nvPr/>
+        </p:nvSpPr>
+        <p:spPr bwMode="auto">
+          <a:xfrm>
+            <a:off x="4419600" y="5181600"/>
+            <a:ext cx="495300" cy="228600"/>
+          </a:xfrm>
+          <a:prstGeom prst="leftArrow">
+            <a:avLst/>
+          </a:prstGeom>
+          <a:solidFill>
+            <a:srgbClr val="FF0000"/>
+          </a:solidFill>
+          <a:ln w="9525" cap="flat" cmpd="sng" algn="ctr">
+            <a:solidFill>
+              <a:schemeClr val="tx1"/>
+            </a:solidFill>
+            <a:prstDash val="solid"/>
+            <a:round/>
+            <a:headEnd type="none" w="med" len="med"/>
+            <a:tailEnd type="none" w="med" len="med"/>
+          </a:ln>
+          <a:effectLst/>
+          <a:extLst>
+            <a:ext uri="{AF507438-7753-43e0-B8FC-AC1667EBCBE1}">
+              <a14:hiddenEffects xmlns="" xmlns:a14="http://schemas.microsoft.com/office/drawing/2010/main">
+                <a:effectLst>
+                  <a:outerShdw blurRad="63500" dist="38099" dir="2700000" algn="ctr" rotWithShape="0">
+                    <a:schemeClr val="bg2">
+                      <a:alpha val="74998"/>
+                    </a:schemeClr>
+                  </a:outerShdw>
+                </a:effectLst>
+              </a14:hiddenEffects>
+            </a:ext>
+          </a:extLst>
+        </p:spPr>
+        <p:txBody>
+          <a:bodyPr vert="horz" wrap="square" lIns="91440" tIns="45720" rIns="91440" bIns="45720" numCol="1" rtlCol="0" anchor="t" anchorCtr="0" compatLnSpc="1">
+            <a:prstTxWarp prst="textNoShape">
+              <a:avLst/>
+            </a:prstTxWarp>
+          </a:bodyPr>
+          <a:lstStyle/>
+          <a:p>
+            <a:pPr marL="0" marR="0" indent="0" algn="l" defTabSz="914400" rtl="0" eaLnBrk="0" fontAlgn="base" latinLnBrk="0" hangingPunct="0">
+              <a:lnSpc>
+                <a:spcPct val="100000"/>
+              </a:lnSpc>
+              <a:spcBef>
+                <a:spcPct val="0"/>
+              </a:spcBef>
+              <a:spcAft>
+                <a:spcPct val="0"/>
+              </a:spcAft>
+              <a:buClrTx/>
+              <a:buSzTx/>
+              <a:buFontTx/>
+              <a:buNone/>
+              <a:tabLst/>
+            </a:pPr>
+            <a:endParaRPr kumimoji="0" lang="en-US" sz="2400" b="0" i="0" u="none" strike="noStrike" cap="none" normalizeH="0" baseline="0">
+              <a:ln>
+                <a:noFill/>
+              </a:ln>
+              <a:solidFill>
+                <a:srgbClr val="000000"/>
+              </a:solidFill>
+              <a:effectLst/>
+              <a:latin typeface="Arial" charset="0"/>
+              <a:ea typeface="ＭＳ Ｐゴシック" charset="0"/>
+              <a:cs typeface="ＭＳ Ｐゴシック" charset="0"/>
+            </a:endParaRPr>
+          </a:p>
+        </p:txBody>
+      </p:sp>
+      <p:sp>
+        <p:nvSpPr>
+          <p:cNvPr id="6" name="Left Arrow 5"/>
+          <p:cNvSpPr/>
+          <p:nvPr/>
+        </p:nvSpPr>
+        <p:spPr bwMode="auto">
+          <a:xfrm>
+            <a:off x="5715000" y="3505200"/>
+            <a:ext cx="495300" cy="228600"/>
+          </a:xfrm>
+          <a:prstGeom prst="leftArrow">
+            <a:avLst/>
+          </a:prstGeom>
+          <a:solidFill>
+            <a:srgbClr val="FF0000"/>
+          </a:solidFill>
+          <a:ln w="9525" cap="flat" cmpd="sng" algn="ctr">
+            <a:solidFill>
+              <a:schemeClr val="tx1"/>
+            </a:solidFill>
+            <a:prstDash val="solid"/>
+            <a:round/>
+            <a:headEnd type="none" w="med" len="med"/>
+            <a:tailEnd type="none" w="med" len="med"/>
+          </a:ln>
+          <a:effectLst/>
+          <a:extLst>
+            <a:ext uri="{AF507438-7753-43e0-B8FC-AC1667EBCBE1}">
+              <a14:hiddenEffects xmlns="" xmlns:a14="http://schemas.microsoft.com/office/drawing/2010/main">
+                <a:effectLst>
+                  <a:outerShdw blurRad="63500" dist="38099" dir="2700000" algn="ctr" rotWithShape="0">
+                    <a:schemeClr val="bg2">
+                      <a:alpha val="74998"/>
+                    </a:schemeClr>
+                  </a:outerShdw>
+                </a:effectLst>
+              </a14:hiddenEffects>
+            </a:ext>
+          </a:extLst>
+        </p:spPr>
+        <p:txBody>
+          <a:bodyPr vert="horz" wrap="square" lIns="91440" tIns="45720" rIns="91440" bIns="45720" numCol="1" rtlCol="0" anchor="t" anchorCtr="0" compatLnSpc="1">
+            <a:prstTxWarp prst="textNoShape">
+              <a:avLst/>
+            </a:prstTxWarp>
+          </a:bodyPr>
+          <a:lstStyle/>
+          <a:p>
+            <a:pPr marL="0" marR="0" indent="0" algn="l" defTabSz="914400" rtl="0" eaLnBrk="0" fontAlgn="base" latinLnBrk="0" hangingPunct="0">
+              <a:lnSpc>
+                <a:spcPct val="100000"/>
+              </a:lnSpc>
+              <a:spcBef>
+                <a:spcPct val="0"/>
+              </a:spcBef>
+              <a:spcAft>
+                <a:spcPct val="0"/>
+              </a:spcAft>
+              <a:buClrTx/>
+              <a:buSzTx/>
+              <a:buFontTx/>
+              <a:buNone/>
+              <a:tabLst/>
+            </a:pPr>
+            <a:endParaRPr kumimoji="0" lang="en-US" sz="2400" b="0" i="0" u="none" strike="noStrike" cap="none" normalizeH="0" baseline="0">
+              <a:ln>
+                <a:noFill/>
+              </a:ln>
+              <a:solidFill>
+                <a:srgbClr val="000000"/>
+              </a:solidFill>
+              <a:effectLst/>
+              <a:latin typeface="Arial" charset="0"/>
+              <a:ea typeface="ＭＳ Ｐゴシック" charset="0"/>
+              <a:cs typeface="ＭＳ Ｐゴシック" charset="0"/>
+            </a:endParaRPr>
+          </a:p>
+        </p:txBody>
+      </p:sp>
+    </p:spTree>
+    <p:extLst>
+      <p:ext uri="{BB962C8B-B14F-4D97-AF65-F5344CB8AC3E}">
+        <p14:creationId xmlns:p14="http://schemas.microsoft.com/office/powerpoint/2010/main" val="438818206"/>
+      </p:ext>
+    </p:extLst>
+  </p:cSld>
+  <p:clrMapOvr>
+    <a:masterClrMapping/>
+  </p:clrMapOvr>
+</p:sld>
+</file>
+
+<file path=ppt/slides/slide35.xml><?xml version="1.0" encoding="utf-8"?>
+<p:sld xmlns:a="http://schemas.openxmlformats.org/drawingml/2006/main" xmlns:r="http://schemas.openxmlformats.org/officeDocument/2006/relationships" xmlns:p="http://schemas.openxmlformats.org/presentationml/2006/main">
+  <p:cSld>
+    <p:spTree>
+      <p:nvGrpSpPr>
+        <p:cNvPr id="1" name=""/>
+        <p:cNvGrpSpPr/>
+        <p:nvPr/>
+      </p:nvGrpSpPr>
+      <p:grpSpPr>
+        <a:xfrm>
+          <a:off x="0" y="0"/>
+          <a:ext cx="0" cy="0"/>
+          <a:chOff x="0" y="0"/>
+          <a:chExt cx="0" cy="0"/>
+        </a:xfrm>
+      </p:grpSpPr>
+      <p:sp>
+        <p:nvSpPr>
+          <p:cNvPr id="2" name="Title 1"/>
+          <p:cNvSpPr>
+            <a:spLocks noGrp="1"/>
+          </p:cNvSpPr>
+          <p:nvPr>
+            <p:ph type="title"/>
+          </p:nvPr>
+        </p:nvSpPr>
+        <p:spPr/>
+        <p:txBody>
+          <a:bodyPr/>
+          <a:lstStyle/>
+          <a:p>
+            <a:r>
+              <a:rPr lang="en-US" dirty="0" smtClean="0"/>
+              <a:t>The Symbol Table</a:t>
+            </a:r>
+            <a:endParaRPr lang="en-US" dirty="0"/>
+          </a:p>
+        </p:txBody>
+      </p:sp>
+      <p:pic>
+        <p:nvPicPr>
+          <p:cNvPr id="3" name="Picture 2"/>
+          <p:cNvPicPr>
+            <a:picLocks noChangeAspect="1"/>
+          </p:cNvPicPr>
+          <p:nvPr/>
+        </p:nvPicPr>
+        <p:blipFill>
+          <a:blip r:embed="rId2"/>
+          <a:stretch>
+            <a:fillRect/>
+          </a:stretch>
+        </p:blipFill>
+        <p:spPr>
+          <a:xfrm>
+            <a:off x="762000" y="1752600"/>
+            <a:ext cx="5422900" cy="3734639"/>
+          </a:xfrm>
+          <a:prstGeom prst="rect">
+            <a:avLst/>
+          </a:prstGeom>
+          <a:ln>
+            <a:solidFill>
+              <a:schemeClr val="tx1"/>
+            </a:solidFill>
+          </a:ln>
+        </p:spPr>
+      </p:pic>
+      <p:sp>
+        <p:nvSpPr>
+          <p:cNvPr id="7" name="Left Arrow 6"/>
+          <p:cNvSpPr/>
+          <p:nvPr/>
+        </p:nvSpPr>
+        <p:spPr bwMode="auto">
+          <a:xfrm>
+            <a:off x="4495800" y="4495800"/>
+            <a:ext cx="495300" cy="228600"/>
+          </a:xfrm>
+          <a:prstGeom prst="leftArrow">
+            <a:avLst/>
+          </a:prstGeom>
+          <a:solidFill>
+            <a:srgbClr val="FF0000"/>
+          </a:solidFill>
+          <a:ln w="9525" cap="flat" cmpd="sng" algn="ctr">
+            <a:solidFill>
+              <a:schemeClr val="tx1"/>
+            </a:solidFill>
+            <a:prstDash val="solid"/>
+            <a:round/>
+            <a:headEnd type="none" w="med" len="med"/>
+            <a:tailEnd type="none" w="med" len="med"/>
+          </a:ln>
+          <a:effectLst/>
+          <a:extLst>
+            <a:ext uri="{AF507438-7753-43e0-B8FC-AC1667EBCBE1}">
+              <a14:hiddenEffects xmlns="" xmlns:a14="http://schemas.microsoft.com/office/drawing/2010/main">
+                <a:effectLst>
+                  <a:outerShdw blurRad="63500" dist="38099" dir="2700000" algn="ctr" rotWithShape="0">
+                    <a:schemeClr val="bg2">
+                      <a:alpha val="74998"/>
+                    </a:schemeClr>
+                  </a:outerShdw>
+                </a:effectLst>
+              </a14:hiddenEffects>
+            </a:ext>
+          </a:extLst>
+        </p:spPr>
+        <p:txBody>
+          <a:bodyPr vert="horz" wrap="square" lIns="91440" tIns="45720" rIns="91440" bIns="45720" numCol="1" rtlCol="0" anchor="t" anchorCtr="0" compatLnSpc="1">
+            <a:prstTxWarp prst="textNoShape">
+              <a:avLst/>
+            </a:prstTxWarp>
+          </a:bodyPr>
+          <a:lstStyle/>
+          <a:p>
+            <a:pPr marL="0" marR="0" indent="0" algn="l" defTabSz="914400" rtl="0" eaLnBrk="0" fontAlgn="base" latinLnBrk="0" hangingPunct="0">
+              <a:lnSpc>
+                <a:spcPct val="100000"/>
+              </a:lnSpc>
+              <a:spcBef>
+                <a:spcPct val="0"/>
+              </a:spcBef>
+              <a:spcAft>
+                <a:spcPct val="0"/>
+              </a:spcAft>
+              <a:buClrTx/>
+              <a:buSzTx/>
+              <a:buFontTx/>
+              <a:buNone/>
+              <a:tabLst/>
+            </a:pPr>
+            <a:endParaRPr kumimoji="0" lang="en-US" sz="2400" b="0" i="0" u="none" strike="noStrike" cap="none" normalizeH="0" baseline="0">
+              <a:ln>
+                <a:noFill/>
+              </a:ln>
+              <a:solidFill>
+                <a:srgbClr val="000000"/>
+              </a:solidFill>
+              <a:effectLst/>
+              <a:latin typeface="Arial" charset="0"/>
+              <a:ea typeface="ＭＳ Ｐゴシック" charset="0"/>
+              <a:cs typeface="ＭＳ Ｐゴシック" charset="0"/>
+            </a:endParaRPr>
+          </a:p>
+        </p:txBody>
+      </p:sp>
+    </p:spTree>
+    <p:extLst>
+      <p:ext uri="{BB962C8B-B14F-4D97-AF65-F5344CB8AC3E}">
+        <p14:creationId xmlns:p14="http://schemas.microsoft.com/office/powerpoint/2010/main" val="1457669866"/>
+      </p:ext>
+    </p:extLst>
+  </p:cSld>
+  <p:clrMapOvr>
+    <a:masterClrMapping/>
+  </p:clrMapOvr>
+</p:sld>
+</file>
+
+<file path=ppt/slides/slide36.xml><?xml version="1.0" encoding="utf-8"?>
+<p:sld xmlns:a="http://schemas.openxmlformats.org/drawingml/2006/main" xmlns:r="http://schemas.openxmlformats.org/officeDocument/2006/relationships" xmlns:p="http://schemas.openxmlformats.org/presentationml/2006/main">
+  <p:cSld>
+    <p:spTree>
+      <p:nvGrpSpPr>
+        <p:cNvPr id="1" name=""/>
+        <p:cNvGrpSpPr/>
+        <p:nvPr/>
+      </p:nvGrpSpPr>
+      <p:grpSpPr>
+        <a:xfrm>
+          <a:off x="0" y="0"/>
+          <a:ext cx="0" cy="0"/>
+          <a:chOff x="0" y="0"/>
+          <a:chExt cx="0" cy="0"/>
+        </a:xfrm>
+      </p:grpSpPr>
+      <p:sp>
+        <p:nvSpPr>
+          <p:cNvPr id="3" name="Title 2"/>
+          <p:cNvSpPr>
+            <a:spLocks noGrp="1"/>
+          </p:cNvSpPr>
+          <p:nvPr>
+            <p:ph type="title"/>
+          </p:nvPr>
+        </p:nvSpPr>
+        <p:spPr/>
+        <p:txBody>
+          <a:bodyPr/>
+          <a:lstStyle/>
+          <a:p>
+            <a:r>
+              <a:rPr lang="en-US" dirty="0" smtClean="0"/>
+              <a:t>Tree Rewriting</a:t>
+            </a:r>
+            <a:endParaRPr lang="en-US" dirty="0"/>
+          </a:p>
+        </p:txBody>
+      </p:sp>
+      <p:sp>
+        <p:nvSpPr>
+          <p:cNvPr id="4" name="Content Placeholder 3"/>
+          <p:cNvSpPr>
+            <a:spLocks noGrp="1"/>
+          </p:cNvSpPr>
+          <p:nvPr>
+            <p:ph idx="1"/>
+          </p:nvPr>
+        </p:nvSpPr>
+        <p:spPr/>
+        <p:txBody>
+          <a:bodyPr/>
+          <a:lstStyle/>
+          <a:p>
+            <a:r>
+              <a:rPr lang="en-US" dirty="0" smtClean="0"/>
+              <a:t>Generate three address code</a:t>
+            </a:r>
+          </a:p>
+          <a:p>
+            <a:r>
+              <a:rPr lang="en-US" dirty="0" smtClean="0"/>
+              <a:t>Replace original variable names with target names</a:t>
+            </a:r>
+            <a:endParaRPr lang="en-US" dirty="0"/>
+          </a:p>
+        </p:txBody>
+      </p:sp>
+    </p:spTree>
+    <p:extLst>
+      <p:ext uri="{BB962C8B-B14F-4D97-AF65-F5344CB8AC3E}">
+        <p14:creationId xmlns:p14="http://schemas.microsoft.com/office/powerpoint/2010/main" val="1868603018"/>
+      </p:ext>
+    </p:extLst>
+  </p:cSld>
+  <p:clrMapOvr>
+    <a:masterClrMapping/>
+  </p:clrMapOvr>
+</p:sld>
+</file>
+
+<file path=ppt/slides/slide37.xml><?xml version="1.0" encoding="utf-8"?>
+<p:sld xmlns:a="http://schemas.openxmlformats.org/drawingml/2006/main" xmlns:r="http://schemas.openxmlformats.org/officeDocument/2006/relationships" xmlns:p="http://schemas.openxmlformats.org/presentationml/2006/main">
+  <p:cSld>
+    <p:spTree>
+      <p:nvGrpSpPr>
+        <p:cNvPr id="1" name=""/>
+        <p:cNvGrpSpPr/>
+        <p:nvPr/>
+      </p:nvGrpSpPr>
+      <p:grpSpPr>
+        <a:xfrm>
+          <a:off x="0" y="0"/>
+          <a:ext cx="0" cy="0"/>
+          <a:chOff x="0" y="0"/>
+          <a:chExt cx="0" cy="0"/>
+        </a:xfrm>
+      </p:grpSpPr>
+      <p:sp>
+        <p:nvSpPr>
+          <p:cNvPr id="3" name="Title 2"/>
+          <p:cNvSpPr>
+            <a:spLocks noGrp="1"/>
+          </p:cNvSpPr>
+          <p:nvPr>
+            <p:ph type="title"/>
+          </p:nvPr>
+        </p:nvSpPr>
+        <p:spPr/>
+        <p:txBody>
+          <a:bodyPr/>
+          <a:lstStyle/>
+          <a:p>
+            <a:r>
+              <a:rPr lang="en-US" dirty="0" smtClean="0"/>
+              <a:t>Tree Rewriting</a:t>
+            </a:r>
+            <a:endParaRPr lang="en-US" dirty="0"/>
+          </a:p>
+        </p:txBody>
+      </p:sp>
+      <p:sp>
+        <p:nvSpPr>
+          <p:cNvPr id="11" name="Content Placeholder 10"/>
+          <p:cNvSpPr>
+            <a:spLocks noGrp="1"/>
+          </p:cNvSpPr>
+          <p:nvPr>
+            <p:ph sz="half" idx="2"/>
+          </p:nvPr>
+        </p:nvSpPr>
+        <p:spPr>
+          <a:xfrm>
+            <a:off x="6019800" y="1752600"/>
+            <a:ext cx="2819400" cy="3810000"/>
+          </a:xfrm>
+        </p:spPr>
+        <p:txBody>
+          <a:bodyPr/>
+          <a:lstStyle/>
+          <a:p>
+            <a:r>
+              <a:rPr lang="en-US" sz="1400" dirty="0" smtClean="0"/>
+              <a:t>Insert a temporary variable into expression as the “third address”</a:t>
+            </a:r>
+            <a:endParaRPr lang="en-US" sz="1400" dirty="0"/>
+          </a:p>
+        </p:txBody>
+      </p:sp>
+      <p:pic>
+        <p:nvPicPr>
+          <p:cNvPr id="2" name="Picture 1"/>
+          <p:cNvPicPr>
+            <a:picLocks noChangeAspect="1"/>
+          </p:cNvPicPr>
+          <p:nvPr/>
+        </p:nvPicPr>
+        <p:blipFill>
+          <a:blip r:embed="rId2"/>
+          <a:stretch>
+            <a:fillRect/>
+          </a:stretch>
+        </p:blipFill>
+        <p:spPr>
+          <a:xfrm>
+            <a:off x="304800" y="1600200"/>
+            <a:ext cx="5334000" cy="2504570"/>
+          </a:xfrm>
+          <a:prstGeom prst="rect">
+            <a:avLst/>
+          </a:prstGeom>
+          <a:ln>
+            <a:solidFill>
+              <a:schemeClr val="tx1"/>
+            </a:solidFill>
+          </a:ln>
+        </p:spPr>
+      </p:pic>
+      <p:sp>
+        <p:nvSpPr>
+          <p:cNvPr id="5" name="Left Arrow 4"/>
+          <p:cNvSpPr/>
+          <p:nvPr/>
+        </p:nvSpPr>
+        <p:spPr bwMode="auto">
+          <a:xfrm>
+            <a:off x="3905250" y="3733799"/>
+            <a:ext cx="495300" cy="228600"/>
+          </a:xfrm>
+          <a:prstGeom prst="leftArrow">
+            <a:avLst/>
+          </a:prstGeom>
+          <a:solidFill>
+            <a:srgbClr val="FF0000"/>
+          </a:solidFill>
+          <a:ln w="9525" cap="flat" cmpd="sng" algn="ctr">
+            <a:solidFill>
+              <a:schemeClr val="tx1"/>
+            </a:solidFill>
+            <a:prstDash val="solid"/>
+            <a:round/>
+            <a:headEnd type="none" w="med" len="med"/>
+            <a:tailEnd type="none" w="med" len="med"/>
+          </a:ln>
+          <a:effectLst/>
+          <a:extLst>
+            <a:ext uri="{AF507438-7753-43e0-B8FC-AC1667EBCBE1}">
+              <a14:hiddenEffects xmlns="" xmlns:a14="http://schemas.microsoft.com/office/drawing/2010/main">
+                <a:effectLst>
+                  <a:outerShdw blurRad="63500" dist="38099" dir="2700000" algn="ctr" rotWithShape="0">
+                    <a:schemeClr val="bg2">
+                      <a:alpha val="74998"/>
+                    </a:schemeClr>
+                  </a:outerShdw>
+                </a:effectLst>
+              </a14:hiddenEffects>
+            </a:ext>
+          </a:extLst>
+        </p:spPr>
+        <p:txBody>
+          <a:bodyPr vert="horz" wrap="square" lIns="91440" tIns="45720" rIns="91440" bIns="45720" numCol="1" rtlCol="0" anchor="t" anchorCtr="0" compatLnSpc="1">
+            <a:prstTxWarp prst="textNoShape">
+              <a:avLst/>
+            </a:prstTxWarp>
+          </a:bodyPr>
+          <a:lstStyle/>
+          <a:p>
+            <a:pPr marL="0" marR="0" indent="0" algn="l" defTabSz="914400" rtl="0" eaLnBrk="0" fontAlgn="base" latinLnBrk="0" hangingPunct="0">
+              <a:lnSpc>
+                <a:spcPct val="100000"/>
+              </a:lnSpc>
+              <a:spcBef>
+                <a:spcPct val="0"/>
+              </a:spcBef>
+              <a:spcAft>
+                <a:spcPct val="0"/>
+              </a:spcAft>
+              <a:buClrTx/>
+              <a:buSzTx/>
+              <a:buFontTx/>
+              <a:buNone/>
+              <a:tabLst/>
+            </a:pPr>
+            <a:endParaRPr kumimoji="0" lang="en-US" sz="2400" b="0" i="0" u="none" strike="noStrike" cap="none" normalizeH="0" baseline="0">
+              <a:ln>
+                <a:noFill/>
+              </a:ln>
+              <a:solidFill>
+                <a:srgbClr val="000000"/>
+              </a:solidFill>
+              <a:effectLst/>
+              <a:latin typeface="Arial" charset="0"/>
+              <a:ea typeface="ＭＳ Ｐゴシック" charset="0"/>
+              <a:cs typeface="ＭＳ Ｐゴシック" charset="0"/>
+            </a:endParaRPr>
+          </a:p>
+        </p:txBody>
+      </p:sp>
+      <p:pic>
+        <p:nvPicPr>
+          <p:cNvPr id="12" name="Picture 11"/>
+          <p:cNvPicPr>
+            <a:picLocks noChangeAspect="1"/>
+          </p:cNvPicPr>
+          <p:nvPr/>
+        </p:nvPicPr>
+        <p:blipFill>
+          <a:blip r:embed="rId3"/>
+          <a:stretch>
+            <a:fillRect/>
+          </a:stretch>
+        </p:blipFill>
+        <p:spPr>
+          <a:xfrm>
+            <a:off x="1828800" y="4730750"/>
+            <a:ext cx="3568700" cy="1663700"/>
+          </a:xfrm>
+          <a:prstGeom prst="rect">
+            <a:avLst/>
+          </a:prstGeom>
+          <a:ln>
+            <a:solidFill>
+              <a:schemeClr val="tx1"/>
+            </a:solidFill>
+          </a:ln>
+        </p:spPr>
+      </p:pic>
+      <p:sp>
+        <p:nvSpPr>
+          <p:cNvPr id="13" name="Left Arrow 12"/>
+          <p:cNvSpPr/>
+          <p:nvPr/>
+        </p:nvSpPr>
+        <p:spPr bwMode="auto">
+          <a:xfrm>
+            <a:off x="5143500" y="6019800"/>
+            <a:ext cx="495300" cy="228600"/>
+          </a:xfrm>
+          <a:prstGeom prst="leftArrow">
+            <a:avLst/>
+          </a:prstGeom>
+          <a:solidFill>
+            <a:srgbClr val="FF0000"/>
+          </a:solidFill>
+          <a:ln w="9525" cap="flat" cmpd="sng" algn="ctr">
+            <a:solidFill>
+              <a:schemeClr val="tx1"/>
+            </a:solidFill>
+            <a:prstDash val="solid"/>
+            <a:round/>
+            <a:headEnd type="none" w="med" len="med"/>
+            <a:tailEnd type="none" w="med" len="med"/>
+          </a:ln>
+          <a:effectLst/>
+          <a:extLst>
+            <a:ext uri="{AF507438-7753-43e0-B8FC-AC1667EBCBE1}">
+              <a14:hiddenEffects xmlns="" xmlns:a14="http://schemas.microsoft.com/office/drawing/2010/main">
+                <a:effectLst>
+                  <a:outerShdw blurRad="63500" dist="38099" dir="2700000" algn="ctr" rotWithShape="0">
+                    <a:schemeClr val="bg2">
+                      <a:alpha val="74998"/>
+                    </a:schemeClr>
+                  </a:outerShdw>
+                </a:effectLst>
+              </a14:hiddenEffects>
+            </a:ext>
+          </a:extLst>
+        </p:spPr>
+        <p:txBody>
+          <a:bodyPr vert="horz" wrap="square" lIns="91440" tIns="45720" rIns="91440" bIns="45720" numCol="1" rtlCol="0" anchor="t" anchorCtr="0" compatLnSpc="1">
+            <a:prstTxWarp prst="textNoShape">
+              <a:avLst/>
+            </a:prstTxWarp>
+          </a:bodyPr>
+          <a:lstStyle/>
+          <a:p>
+            <a:pPr marL="0" marR="0" indent="0" algn="l" defTabSz="914400" rtl="0" eaLnBrk="0" fontAlgn="base" latinLnBrk="0" hangingPunct="0">
+              <a:lnSpc>
+                <a:spcPct val="100000"/>
+              </a:lnSpc>
+              <a:spcBef>
+                <a:spcPct val="0"/>
+              </a:spcBef>
+              <a:spcAft>
+                <a:spcPct val="0"/>
+              </a:spcAft>
+              <a:buClrTx/>
+              <a:buSzTx/>
+              <a:buFontTx/>
+              <a:buNone/>
+              <a:tabLst/>
+            </a:pPr>
+            <a:endParaRPr kumimoji="0" lang="en-US" sz="2400" b="0" i="0" u="none" strike="noStrike" cap="none" normalizeH="0" baseline="0">
+              <a:ln>
+                <a:noFill/>
+              </a:ln>
+              <a:solidFill>
+                <a:srgbClr val="000000"/>
+              </a:solidFill>
+              <a:effectLst/>
+              <a:latin typeface="Arial" charset="0"/>
+              <a:ea typeface="ＭＳ Ｐゴシック" charset="0"/>
+              <a:cs typeface="ＭＳ Ｐゴシック" charset="0"/>
+            </a:endParaRPr>
+          </a:p>
+        </p:txBody>
+      </p:sp>
+    </p:spTree>
+    <p:extLst>
+      <p:ext uri="{BB962C8B-B14F-4D97-AF65-F5344CB8AC3E}">
+        <p14:creationId xmlns:p14="http://schemas.microsoft.com/office/powerpoint/2010/main" val="998574073"/>
+      </p:ext>
+    </p:extLst>
+  </p:cSld>
+  <p:clrMapOvr>
+    <a:masterClrMapping/>
+  </p:clrMapOvr>
+</p:sld>
+</file>
+
+<file path=ppt/slides/slide38.xml><?xml version="1.0" encoding="utf-8"?>
+<p:sld xmlns:a="http://schemas.openxmlformats.org/drawingml/2006/main" xmlns:r="http://schemas.openxmlformats.org/officeDocument/2006/relationships" xmlns:p="http://schemas.openxmlformats.org/presentationml/2006/main">
+  <p:cSld>
+    <p:spTree>
+      <p:nvGrpSpPr>
+        <p:cNvPr id="1" name=""/>
+        <p:cNvGrpSpPr/>
+        <p:nvPr/>
+      </p:nvGrpSpPr>
+      <p:grpSpPr>
+        <a:xfrm>
+          <a:off x="0" y="0"/>
+          <a:ext cx="0" cy="0"/>
+          <a:chOff x="0" y="0"/>
+          <a:chExt cx="0" cy="0"/>
+        </a:xfrm>
+      </p:grpSpPr>
+      <p:pic>
+        <p:nvPicPr>
+          <p:cNvPr id="6" name="Picture 5"/>
+          <p:cNvPicPr>
+            <a:picLocks noChangeAspect="1"/>
+          </p:cNvPicPr>
+          <p:nvPr/>
+        </p:nvPicPr>
+        <p:blipFill>
+          <a:blip r:embed="rId2"/>
+          <a:stretch>
+            <a:fillRect/>
+          </a:stretch>
+        </p:blipFill>
+        <p:spPr>
+          <a:xfrm>
+            <a:off x="1295400" y="3124200"/>
+            <a:ext cx="5060950" cy="3317635"/>
+          </a:xfrm>
+          <a:prstGeom prst="rect">
+            <a:avLst/>
+          </a:prstGeom>
+          <a:ln>
+            <a:solidFill>
+              <a:schemeClr val="tx1"/>
+            </a:solidFill>
+          </a:ln>
+        </p:spPr>
+      </p:pic>
+      <p:sp>
+        <p:nvSpPr>
+          <p:cNvPr id="3" name="Title 2"/>
+          <p:cNvSpPr>
+            <a:spLocks noGrp="1"/>
+          </p:cNvSpPr>
+          <p:nvPr>
+            <p:ph type="title"/>
+          </p:nvPr>
+        </p:nvSpPr>
+        <p:spPr/>
+        <p:txBody>
+          <a:bodyPr/>
+          <a:lstStyle/>
+          <a:p>
+            <a:r>
+              <a:rPr lang="en-US" dirty="0" smtClean="0"/>
+              <a:t>Tree Rewriting</a:t>
+            </a:r>
+            <a:endParaRPr lang="en-US" dirty="0"/>
+          </a:p>
+        </p:txBody>
+      </p:sp>
+      <p:sp>
+        <p:nvSpPr>
+          <p:cNvPr id="11" name="Content Placeholder 10"/>
+          <p:cNvSpPr>
+            <a:spLocks noGrp="1"/>
+          </p:cNvSpPr>
+          <p:nvPr>
+            <p:ph sz="half" idx="2"/>
+          </p:nvPr>
+        </p:nvSpPr>
+        <p:spPr>
+          <a:xfrm>
+            <a:off x="6019800" y="1752600"/>
+            <a:ext cx="2819400" cy="3810000"/>
+          </a:xfrm>
+        </p:spPr>
+        <p:txBody>
+          <a:bodyPr/>
+          <a:lstStyle/>
+          <a:p>
+            <a:r>
+              <a:rPr lang="en-US" sz="1400" dirty="0" smtClean="0"/>
+              <a:t>Insert a temporary variable into call expression as the “third address”</a:t>
+            </a:r>
+            <a:endParaRPr lang="en-US" sz="1400" dirty="0"/>
+          </a:p>
+        </p:txBody>
+      </p:sp>
+      <p:sp>
+        <p:nvSpPr>
+          <p:cNvPr id="5" name="Left Arrow 4"/>
+          <p:cNvSpPr/>
+          <p:nvPr/>
+        </p:nvSpPr>
+        <p:spPr bwMode="auto">
+          <a:xfrm>
+            <a:off x="6277972" y="5791200"/>
+            <a:ext cx="495300" cy="228600"/>
+          </a:xfrm>
+          <a:prstGeom prst="leftArrow">
+            <a:avLst/>
+          </a:prstGeom>
+          <a:solidFill>
+            <a:srgbClr val="FF0000"/>
+          </a:solidFill>
+          <a:ln w="9525" cap="flat" cmpd="sng" algn="ctr">
+            <a:solidFill>
+              <a:schemeClr val="tx1"/>
+            </a:solidFill>
+            <a:prstDash val="solid"/>
+            <a:round/>
+            <a:headEnd type="none" w="med" len="med"/>
+            <a:tailEnd type="none" w="med" len="med"/>
+          </a:ln>
+          <a:effectLst/>
+          <a:extLst>
+            <a:ext uri="{AF507438-7753-43e0-B8FC-AC1667EBCBE1}">
+              <a14:hiddenEffects xmlns="" xmlns:a14="http://schemas.microsoft.com/office/drawing/2010/main">
+                <a:effectLst>
+                  <a:outerShdw blurRad="63500" dist="38099" dir="2700000" algn="ctr" rotWithShape="0">
+                    <a:schemeClr val="bg2">
+                      <a:alpha val="74998"/>
+                    </a:schemeClr>
+                  </a:outerShdw>
+                </a:effectLst>
+              </a14:hiddenEffects>
+            </a:ext>
+          </a:extLst>
+        </p:spPr>
+        <p:txBody>
+          <a:bodyPr vert="horz" wrap="square" lIns="91440" tIns="45720" rIns="91440" bIns="45720" numCol="1" rtlCol="0" anchor="t" anchorCtr="0" compatLnSpc="1">
+            <a:prstTxWarp prst="textNoShape">
+              <a:avLst/>
+            </a:prstTxWarp>
+          </a:bodyPr>
+          <a:lstStyle/>
+          <a:p>
+            <a:pPr marL="0" marR="0" indent="0" algn="l" defTabSz="914400" rtl="0" eaLnBrk="0" fontAlgn="base" latinLnBrk="0" hangingPunct="0">
+              <a:lnSpc>
+                <a:spcPct val="100000"/>
+              </a:lnSpc>
+              <a:spcBef>
+                <a:spcPct val="0"/>
+              </a:spcBef>
+              <a:spcAft>
+                <a:spcPct val="0"/>
+              </a:spcAft>
+              <a:buClrTx/>
+              <a:buSzTx/>
+              <a:buFontTx/>
+              <a:buNone/>
+              <a:tabLst/>
+            </a:pPr>
+            <a:endParaRPr kumimoji="0" lang="en-US" sz="2400" b="0" i="0" u="none" strike="noStrike" cap="none" normalizeH="0" baseline="0">
+              <a:ln>
+                <a:noFill/>
+              </a:ln>
+              <a:solidFill>
+                <a:srgbClr val="000000"/>
+              </a:solidFill>
+              <a:effectLst/>
+              <a:latin typeface="Arial" charset="0"/>
+              <a:ea typeface="ＭＳ Ｐゴシック" charset="0"/>
+              <a:cs typeface="ＭＳ Ｐゴシック" charset="0"/>
+            </a:endParaRPr>
+          </a:p>
+        </p:txBody>
+      </p:sp>
+      <p:pic>
+        <p:nvPicPr>
+          <p:cNvPr id="4" name="Picture 3"/>
+          <p:cNvPicPr>
+            <a:picLocks noChangeAspect="1"/>
+          </p:cNvPicPr>
+          <p:nvPr/>
+        </p:nvPicPr>
+        <p:blipFill>
+          <a:blip r:embed="rId3"/>
+          <a:stretch>
+            <a:fillRect/>
+          </a:stretch>
+        </p:blipFill>
+        <p:spPr>
+          <a:xfrm>
+            <a:off x="463731" y="1652465"/>
+            <a:ext cx="3886200" cy="938335"/>
+          </a:xfrm>
+          <a:prstGeom prst="rect">
+            <a:avLst/>
+          </a:prstGeom>
+          <a:ln>
+            <a:solidFill>
+              <a:schemeClr val="tx1"/>
+            </a:solidFill>
+          </a:ln>
+        </p:spPr>
+      </p:pic>
+    </p:spTree>
+    <p:extLst>
+      <p:ext uri="{BB962C8B-B14F-4D97-AF65-F5344CB8AC3E}">
+        <p14:creationId xmlns:p14="http://schemas.microsoft.com/office/powerpoint/2010/main" val="380932941"/>
+      </p:ext>
+    </p:extLst>
+  </p:cSld>
+  <p:clrMapOvr>
+    <a:masterClrMapping/>
+  </p:clrMapOvr>
+</p:sld>
+</file>
+
+<file path=ppt/slides/slide39.xml><?xml version="1.0" encoding="utf-8"?>
+<p:sld xmlns:a="http://schemas.openxmlformats.org/drawingml/2006/main" xmlns:r="http://schemas.openxmlformats.org/officeDocument/2006/relationships" xmlns:p="http://schemas.openxmlformats.org/presentationml/2006/main">
+  <p:cSld>
+    <p:spTree>
+      <p:nvGrpSpPr>
+        <p:cNvPr id="1" name=""/>
+        <p:cNvGrpSpPr/>
+        <p:nvPr/>
+      </p:nvGrpSpPr>
+      <p:grpSpPr>
+        <a:xfrm>
+          <a:off x="0" y="0"/>
+          <a:ext cx="0" cy="0"/>
+          <a:chOff x="0" y="0"/>
+          <a:chExt cx="0" cy="0"/>
+        </a:xfrm>
+      </p:grpSpPr>
+      <p:pic>
+        <p:nvPicPr>
+          <p:cNvPr id="7" name="Picture 6"/>
+          <p:cNvPicPr>
+            <a:picLocks noChangeAspect="1"/>
+          </p:cNvPicPr>
+          <p:nvPr/>
+        </p:nvPicPr>
+        <p:blipFill>
+          <a:blip r:embed="rId2"/>
+          <a:stretch>
+            <a:fillRect/>
+          </a:stretch>
+        </p:blipFill>
+        <p:spPr>
+          <a:xfrm>
+            <a:off x="304799" y="1486080"/>
+            <a:ext cx="5337643" cy="5067120"/>
+          </a:xfrm>
+          <a:prstGeom prst="rect">
+            <a:avLst/>
+          </a:prstGeom>
+          <a:ln>
+            <a:solidFill>
+              <a:schemeClr val="tx1"/>
+            </a:solidFill>
+          </a:ln>
+        </p:spPr>
+      </p:pic>
+      <p:sp>
+        <p:nvSpPr>
+          <p:cNvPr id="3" name="Title 2"/>
+          <p:cNvSpPr>
+            <a:spLocks noGrp="1"/>
+          </p:cNvSpPr>
+          <p:nvPr>
+            <p:ph type="title"/>
+          </p:nvPr>
+        </p:nvSpPr>
+        <p:spPr/>
+        <p:txBody>
+          <a:bodyPr/>
+          <a:lstStyle/>
+          <a:p>
+            <a:r>
+              <a:rPr lang="en-US" dirty="0" smtClean="0"/>
+              <a:t>Tree Rewriting</a:t>
+            </a:r>
+            <a:endParaRPr lang="en-US" dirty="0"/>
+          </a:p>
+        </p:txBody>
+      </p:sp>
+      <p:sp>
+        <p:nvSpPr>
+          <p:cNvPr id="11" name="Content Placeholder 10"/>
+          <p:cNvSpPr>
+            <a:spLocks noGrp="1"/>
+          </p:cNvSpPr>
+          <p:nvPr>
+            <p:ph sz="half" idx="2"/>
+          </p:nvPr>
+        </p:nvSpPr>
+        <p:spPr>
+          <a:xfrm>
+            <a:off x="6019800" y="1752600"/>
+            <a:ext cx="2819400" cy="3810000"/>
+          </a:xfrm>
+        </p:spPr>
+        <p:txBody>
+          <a:bodyPr/>
+          <a:lstStyle/>
+          <a:p>
+            <a:r>
+              <a:rPr lang="en-US" sz="1400" dirty="0" smtClean="0"/>
+              <a:t>Function declarations get rewritten into function definitions which contain the frame size.</a:t>
+            </a:r>
+            <a:endParaRPr lang="en-US" sz="1400" dirty="0"/>
+          </a:p>
+        </p:txBody>
+      </p:sp>
+      <p:sp>
+        <p:nvSpPr>
+          <p:cNvPr id="5" name="Left Arrow 4"/>
+          <p:cNvSpPr/>
+          <p:nvPr/>
+        </p:nvSpPr>
+        <p:spPr bwMode="auto">
+          <a:xfrm>
+            <a:off x="4572000" y="6019800"/>
+            <a:ext cx="495300" cy="228600"/>
+          </a:xfrm>
+          <a:prstGeom prst="leftArrow">
+            <a:avLst/>
+          </a:prstGeom>
+          <a:solidFill>
+            <a:srgbClr val="FF0000"/>
+          </a:solidFill>
+          <a:ln w="9525" cap="flat" cmpd="sng" algn="ctr">
+            <a:solidFill>
+              <a:schemeClr val="tx1"/>
+            </a:solidFill>
+            <a:prstDash val="solid"/>
+            <a:round/>
+            <a:headEnd type="none" w="med" len="med"/>
+            <a:tailEnd type="none" w="med" len="med"/>
+          </a:ln>
+          <a:effectLst/>
+          <a:extLst>
+            <a:ext uri="{AF507438-7753-43e0-B8FC-AC1667EBCBE1}">
+              <a14:hiddenEffects xmlns="" xmlns:a14="http://schemas.microsoft.com/office/drawing/2010/main">
+                <a:effectLst>
+                  <a:outerShdw blurRad="63500" dist="38099" dir="2700000" algn="ctr" rotWithShape="0">
+                    <a:schemeClr val="bg2">
+                      <a:alpha val="74998"/>
+                    </a:schemeClr>
+                  </a:outerShdw>
+                </a:effectLst>
+              </a14:hiddenEffects>
+            </a:ext>
+          </a:extLst>
+        </p:spPr>
+        <p:txBody>
+          <a:bodyPr vert="horz" wrap="square" lIns="91440" tIns="45720" rIns="91440" bIns="45720" numCol="1" rtlCol="0" anchor="t" anchorCtr="0" compatLnSpc="1">
+            <a:prstTxWarp prst="textNoShape">
+              <a:avLst/>
+            </a:prstTxWarp>
+          </a:bodyPr>
+          <a:lstStyle/>
+          <a:p>
+            <a:pPr marL="0" marR="0" indent="0" algn="l" defTabSz="914400" rtl="0" eaLnBrk="0" fontAlgn="base" latinLnBrk="0" hangingPunct="0">
+              <a:lnSpc>
+                <a:spcPct val="100000"/>
+              </a:lnSpc>
+              <a:spcBef>
+                <a:spcPct val="0"/>
+              </a:spcBef>
+              <a:spcAft>
+                <a:spcPct val="0"/>
+              </a:spcAft>
+              <a:buClrTx/>
+              <a:buSzTx/>
+              <a:buFontTx/>
+              <a:buNone/>
+              <a:tabLst/>
+            </a:pPr>
+            <a:endParaRPr kumimoji="0" lang="en-US" sz="2400" b="0" i="0" u="none" strike="noStrike" cap="none" normalizeH="0" baseline="0">
+              <a:ln>
+                <a:noFill/>
+              </a:ln>
+              <a:solidFill>
+                <a:srgbClr val="000000"/>
+              </a:solidFill>
+              <a:effectLst/>
+              <a:latin typeface="Arial" charset="0"/>
+              <a:ea typeface="ＭＳ Ｐゴシック" charset="0"/>
+              <a:cs typeface="ＭＳ Ｐゴシック" charset="0"/>
+            </a:endParaRPr>
+          </a:p>
+        </p:txBody>
+      </p:sp>
+      <p:sp>
+        <p:nvSpPr>
+          <p:cNvPr id="8" name="Left Arrow 7"/>
+          <p:cNvSpPr/>
+          <p:nvPr/>
+        </p:nvSpPr>
+        <p:spPr bwMode="auto">
+          <a:xfrm>
+            <a:off x="4572000" y="4267200"/>
+            <a:ext cx="495300" cy="228600"/>
+          </a:xfrm>
+          <a:prstGeom prst="leftArrow">
+            <a:avLst/>
+          </a:prstGeom>
+          <a:solidFill>
+            <a:srgbClr val="FF0000"/>
+          </a:solidFill>
+          <a:ln w="9525" cap="flat" cmpd="sng" algn="ctr">
+            <a:solidFill>
+              <a:schemeClr val="tx1"/>
+            </a:solidFill>
+            <a:prstDash val="solid"/>
+            <a:round/>
+            <a:headEnd type="none" w="med" len="med"/>
+            <a:tailEnd type="none" w="med" len="med"/>
+          </a:ln>
+          <a:effectLst/>
+          <a:extLst>
+            <a:ext uri="{AF507438-7753-43e0-B8FC-AC1667EBCBE1}">
+              <a14:hiddenEffects xmlns="" xmlns:a14="http://schemas.microsoft.com/office/drawing/2010/main">
+                <a:effectLst>
+                  <a:outerShdw blurRad="63500" dist="38099" dir="2700000" algn="ctr" rotWithShape="0">
+                    <a:schemeClr val="bg2">
+                      <a:alpha val="74998"/>
+                    </a:schemeClr>
+                  </a:outerShdw>
+                </a:effectLst>
+              </a14:hiddenEffects>
+            </a:ext>
+          </a:extLst>
+        </p:spPr>
+        <p:txBody>
+          <a:bodyPr vert="horz" wrap="square" lIns="91440" tIns="45720" rIns="91440" bIns="45720" numCol="1" rtlCol="0" anchor="t" anchorCtr="0" compatLnSpc="1">
+            <a:prstTxWarp prst="textNoShape">
+              <a:avLst/>
+            </a:prstTxWarp>
+          </a:bodyPr>
+          <a:lstStyle/>
+          <a:p>
+            <a:pPr marL="0" marR="0" indent="0" algn="l" defTabSz="914400" rtl="0" eaLnBrk="0" fontAlgn="base" latinLnBrk="0" hangingPunct="0">
+              <a:lnSpc>
+                <a:spcPct val="100000"/>
+              </a:lnSpc>
+              <a:spcBef>
+                <a:spcPct val="0"/>
+              </a:spcBef>
+              <a:spcAft>
+                <a:spcPct val="0"/>
+              </a:spcAft>
+              <a:buClrTx/>
+              <a:buSzTx/>
+              <a:buFontTx/>
+              <a:buNone/>
+              <a:tabLst/>
+            </a:pPr>
+            <a:endParaRPr kumimoji="0" lang="en-US" sz="2400" b="0" i="0" u="none" strike="noStrike" cap="none" normalizeH="0" baseline="0">
+              <a:ln>
+                <a:noFill/>
+              </a:ln>
+              <a:solidFill>
+                <a:srgbClr val="000000"/>
+              </a:solidFill>
+              <a:effectLst/>
+              <a:latin typeface="Arial" charset="0"/>
+              <a:ea typeface="ＭＳ Ｐゴシック" charset="0"/>
+              <a:cs typeface="ＭＳ Ｐゴシック" charset="0"/>
+            </a:endParaRPr>
+          </a:p>
+        </p:txBody>
+      </p:sp>
+    </p:spTree>
+    <p:extLst>
+      <p:ext uri="{BB962C8B-B14F-4D97-AF65-F5344CB8AC3E}">
+        <p14:creationId xmlns:p14="http://schemas.microsoft.com/office/powerpoint/2010/main" val="1063932279"/>
+      </p:ext>
+    </p:extLst>
+  </p:cSld>
+  <p:clrMapOvr>
+    <a:masterClrMapping/>
+  </p:clrMapOvr>
+</p:sld>
+</file>
+
 <file path=ppt/slides/slide4.xml><?xml version="1.0" encoding="utf-8"?>
 <p:sld xmlns:a="http://schemas.openxmlformats.org/drawingml/2006/main" xmlns:r="http://schemas.openxmlformats.org/officeDocument/2006/relationships" xmlns:p="http://schemas.openxmlformats.org/presentationml/2006/main">
   <p:cSld>
@@ -13348,7 +18529,7 @@
           </a:ln>
           <a:extLst>
             <a:ext uri="{909E8E84-426E-40dd-AFC4-6F175D3DCCD1}">
-              <a14:hiddenFill xmlns:a14="http://schemas.microsoft.com/office/drawing/2010/main" xmlns="">
+              <a14:hiddenFill xmlns="" xmlns:a14="http://schemas.microsoft.com/office/drawing/2010/main">
                 <a:solidFill>
                   <a:schemeClr val="accent1"/>
                 </a:solidFill>
@@ -13400,7 +18581,7 @@
           </a:ln>
           <a:extLst>
             <a:ext uri="{909E8E84-426E-40dd-AFC4-6F175D3DCCD1}">
-              <a14:hiddenFill xmlns:a14="http://schemas.microsoft.com/office/drawing/2010/main" xmlns="">
+              <a14:hiddenFill xmlns="" xmlns:a14="http://schemas.microsoft.com/office/drawing/2010/main">
                 <a:solidFill>
                   <a:schemeClr val="accent1"/>
                 </a:solidFill>
@@ -13447,7 +18628,7 @@
           </a:ln>
           <a:extLst>
             <a:ext uri="{909E8E84-426E-40dd-AFC4-6F175D3DCCD1}">
-              <a14:hiddenFill xmlns:a14="http://schemas.microsoft.com/office/drawing/2010/main" xmlns="">
+              <a14:hiddenFill xmlns="" xmlns:a14="http://schemas.microsoft.com/office/drawing/2010/main">
                 <a:solidFill>
                   <a:schemeClr val="accent1"/>
                 </a:solidFill>
@@ -13499,7 +18680,7 @@
           </a:ln>
           <a:extLst>
             <a:ext uri="{909E8E84-426E-40dd-AFC4-6F175D3DCCD1}">
-              <a14:hiddenFill xmlns:a14="http://schemas.microsoft.com/office/drawing/2010/main" xmlns="">
+              <a14:hiddenFill xmlns="" xmlns:a14="http://schemas.microsoft.com/office/drawing/2010/main">
                 <a:solidFill>
                   <a:schemeClr val="accent1"/>
                 </a:solidFill>
@@ -13546,7 +18727,7 @@
           </a:ln>
           <a:extLst>
             <a:ext uri="{909E8E84-426E-40dd-AFC4-6F175D3DCCD1}">
-              <a14:hiddenFill xmlns:a14="http://schemas.microsoft.com/office/drawing/2010/main" xmlns="">
+              <a14:hiddenFill xmlns="" xmlns:a14="http://schemas.microsoft.com/office/drawing/2010/main">
                 <a:solidFill>
                   <a:schemeClr val="accent1"/>
                 </a:solidFill>
@@ -13598,7 +18779,7 @@
           </a:ln>
           <a:extLst>
             <a:ext uri="{909E8E84-426E-40dd-AFC4-6F175D3DCCD1}">
-              <a14:hiddenFill xmlns:a14="http://schemas.microsoft.com/office/drawing/2010/main" xmlns="">
+              <a14:hiddenFill xmlns="" xmlns:a14="http://schemas.microsoft.com/office/drawing/2010/main">
                 <a:solidFill>
                   <a:schemeClr val="accent1"/>
                 </a:solidFill>
@@ -13645,7 +18826,7 @@
           </a:ln>
           <a:extLst>
             <a:ext uri="{909E8E84-426E-40dd-AFC4-6F175D3DCCD1}">
-              <a14:hiddenFill xmlns:a14="http://schemas.microsoft.com/office/drawing/2010/main" xmlns="">
+              <a14:hiddenFill xmlns="" xmlns:a14="http://schemas.microsoft.com/office/drawing/2010/main">
                 <a:solidFill>
                   <a:schemeClr val="accent1"/>
                 </a:solidFill>
@@ -13697,7 +18878,7 @@
           </a:ln>
           <a:extLst>
             <a:ext uri="{909E8E84-426E-40dd-AFC4-6F175D3DCCD1}">
-              <a14:hiddenFill xmlns:a14="http://schemas.microsoft.com/office/drawing/2010/main" xmlns="">
+              <a14:hiddenFill xmlns="" xmlns:a14="http://schemas.microsoft.com/office/drawing/2010/main">
                 <a:solidFill>
                   <a:schemeClr val="accent1"/>
                 </a:solidFill>
@@ -13748,7 +18929,7 @@
           </a:ln>
           <a:extLst>
             <a:ext uri="{909E8E84-426E-40dd-AFC4-6F175D3DCCD1}">
-              <a14:hiddenFill xmlns:a14="http://schemas.microsoft.com/office/drawing/2010/main" xmlns="">
+              <a14:hiddenFill xmlns="" xmlns:a14="http://schemas.microsoft.com/office/drawing/2010/main">
                 <a:solidFill>
                   <a:schemeClr val="accent1"/>
                 </a:solidFill>
@@ -13795,7 +18976,7 @@
           </a:ln>
           <a:extLst>
             <a:ext uri="{909E8E84-426E-40dd-AFC4-6F175D3DCCD1}">
-              <a14:hiddenFill xmlns:a14="http://schemas.microsoft.com/office/drawing/2010/main" xmlns="">
+              <a14:hiddenFill xmlns="" xmlns:a14="http://schemas.microsoft.com/office/drawing/2010/main">
                 <a:solidFill>
                   <a:schemeClr val="accent1"/>
                 </a:solidFill>
@@ -13846,7 +19027,7 @@
           </a:ln>
           <a:extLst>
             <a:ext uri="{909E8E84-426E-40dd-AFC4-6F175D3DCCD1}">
-              <a14:hiddenFill xmlns:a14="http://schemas.microsoft.com/office/drawing/2010/main" xmlns="">
+              <a14:hiddenFill xmlns="" xmlns:a14="http://schemas.microsoft.com/office/drawing/2010/main">
                 <a:solidFill>
                   <a:schemeClr val="accent1"/>
                 </a:solidFill>
@@ -13927,14 +19108,14 @@
           </a:ln>
           <a:extLst>
             <a:ext uri="{909E8E84-426E-40dd-AFC4-6F175D3DCCD1}">
-              <a14:hiddenFill xmlns:a14="http://schemas.microsoft.com/office/drawing/2010/main" xmlns="">
+              <a14:hiddenFill xmlns="" xmlns:a14="http://schemas.microsoft.com/office/drawing/2010/main">
                 <a:solidFill>
                   <a:schemeClr val="accent1"/>
                 </a:solidFill>
               </a14:hiddenFill>
             </a:ext>
             <a:ext uri="{91240B29-F687-4f45-9708-019B960494DF}">
-              <a14:hiddenLine xmlns:a14="http://schemas.microsoft.com/office/drawing/2010/main" xmlns="" w="9525">
+              <a14:hiddenLine xmlns="" xmlns:a14="http://schemas.microsoft.com/office/drawing/2010/main" w="9525">
                 <a:solidFill>
                   <a:schemeClr val="tx1"/>
                 </a:solidFill>
@@ -13988,7 +19169,7 @@
           </a:ln>
           <a:extLst>
             <a:ext uri="{909E8E84-426E-40dd-AFC4-6F175D3DCCD1}">
-              <a14:hiddenFill xmlns:a14="http://schemas.microsoft.com/office/drawing/2010/main" xmlns="">
+              <a14:hiddenFill xmlns="" xmlns:a14="http://schemas.microsoft.com/office/drawing/2010/main">
                 <a:solidFill>
                   <a:schemeClr val="accent1"/>
                 </a:solidFill>
@@ -14026,14 +19207,14 @@
           </a:ln>
           <a:extLst>
             <a:ext uri="{909E8E84-426E-40dd-AFC4-6F175D3DCCD1}">
-              <a14:hiddenFill xmlns:a14="http://schemas.microsoft.com/office/drawing/2010/main" xmlns="">
+              <a14:hiddenFill xmlns="" xmlns:a14="http://schemas.microsoft.com/office/drawing/2010/main">
                 <a:solidFill>
                   <a:schemeClr val="accent1"/>
                 </a:solidFill>
               </a14:hiddenFill>
             </a:ext>
             <a:ext uri="{91240B29-F687-4f45-9708-019B960494DF}">
-              <a14:hiddenLine xmlns:a14="http://schemas.microsoft.com/office/drawing/2010/main" xmlns="" w="9525">
+              <a14:hiddenLine xmlns="" xmlns:a14="http://schemas.microsoft.com/office/drawing/2010/main" w="9525">
                 <a:solidFill>
                   <a:schemeClr val="tx1"/>
                 </a:solidFill>
@@ -14069,6 +19250,574 @@
       </p:par>
     </p:tnLst>
   </p:timing>
+</p:sld>
+</file>
+
+<file path=ppt/slides/slide40.xml><?xml version="1.0" encoding="utf-8"?>
+<p:sld xmlns:a="http://schemas.openxmlformats.org/drawingml/2006/main" xmlns:r="http://schemas.openxmlformats.org/officeDocument/2006/relationships" xmlns:p="http://schemas.openxmlformats.org/presentationml/2006/main">
+  <p:cSld>
+    <p:spTree>
+      <p:nvGrpSpPr>
+        <p:cNvPr id="1" name=""/>
+        <p:cNvGrpSpPr/>
+        <p:nvPr/>
+      </p:nvGrpSpPr>
+      <p:grpSpPr>
+        <a:xfrm>
+          <a:off x="0" y="0"/>
+          <a:ext cx="0" cy="0"/>
+          <a:chOff x="0" y="0"/>
+          <a:chExt cx="0" cy="0"/>
+        </a:xfrm>
+      </p:grpSpPr>
+      <p:sp>
+        <p:nvSpPr>
+          <p:cNvPr id="3" name="Title 2"/>
+          <p:cNvSpPr>
+            <a:spLocks noGrp="1"/>
+          </p:cNvSpPr>
+          <p:nvPr>
+            <p:ph type="title"/>
+          </p:nvPr>
+        </p:nvSpPr>
+        <p:spPr/>
+        <p:txBody>
+          <a:bodyPr/>
+          <a:lstStyle/>
+          <a:p>
+            <a:r>
+              <a:rPr lang="en-US" dirty="0" smtClean="0"/>
+              <a:t>Tree Rewriting</a:t>
+            </a:r>
+            <a:endParaRPr lang="en-US" dirty="0"/>
+          </a:p>
+        </p:txBody>
+      </p:sp>
+      <p:sp>
+        <p:nvSpPr>
+          <p:cNvPr id="11" name="Content Placeholder 10"/>
+          <p:cNvSpPr>
+            <a:spLocks noGrp="1"/>
+          </p:cNvSpPr>
+          <p:nvPr>
+            <p:ph sz="half" idx="2"/>
+          </p:nvPr>
+        </p:nvSpPr>
+        <p:spPr>
+          <a:xfrm>
+            <a:off x="6019800" y="1752600"/>
+            <a:ext cx="2819400" cy="3810000"/>
+          </a:xfrm>
+        </p:spPr>
+        <p:txBody>
+          <a:bodyPr/>
+          <a:lstStyle/>
+          <a:p>
+            <a:r>
+              <a:rPr lang="en-US" sz="1400" dirty="0" smtClean="0"/>
+              <a:t>Original variable names are replaced with target names.</a:t>
+            </a:r>
+            <a:endParaRPr lang="en-US" sz="1400" dirty="0"/>
+          </a:p>
+        </p:txBody>
+      </p:sp>
+      <p:pic>
+        <p:nvPicPr>
+          <p:cNvPr id="2" name="Picture 1"/>
+          <p:cNvPicPr>
+            <a:picLocks noChangeAspect="1"/>
+          </p:cNvPicPr>
+          <p:nvPr/>
+        </p:nvPicPr>
+        <p:blipFill>
+          <a:blip r:embed="rId2"/>
+          <a:stretch>
+            <a:fillRect/>
+          </a:stretch>
+        </p:blipFill>
+        <p:spPr>
+          <a:xfrm>
+            <a:off x="882650" y="1443764"/>
+            <a:ext cx="3765550" cy="2423706"/>
+          </a:xfrm>
+          <a:prstGeom prst="rect">
+            <a:avLst/>
+          </a:prstGeom>
+          <a:ln>
+            <a:solidFill>
+              <a:schemeClr val="tx1"/>
+            </a:solidFill>
+          </a:ln>
+        </p:spPr>
+      </p:pic>
+      <p:pic>
+        <p:nvPicPr>
+          <p:cNvPr id="4" name="Picture 3"/>
+          <p:cNvPicPr>
+            <a:picLocks noChangeAspect="1"/>
+          </p:cNvPicPr>
+          <p:nvPr/>
+        </p:nvPicPr>
+        <p:blipFill>
+          <a:blip r:embed="rId3"/>
+          <a:stretch>
+            <a:fillRect/>
+          </a:stretch>
+        </p:blipFill>
+        <p:spPr>
+          <a:xfrm>
+            <a:off x="266700" y="4114800"/>
+            <a:ext cx="3962400" cy="1219976"/>
+          </a:xfrm>
+          <a:prstGeom prst="rect">
+            <a:avLst/>
+          </a:prstGeom>
+          <a:ln>
+            <a:solidFill>
+              <a:schemeClr val="tx1"/>
+            </a:solidFill>
+          </a:ln>
+        </p:spPr>
+      </p:pic>
+      <p:pic>
+        <p:nvPicPr>
+          <p:cNvPr id="9" name="Picture 8"/>
+          <p:cNvPicPr>
+            <a:picLocks noChangeAspect="1"/>
+          </p:cNvPicPr>
+          <p:nvPr/>
+        </p:nvPicPr>
+        <p:blipFill>
+          <a:blip r:embed="rId4"/>
+          <a:stretch>
+            <a:fillRect/>
+          </a:stretch>
+        </p:blipFill>
+        <p:spPr>
+          <a:xfrm>
+            <a:off x="3813175" y="5562600"/>
+            <a:ext cx="4413250" cy="1199612"/>
+          </a:xfrm>
+          <a:prstGeom prst="rect">
+            <a:avLst/>
+          </a:prstGeom>
+          <a:ln>
+            <a:solidFill>
+              <a:schemeClr val="tx1"/>
+            </a:solidFill>
+          </a:ln>
+        </p:spPr>
+      </p:pic>
+    </p:spTree>
+    <p:extLst>
+      <p:ext uri="{BB962C8B-B14F-4D97-AF65-F5344CB8AC3E}">
+        <p14:creationId xmlns:p14="http://schemas.microsoft.com/office/powerpoint/2010/main" val="1847690760"/>
+      </p:ext>
+    </p:extLst>
+  </p:cSld>
+  <p:clrMapOvr>
+    <a:masterClrMapping/>
+  </p:clrMapOvr>
+</p:sld>
+</file>
+
+<file path=ppt/slides/slide41.xml><?xml version="1.0" encoding="utf-8"?>
+<p:sld xmlns:a="http://schemas.openxmlformats.org/drawingml/2006/main" xmlns:r="http://schemas.openxmlformats.org/officeDocument/2006/relationships" xmlns:p="http://schemas.openxmlformats.org/presentationml/2006/main">
+  <p:cSld>
+    <p:spTree>
+      <p:nvGrpSpPr>
+        <p:cNvPr id="1" name=""/>
+        <p:cNvGrpSpPr/>
+        <p:nvPr/>
+      </p:nvGrpSpPr>
+      <p:grpSpPr>
+        <a:xfrm>
+          <a:off x="0" y="0"/>
+          <a:ext cx="0" cy="0"/>
+          <a:chOff x="0" y="0"/>
+          <a:chExt cx="0" cy="0"/>
+        </a:xfrm>
+      </p:grpSpPr>
+      <p:sp>
+        <p:nvSpPr>
+          <p:cNvPr id="5" name="Title 4"/>
+          <p:cNvSpPr>
+            <a:spLocks noGrp="1"/>
+          </p:cNvSpPr>
+          <p:nvPr>
+            <p:ph type="title"/>
+          </p:nvPr>
+        </p:nvSpPr>
+        <p:spPr/>
+        <p:txBody>
+          <a:bodyPr/>
+          <a:lstStyle/>
+          <a:p>
+            <a:r>
+              <a:rPr lang="en-US" dirty="0" smtClean="0"/>
+              <a:t>Code Generation</a:t>
+            </a:r>
+            <a:endParaRPr lang="en-US" dirty="0"/>
+          </a:p>
+        </p:txBody>
+      </p:sp>
+      <p:sp>
+        <p:nvSpPr>
+          <p:cNvPr id="6" name="Content Placeholder 5"/>
+          <p:cNvSpPr>
+            <a:spLocks noGrp="1"/>
+          </p:cNvSpPr>
+          <p:nvPr>
+            <p:ph idx="1"/>
+          </p:nvPr>
+        </p:nvSpPr>
+        <p:spPr/>
+        <p:txBody>
+          <a:bodyPr/>
+          <a:lstStyle/>
+          <a:p>
+            <a:r>
+              <a:rPr lang="en-US" dirty="0" smtClean="0"/>
+              <a:t>Very similar to the Cuppa2 compiler</a:t>
+            </a:r>
+          </a:p>
+          <a:p>
+            <a:r>
+              <a:rPr lang="en-US" dirty="0" smtClean="0"/>
+              <a:t>All statement level patterns carry over almost unmodified</a:t>
+            </a:r>
+          </a:p>
+          <a:p>
+            <a:r>
+              <a:rPr lang="en-US" dirty="0" smtClean="0"/>
+              <a:t>Expressions need to keep track of the “third address” or “target address” of the three address code encoding.</a:t>
+            </a:r>
+            <a:endParaRPr lang="en-US" dirty="0"/>
+          </a:p>
+        </p:txBody>
+      </p:sp>
+    </p:spTree>
+    <p:extLst>
+      <p:ext uri="{BB962C8B-B14F-4D97-AF65-F5344CB8AC3E}">
+        <p14:creationId xmlns:p14="http://schemas.microsoft.com/office/powerpoint/2010/main" val="1592342226"/>
+      </p:ext>
+    </p:extLst>
+  </p:cSld>
+  <p:clrMapOvr>
+    <a:masterClrMapping/>
+  </p:clrMapOvr>
+</p:sld>
+</file>
+
+<file path=ppt/slides/slide42.xml><?xml version="1.0" encoding="utf-8"?>
+<p:sld xmlns:a="http://schemas.openxmlformats.org/drawingml/2006/main" xmlns:r="http://schemas.openxmlformats.org/officeDocument/2006/relationships" xmlns:p="http://schemas.openxmlformats.org/presentationml/2006/main">
+  <p:cSld>
+    <p:spTree>
+      <p:nvGrpSpPr>
+        <p:cNvPr id="1" name=""/>
+        <p:cNvGrpSpPr/>
+        <p:nvPr/>
+      </p:nvGrpSpPr>
+      <p:grpSpPr>
+        <a:xfrm>
+          <a:off x="0" y="0"/>
+          <a:ext cx="0" cy="0"/>
+          <a:chOff x="0" y="0"/>
+          <a:chExt cx="0" cy="0"/>
+        </a:xfrm>
+      </p:grpSpPr>
+      <p:sp>
+        <p:nvSpPr>
+          <p:cNvPr id="5" name="Title 4"/>
+          <p:cNvSpPr>
+            <a:spLocks noGrp="1"/>
+          </p:cNvSpPr>
+          <p:nvPr>
+            <p:ph type="title"/>
+          </p:nvPr>
+        </p:nvSpPr>
+        <p:spPr/>
+        <p:txBody>
+          <a:bodyPr/>
+          <a:lstStyle/>
+          <a:p>
+            <a:r>
+              <a:rPr lang="en-US" dirty="0" smtClean="0"/>
+              <a:t>Code Generation</a:t>
+            </a:r>
+            <a:endParaRPr lang="en-US" dirty="0"/>
+          </a:p>
+        </p:txBody>
+      </p:sp>
+      <p:sp>
+        <p:nvSpPr>
+          <p:cNvPr id="4" name="Content Placeholder 3"/>
+          <p:cNvSpPr>
+            <a:spLocks noGrp="1"/>
+          </p:cNvSpPr>
+          <p:nvPr>
+            <p:ph sz="half" idx="2"/>
+          </p:nvPr>
+        </p:nvSpPr>
+        <p:spPr>
+          <a:xfrm>
+            <a:off x="6019800" y="1719263"/>
+            <a:ext cx="2667000" cy="4411662"/>
+          </a:xfrm>
+        </p:spPr>
+        <p:txBody>
+          <a:bodyPr/>
+          <a:lstStyle/>
+          <a:p>
+            <a:r>
+              <a:rPr lang="en-US" sz="1400" dirty="0" smtClean="0"/>
+              <a:t>The code generator keeps track of the location where the value of an expression is stored</a:t>
+            </a:r>
+          </a:p>
+          <a:p>
+            <a:r>
+              <a:rPr lang="en-US" sz="1400" dirty="0" smtClean="0"/>
+              <a:t>Returns a pair for an expression: </a:t>
+            </a:r>
+            <a:br>
+              <a:rPr lang="en-US" sz="1400" dirty="0" smtClean="0"/>
+            </a:br>
+            <a:r>
+              <a:rPr lang="en-US" sz="1400" dirty="0" smtClean="0"/>
+              <a:t>(1) code</a:t>
+            </a:r>
+            <a:r>
+              <a:rPr lang="en-US" sz="1400" dirty="0"/>
+              <a:t/>
+            </a:r>
+            <a:br>
+              <a:rPr lang="en-US" sz="1400" dirty="0"/>
+            </a:br>
+            <a:r>
+              <a:rPr lang="en-US" sz="1400" dirty="0" smtClean="0"/>
+              <a:t>(2) location</a:t>
+            </a:r>
+          </a:p>
+        </p:txBody>
+      </p:sp>
+      <p:pic>
+        <p:nvPicPr>
+          <p:cNvPr id="7" name="Picture 6"/>
+          <p:cNvPicPr>
+            <a:picLocks noChangeAspect="1"/>
+          </p:cNvPicPr>
+          <p:nvPr/>
+        </p:nvPicPr>
+        <p:blipFill>
+          <a:blip r:embed="rId2"/>
+          <a:stretch>
+            <a:fillRect/>
+          </a:stretch>
+        </p:blipFill>
+        <p:spPr>
+          <a:xfrm>
+            <a:off x="457200" y="1730149"/>
+            <a:ext cx="4902200" cy="1792747"/>
+          </a:xfrm>
+          <a:prstGeom prst="rect">
+            <a:avLst/>
+          </a:prstGeom>
+          <a:ln>
+            <a:solidFill>
+              <a:schemeClr val="tx1"/>
+            </a:solidFill>
+          </a:ln>
+        </p:spPr>
+      </p:pic>
+      <p:pic>
+        <p:nvPicPr>
+          <p:cNvPr id="8" name="Picture 7"/>
+          <p:cNvPicPr>
+            <a:picLocks noChangeAspect="1"/>
+          </p:cNvPicPr>
+          <p:nvPr/>
+        </p:nvPicPr>
+        <p:blipFill>
+          <a:blip r:embed="rId3"/>
+          <a:stretch>
+            <a:fillRect/>
+          </a:stretch>
+        </p:blipFill>
+        <p:spPr>
+          <a:xfrm>
+            <a:off x="768350" y="3835407"/>
+            <a:ext cx="3460750" cy="1692165"/>
+          </a:xfrm>
+          <a:prstGeom prst="rect">
+            <a:avLst/>
+          </a:prstGeom>
+          <a:ln>
+            <a:solidFill>
+              <a:schemeClr val="tx1"/>
+            </a:solidFill>
+          </a:ln>
+        </p:spPr>
+      </p:pic>
+      <p:pic>
+        <p:nvPicPr>
+          <p:cNvPr id="9" name="Picture 8"/>
+          <p:cNvPicPr>
+            <a:picLocks noChangeAspect="1"/>
+          </p:cNvPicPr>
+          <p:nvPr/>
+        </p:nvPicPr>
+        <p:blipFill>
+          <a:blip r:embed="rId4"/>
+          <a:stretch>
+            <a:fillRect/>
+          </a:stretch>
+        </p:blipFill>
+        <p:spPr>
+          <a:xfrm>
+            <a:off x="3779906" y="4785364"/>
+            <a:ext cx="3158987" cy="1647186"/>
+          </a:xfrm>
+          <a:prstGeom prst="rect">
+            <a:avLst/>
+          </a:prstGeom>
+          <a:ln>
+            <a:solidFill>
+              <a:schemeClr val="tx1"/>
+            </a:solidFill>
+          </a:ln>
+        </p:spPr>
+      </p:pic>
+    </p:spTree>
+    <p:extLst>
+      <p:ext uri="{BB962C8B-B14F-4D97-AF65-F5344CB8AC3E}">
+        <p14:creationId xmlns:p14="http://schemas.microsoft.com/office/powerpoint/2010/main" val="1033803285"/>
+      </p:ext>
+    </p:extLst>
+  </p:cSld>
+  <p:clrMapOvr>
+    <a:masterClrMapping/>
+  </p:clrMapOvr>
+</p:sld>
+</file>
+
+<file path=ppt/slides/slide43.xml><?xml version="1.0" encoding="utf-8"?>
+<p:sld xmlns:a="http://schemas.openxmlformats.org/drawingml/2006/main" xmlns:r="http://schemas.openxmlformats.org/officeDocument/2006/relationships" xmlns:p="http://schemas.openxmlformats.org/presentationml/2006/main">
+  <p:cSld>
+    <p:spTree>
+      <p:nvGrpSpPr>
+        <p:cNvPr id="1" name=""/>
+        <p:cNvGrpSpPr/>
+        <p:nvPr/>
+      </p:nvGrpSpPr>
+      <p:grpSpPr>
+        <a:xfrm>
+          <a:off x="0" y="0"/>
+          <a:ext cx="0" cy="0"/>
+          <a:chOff x="0" y="0"/>
+          <a:chExt cx="0" cy="0"/>
+        </a:xfrm>
+      </p:grpSpPr>
+      <p:sp>
+        <p:nvSpPr>
+          <p:cNvPr id="5" name="Title 4"/>
+          <p:cNvSpPr>
+            <a:spLocks noGrp="1"/>
+          </p:cNvSpPr>
+          <p:nvPr>
+            <p:ph type="title"/>
+          </p:nvPr>
+        </p:nvSpPr>
+        <p:spPr/>
+        <p:txBody>
+          <a:bodyPr/>
+          <a:lstStyle/>
+          <a:p>
+            <a:r>
+              <a:rPr lang="en-US" dirty="0" smtClean="0"/>
+              <a:t>Code Generation</a:t>
+            </a:r>
+            <a:endParaRPr lang="en-US" dirty="0"/>
+          </a:p>
+        </p:txBody>
+      </p:sp>
+      <p:sp>
+        <p:nvSpPr>
+          <p:cNvPr id="4" name="Content Placeholder 3"/>
+          <p:cNvSpPr>
+            <a:spLocks noGrp="1"/>
+          </p:cNvSpPr>
+          <p:nvPr>
+            <p:ph sz="half" idx="2"/>
+          </p:nvPr>
+        </p:nvSpPr>
+        <p:spPr>
+          <a:xfrm>
+            <a:off x="6019800" y="1719263"/>
+            <a:ext cx="2667000" cy="4411662"/>
+          </a:xfrm>
+        </p:spPr>
+        <p:txBody>
+          <a:bodyPr/>
+          <a:lstStyle/>
+          <a:p>
+            <a:r>
+              <a:rPr lang="en-US" sz="1400" dirty="0" smtClean="0"/>
+              <a:t>The while statement is probably the best example to see how the pair returned by generating code for an expression is used.</a:t>
+            </a:r>
+          </a:p>
+          <a:p>
+            <a:r>
+              <a:rPr lang="en-US" sz="1400" dirty="0" smtClean="0"/>
+              <a:t>Note that we first put the code for the expression into the output stream</a:t>
+            </a:r>
+          </a:p>
+          <a:p>
+            <a:r>
+              <a:rPr lang="en-US" sz="1400" dirty="0" smtClean="0"/>
+              <a:t>Then we use the location in the conditional jump instruction.</a:t>
+            </a:r>
+          </a:p>
+        </p:txBody>
+      </p:sp>
+      <p:pic>
+        <p:nvPicPr>
+          <p:cNvPr id="2" name="Picture 1"/>
+          <p:cNvPicPr>
+            <a:picLocks noChangeAspect="1"/>
+          </p:cNvPicPr>
+          <p:nvPr/>
+        </p:nvPicPr>
+        <p:blipFill>
+          <a:blip r:embed="rId2"/>
+          <a:stretch>
+            <a:fillRect/>
+          </a:stretch>
+        </p:blipFill>
+        <p:spPr>
+          <a:xfrm>
+            <a:off x="685800" y="1981200"/>
+            <a:ext cx="4229100" cy="3022600"/>
+          </a:xfrm>
+          <a:prstGeom prst="rect">
+            <a:avLst/>
+          </a:prstGeom>
+          <a:ln>
+            <a:solidFill>
+              <a:schemeClr val="tx1"/>
+            </a:solidFill>
+          </a:ln>
+        </p:spPr>
+      </p:pic>
+    </p:spTree>
+    <p:extLst>
+      <p:ext uri="{BB962C8B-B14F-4D97-AF65-F5344CB8AC3E}">
+        <p14:creationId xmlns:p14="http://schemas.microsoft.com/office/powerpoint/2010/main" val="1424999993"/>
+      </p:ext>
+    </p:extLst>
+  </p:cSld>
+  <p:clrMapOvr>
+    <a:masterClrMapping/>
+  </p:clrMapOvr>
 </p:sld>
 </file>
 
@@ -14193,7 +19942,7 @@
           </a:ln>
           <a:extLst>
             <a:ext uri="{909E8E84-426E-40dd-AFC4-6F175D3DCCD1}">
-              <a14:hiddenFill xmlns:a14="http://schemas.microsoft.com/office/drawing/2010/main" xmlns="">
+              <a14:hiddenFill xmlns="" xmlns:a14="http://schemas.microsoft.com/office/drawing/2010/main">
                 <a:solidFill>
                   <a:schemeClr val="accent1"/>
                 </a:solidFill>
@@ -14240,7 +19989,7 @@
           </a:ln>
           <a:extLst>
             <a:ext uri="{909E8E84-426E-40dd-AFC4-6F175D3DCCD1}">
-              <a14:hiddenFill xmlns:a14="http://schemas.microsoft.com/office/drawing/2010/main" xmlns="">
+              <a14:hiddenFill xmlns="" xmlns:a14="http://schemas.microsoft.com/office/drawing/2010/main">
                 <a:solidFill>
                   <a:schemeClr val="accent1"/>
                 </a:solidFill>
@@ -14287,7 +20036,7 @@
           </a:ln>
           <a:extLst>
             <a:ext uri="{909E8E84-426E-40dd-AFC4-6F175D3DCCD1}">
-              <a14:hiddenFill xmlns:a14="http://schemas.microsoft.com/office/drawing/2010/main" xmlns="">
+              <a14:hiddenFill xmlns="" xmlns:a14="http://schemas.microsoft.com/office/drawing/2010/main">
                 <a:solidFill>
                   <a:schemeClr val="accent1"/>
                 </a:solidFill>
@@ -14334,7 +20083,7 @@
           </a:ln>
           <a:extLst>
             <a:ext uri="{909E8E84-426E-40dd-AFC4-6F175D3DCCD1}">
-              <a14:hiddenFill xmlns:a14="http://schemas.microsoft.com/office/drawing/2010/main" xmlns="">
+              <a14:hiddenFill xmlns="" xmlns:a14="http://schemas.microsoft.com/office/drawing/2010/main">
                 <a:solidFill>
                   <a:schemeClr val="accent1"/>
                 </a:solidFill>
@@ -14381,7 +20130,7 @@
           </a:ln>
           <a:extLst>
             <a:ext uri="{909E8E84-426E-40dd-AFC4-6F175D3DCCD1}">
-              <a14:hiddenFill xmlns:a14="http://schemas.microsoft.com/office/drawing/2010/main" xmlns="">
+              <a14:hiddenFill xmlns="" xmlns:a14="http://schemas.microsoft.com/office/drawing/2010/main">
                 <a:solidFill>
                   <a:schemeClr val="accent1"/>
                 </a:solidFill>
@@ -14428,7 +20177,7 @@
           </a:ln>
           <a:extLst>
             <a:ext uri="{909E8E84-426E-40dd-AFC4-6F175D3DCCD1}">
-              <a14:hiddenFill xmlns:a14="http://schemas.microsoft.com/office/drawing/2010/main" xmlns="">
+              <a14:hiddenFill xmlns="" xmlns:a14="http://schemas.microsoft.com/office/drawing/2010/main">
                 <a:solidFill>
                   <a:schemeClr val="accent1"/>
                 </a:solidFill>
@@ -14509,14 +20258,14 @@
           </a:ln>
           <a:extLst>
             <a:ext uri="{909E8E84-426E-40dd-AFC4-6F175D3DCCD1}">
-              <a14:hiddenFill xmlns:a14="http://schemas.microsoft.com/office/drawing/2010/main" xmlns="">
+              <a14:hiddenFill xmlns="" xmlns:a14="http://schemas.microsoft.com/office/drawing/2010/main">
                 <a:solidFill>
                   <a:schemeClr val="accent1"/>
                 </a:solidFill>
               </a14:hiddenFill>
             </a:ext>
             <a:ext uri="{91240B29-F687-4f45-9708-019B960494DF}">
-              <a14:hiddenLine xmlns:a14="http://schemas.microsoft.com/office/drawing/2010/main" xmlns="" w="9525">
+              <a14:hiddenLine xmlns="" xmlns:a14="http://schemas.microsoft.com/office/drawing/2010/main" w="9525">
                 <a:solidFill>
                   <a:schemeClr val="tx1"/>
                 </a:solidFill>
@@ -14570,7 +20319,7 @@
           </a:ln>
           <a:extLst>
             <a:ext uri="{909E8E84-426E-40dd-AFC4-6F175D3DCCD1}">
-              <a14:hiddenFill xmlns:a14="http://schemas.microsoft.com/office/drawing/2010/main" xmlns="">
+              <a14:hiddenFill xmlns="" xmlns:a14="http://schemas.microsoft.com/office/drawing/2010/main">
                 <a:solidFill>
                   <a:schemeClr val="accent1"/>
                 </a:solidFill>
@@ -14608,14 +20357,14 @@
           </a:ln>
           <a:extLst>
             <a:ext uri="{909E8E84-426E-40dd-AFC4-6F175D3DCCD1}">
-              <a14:hiddenFill xmlns:a14="http://schemas.microsoft.com/office/drawing/2010/main" xmlns="">
+              <a14:hiddenFill xmlns="" xmlns:a14="http://schemas.microsoft.com/office/drawing/2010/main">
                 <a:solidFill>
                   <a:schemeClr val="accent1"/>
                 </a:solidFill>
               </a14:hiddenFill>
             </a:ext>
             <a:ext uri="{91240B29-F687-4f45-9708-019B960494DF}">
-              <a14:hiddenLine xmlns:a14="http://schemas.microsoft.com/office/drawing/2010/main" xmlns="" w="9525">
+              <a14:hiddenLine xmlns="" xmlns:a14="http://schemas.microsoft.com/office/drawing/2010/main" w="9525">
                 <a:solidFill>
                   <a:schemeClr val="tx1"/>
                 </a:solidFill>
@@ -14666,7 +20415,7 @@
           </a:ln>
           <a:extLst>
             <a:ext uri="{909E8E84-426E-40dd-AFC4-6F175D3DCCD1}">
-              <a14:hiddenFill xmlns:a14="http://schemas.microsoft.com/office/drawing/2010/main" xmlns="">
+              <a14:hiddenFill xmlns="" xmlns:a14="http://schemas.microsoft.com/office/drawing/2010/main">
                 <a:solidFill>
                   <a:schemeClr val="accent1"/>
                 </a:solidFill>
@@ -14822,11 +20571,7 @@
             </a:r>
             <a:r>
               <a:rPr lang="en-US" sz="1200" dirty="0" smtClean="0"/>
-              <a:t> </a:t>
-            </a:r>
-            <a:r>
-              <a:rPr lang="en-US" sz="1200" dirty="0" smtClean="0"/>
-              <a:t>store temp</a:t>
+              <a:t> store temp</a:t>
             </a:r>
             <a:endParaRPr lang="en-US" sz="1200" dirty="0"/>
           </a:p>
@@ -14901,7 +20646,7 @@
           </a:ln>
           <a:extLst>
             <a:ext uri="{909E8E84-426E-40dd-AFC4-6F175D3DCCD1}">
-              <a14:hiddenFill xmlns:a14="http://schemas.microsoft.com/office/drawing/2010/main" xmlns="">
+              <a14:hiddenFill xmlns="" xmlns:a14="http://schemas.microsoft.com/office/drawing/2010/main">
                 <a:solidFill>
                   <a:schemeClr val="accent1"/>
                 </a:solidFill>
@@ -15182,7 +20927,7 @@
           </a:ln>
           <a:extLst>
             <a:ext uri="{909E8E84-426E-40dd-AFC4-6F175D3DCCD1}">
-              <a14:hiddenFill xmlns:a14="http://schemas.microsoft.com/office/drawing/2010/main" xmlns="">
+              <a14:hiddenFill xmlns="" xmlns:a14="http://schemas.microsoft.com/office/drawing/2010/main">
                 <a:solidFill>
                   <a:schemeClr val="accent1"/>
                 </a:solidFill>
@@ -15423,14 +21168,14 @@
           </a:ln>
           <a:extLst>
             <a:ext uri="{909E8E84-426E-40dd-AFC4-6F175D3DCCD1}">
-              <a14:hiddenFill xmlns:a14="http://schemas.microsoft.com/office/drawing/2010/main" xmlns="">
+              <a14:hiddenFill xmlns="" xmlns:a14="http://schemas.microsoft.com/office/drawing/2010/main">
                 <a:solidFill>
                   <a:schemeClr val="accent1"/>
                 </a:solidFill>
               </a14:hiddenFill>
             </a:ext>
             <a:ext uri="{91240B29-F687-4f45-9708-019B960494DF}">
-              <a14:hiddenLine xmlns:a14="http://schemas.microsoft.com/office/drawing/2010/main" xmlns="" w="9525">
+              <a14:hiddenLine xmlns="" xmlns:a14="http://schemas.microsoft.com/office/drawing/2010/main" w="9525">
                 <a:solidFill>
                   <a:schemeClr val="tx1"/>
                 </a:solidFill>
@@ -15628,7 +21373,7 @@
           </a:ln>
           <a:extLst>
             <a:ext uri="{909E8E84-426E-40dd-AFC4-6F175D3DCCD1}">
-              <a14:hiddenFill xmlns:a14="http://schemas.microsoft.com/office/drawing/2010/main" xmlns="">
+              <a14:hiddenFill xmlns="" xmlns:a14="http://schemas.microsoft.com/office/drawing/2010/main">
                 <a:solidFill>
                   <a:schemeClr val="accent1"/>
                 </a:solidFill>
@@ -15675,7 +21420,7 @@
           </a:ln>
           <a:extLst>
             <a:ext uri="{909E8E84-426E-40dd-AFC4-6F175D3DCCD1}">
-              <a14:hiddenFill xmlns:a14="http://schemas.microsoft.com/office/drawing/2010/main" xmlns="">
+              <a14:hiddenFill xmlns="" xmlns:a14="http://schemas.microsoft.com/office/drawing/2010/main">
                 <a:solidFill>
                   <a:schemeClr val="accent1"/>
                 </a:solidFill>
@@ -15722,7 +21467,7 @@
           </a:ln>
           <a:extLst>
             <a:ext uri="{909E8E84-426E-40dd-AFC4-6F175D3DCCD1}">
-              <a14:hiddenFill xmlns:a14="http://schemas.microsoft.com/office/drawing/2010/main" xmlns="">
+              <a14:hiddenFill xmlns="" xmlns:a14="http://schemas.microsoft.com/office/drawing/2010/main">
                 <a:solidFill>
                   <a:schemeClr val="accent1"/>
                 </a:solidFill>
@@ -15769,7 +21514,7 @@
           </a:ln>
           <a:extLst>
             <a:ext uri="{909E8E84-426E-40dd-AFC4-6F175D3DCCD1}">
-              <a14:hiddenFill xmlns:a14="http://schemas.microsoft.com/office/drawing/2010/main" xmlns="">
+              <a14:hiddenFill xmlns="" xmlns:a14="http://schemas.microsoft.com/office/drawing/2010/main">
                 <a:solidFill>
                   <a:schemeClr val="accent1"/>
                 </a:solidFill>
@@ -15816,7 +21561,7 @@
           </a:ln>
           <a:extLst>
             <a:ext uri="{909E8E84-426E-40dd-AFC4-6F175D3DCCD1}">
-              <a14:hiddenFill xmlns:a14="http://schemas.microsoft.com/office/drawing/2010/main" xmlns="">
+              <a14:hiddenFill xmlns="" xmlns:a14="http://schemas.microsoft.com/office/drawing/2010/main">
                 <a:solidFill>
                   <a:schemeClr val="accent1"/>
                 </a:solidFill>
@@ -15897,14 +21642,14 @@
           </a:ln>
           <a:extLst>
             <a:ext uri="{909E8E84-426E-40dd-AFC4-6F175D3DCCD1}">
-              <a14:hiddenFill xmlns:a14="http://schemas.microsoft.com/office/drawing/2010/main" xmlns="">
+              <a14:hiddenFill xmlns="" xmlns:a14="http://schemas.microsoft.com/office/drawing/2010/main">
                 <a:solidFill>
                   <a:schemeClr val="accent1"/>
                 </a:solidFill>
               </a14:hiddenFill>
             </a:ext>
             <a:ext uri="{91240B29-F687-4f45-9708-019B960494DF}">
-              <a14:hiddenLine xmlns:a14="http://schemas.microsoft.com/office/drawing/2010/main" xmlns="" w="9525">
+              <a14:hiddenLine xmlns="" xmlns:a14="http://schemas.microsoft.com/office/drawing/2010/main" w="9525">
                 <a:solidFill>
                   <a:schemeClr val="tx1"/>
                 </a:solidFill>
@@ -15958,7 +21703,7 @@
           </a:ln>
           <a:extLst>
             <a:ext uri="{909E8E84-426E-40dd-AFC4-6F175D3DCCD1}">
-              <a14:hiddenFill xmlns:a14="http://schemas.microsoft.com/office/drawing/2010/main" xmlns="">
+              <a14:hiddenFill xmlns="" xmlns:a14="http://schemas.microsoft.com/office/drawing/2010/main">
                 <a:solidFill>
                   <a:schemeClr val="accent1"/>
                 </a:solidFill>
@@ -15996,14 +21741,14 @@
           </a:ln>
           <a:extLst>
             <a:ext uri="{909E8E84-426E-40dd-AFC4-6F175D3DCCD1}">
-              <a14:hiddenFill xmlns:a14="http://schemas.microsoft.com/office/drawing/2010/main" xmlns="">
+              <a14:hiddenFill xmlns="" xmlns:a14="http://schemas.microsoft.com/office/drawing/2010/main">
                 <a:solidFill>
                   <a:schemeClr val="accent1"/>
                 </a:solidFill>
               </a14:hiddenFill>
             </a:ext>
             <a:ext uri="{91240B29-F687-4f45-9708-019B960494DF}">
-              <a14:hiddenLine xmlns:a14="http://schemas.microsoft.com/office/drawing/2010/main" xmlns="" w="9525">
+              <a14:hiddenLine xmlns="" xmlns:a14="http://schemas.microsoft.com/office/drawing/2010/main" w="9525">
                 <a:solidFill>
                   <a:schemeClr val="tx1"/>
                 </a:solidFill>
@@ -16054,7 +21799,7 @@
           </a:ln>
           <a:extLst>
             <a:ext uri="{909E8E84-426E-40dd-AFC4-6F175D3DCCD1}">
-              <a14:hiddenFill xmlns:a14="http://schemas.microsoft.com/office/drawing/2010/main" xmlns="">
+              <a14:hiddenFill xmlns="" xmlns:a14="http://schemas.microsoft.com/office/drawing/2010/main">
                 <a:solidFill>
                   <a:schemeClr val="accent1"/>
                 </a:solidFill>
@@ -16184,15 +21929,7 @@
             </a:r>
             <a:r>
               <a:rPr lang="en-US" sz="1200" dirty="0" smtClean="0"/>
-              <a:t>; </a:t>
-            </a:r>
-            <a:r>
-              <a:rPr lang="en-US" sz="1200" dirty="0" smtClean="0"/>
-              <a:t> </a:t>
-            </a:r>
-            <a:r>
-              <a:rPr lang="en-US" sz="1200" dirty="0" smtClean="0"/>
-              <a:t># </a:t>
+              <a:t>;  # </a:t>
             </a:r>
             <a:r>
               <a:rPr lang="en-US" sz="1200" dirty="0" err="1" smtClean="0"/>
@@ -16200,11 +21937,7 @@
             </a:r>
             <a:r>
               <a:rPr lang="en-US" sz="1200" dirty="0" smtClean="0"/>
-              <a:t> </a:t>
-            </a:r>
-            <a:r>
-              <a:rPr lang="en-US" sz="1200" dirty="0" smtClean="0"/>
-              <a:t>value into temp</a:t>
+              <a:t> value into temp</a:t>
             </a:r>
             <a:endParaRPr lang="en-US" sz="1200" dirty="0"/>
           </a:p>
@@ -16274,14 +22007,14 @@
           </a:ln>
           <a:extLst>
             <a:ext uri="{909E8E84-426E-40dd-AFC4-6F175D3DCCD1}">
-              <a14:hiddenFill xmlns:a14="http://schemas.microsoft.com/office/drawing/2010/main" xmlns="">
+              <a14:hiddenFill xmlns="" xmlns:a14="http://schemas.microsoft.com/office/drawing/2010/main">
                 <a:solidFill>
                   <a:schemeClr val="accent1"/>
                 </a:solidFill>
               </a14:hiddenFill>
             </a:ext>
             <a:ext uri="{91240B29-F687-4f45-9708-019B960494DF}">
-              <a14:hiddenLine xmlns:a14="http://schemas.microsoft.com/office/drawing/2010/main" xmlns="" w="9525">
+              <a14:hiddenLine xmlns="" xmlns:a14="http://schemas.microsoft.com/office/drawing/2010/main" w="9525">
                 <a:solidFill>
                   <a:schemeClr val="tx1"/>
                 </a:solidFill>
@@ -16335,7 +22068,7 @@
           </a:ln>
           <a:extLst>
             <a:ext uri="{909E8E84-426E-40dd-AFC4-6F175D3DCCD1}">
-              <a14:hiddenFill xmlns:a14="http://schemas.microsoft.com/office/drawing/2010/main" xmlns="">
+              <a14:hiddenFill xmlns="" xmlns:a14="http://schemas.microsoft.com/office/drawing/2010/main">
                 <a:solidFill>
                   <a:schemeClr val="accent1"/>
                 </a:solidFill>
@@ -16373,14 +22106,14 @@
           </a:ln>
           <a:extLst>
             <a:ext uri="{909E8E84-426E-40dd-AFC4-6F175D3DCCD1}">
-              <a14:hiddenFill xmlns:a14="http://schemas.microsoft.com/office/drawing/2010/main" xmlns="">
+              <a14:hiddenFill xmlns="" xmlns:a14="http://schemas.microsoft.com/office/drawing/2010/main">
                 <a:solidFill>
                   <a:schemeClr val="accent1"/>
                 </a:solidFill>
               </a14:hiddenFill>
             </a:ext>
             <a:ext uri="{91240B29-F687-4f45-9708-019B960494DF}">
-              <a14:hiddenLine xmlns:a14="http://schemas.microsoft.com/office/drawing/2010/main" xmlns="" w="9525">
+              <a14:hiddenLine xmlns="" xmlns:a14="http://schemas.microsoft.com/office/drawing/2010/main" w="9525">
                 <a:solidFill>
                   <a:schemeClr val="tx1"/>
                 </a:solidFill>
@@ -16440,14 +22173,14 @@
           </a:ln>
           <a:extLst>
             <a:ext uri="{909E8E84-426E-40dd-AFC4-6F175D3DCCD1}">
-              <a14:hiddenFill xmlns:a14="http://schemas.microsoft.com/office/drawing/2010/main" xmlns="">
+              <a14:hiddenFill xmlns="" xmlns:a14="http://schemas.microsoft.com/office/drawing/2010/main">
                 <a:solidFill>
                   <a:schemeClr val="accent1"/>
                 </a:solidFill>
               </a14:hiddenFill>
             </a:ext>
             <a:ext uri="{91240B29-F687-4f45-9708-019B960494DF}">
-              <a14:hiddenLine xmlns:a14="http://schemas.microsoft.com/office/drawing/2010/main" xmlns="" w="9525">
+              <a14:hiddenLine xmlns="" xmlns:a14="http://schemas.microsoft.com/office/drawing/2010/main" w="9525">
                 <a:solidFill>
                   <a:schemeClr val="tx1"/>
                 </a:solidFill>
@@ -16537,7 +22270,7 @@
           </a:ln>
           <a:extLst>
             <a:ext uri="{909E8E84-426E-40dd-AFC4-6F175D3DCCD1}">
-              <a14:hiddenFill xmlns:a14="http://schemas.microsoft.com/office/drawing/2010/main" xmlns="">
+              <a14:hiddenFill xmlns="" xmlns:a14="http://schemas.microsoft.com/office/drawing/2010/main">
                 <a:solidFill>
                   <a:schemeClr val="accent1"/>
                 </a:solidFill>
@@ -16680,7 +22413,7 @@
           </a:ln>
           <a:extLst>
             <a:ext uri="{909E8E84-426E-40dd-AFC4-6F175D3DCCD1}">
-              <a14:hiddenFill xmlns:a14="http://schemas.microsoft.com/office/drawing/2010/main" xmlns="">
+              <a14:hiddenFill xmlns="" xmlns:a14="http://schemas.microsoft.com/office/drawing/2010/main">
                 <a:solidFill>
                   <a:schemeClr val="accent1"/>
                 </a:solidFill>
@@ -16807,7 +22540,7 @@
           </a:ln>
           <a:extLst>
             <a:ext uri="{909E8E84-426E-40dd-AFC4-6F175D3DCCD1}">
-              <a14:hiddenFill xmlns:a14="http://schemas.microsoft.com/office/drawing/2010/main" xmlns="">
+              <a14:hiddenFill xmlns="" xmlns:a14="http://schemas.microsoft.com/office/drawing/2010/main">
                 <a:solidFill>
                   <a:schemeClr val="accent1"/>
                 </a:solidFill>
@@ -16937,14 +22670,14 @@
           </a:ln>
           <a:extLst>
             <a:ext uri="{909E8E84-426E-40dd-AFC4-6F175D3DCCD1}">
-              <a14:hiddenFill xmlns:a14="http://schemas.microsoft.com/office/drawing/2010/main" xmlns="">
+              <a14:hiddenFill xmlns="" xmlns:a14="http://schemas.microsoft.com/office/drawing/2010/main">
                 <a:solidFill>
                   <a:schemeClr val="accent1"/>
                 </a:solidFill>
               </a14:hiddenFill>
             </a:ext>
             <a:ext uri="{91240B29-F687-4f45-9708-019B960494DF}">
-              <a14:hiddenLine xmlns:a14="http://schemas.microsoft.com/office/drawing/2010/main" xmlns="" w="9525">
+              <a14:hiddenLine xmlns="" xmlns:a14="http://schemas.microsoft.com/office/drawing/2010/main" w="9525">
                 <a:solidFill>
                   <a:schemeClr val="tx1"/>
                 </a:solidFill>
@@ -17370,7 +23103,7 @@
         <a:effectLst/>
         <a:extLst>
           <a:ext uri="{AF507438-7753-43e0-B8FC-AC1667EBCBE1}">
-            <a14:hiddenEffects xmlns:a14="http://schemas.microsoft.com/office/drawing/2010/main" xmlns="">
+            <a14:hiddenEffects xmlns="" xmlns:a14="http://schemas.microsoft.com/office/drawing/2010/main">
               <a:effectLst>
                 <a:outerShdw blurRad="63500" dist="38099" dir="2700000" algn="ctr" rotWithShape="0">
                   <a:schemeClr val="bg2">
@@ -17447,7 +23180,7 @@
         <a:effectLst/>
         <a:extLst>
           <a:ext uri="{AF507438-7753-43e0-B8FC-AC1667EBCBE1}">
-            <a14:hiddenEffects xmlns:a14="http://schemas.microsoft.com/office/drawing/2010/main" xmlns="">
+            <a14:hiddenEffects xmlns="" xmlns:a14="http://schemas.microsoft.com/office/drawing/2010/main">
               <a:effectLst>
                 <a:outerShdw blurRad="63500" dist="38099" dir="2700000" algn="ctr" rotWithShape="0">
                   <a:schemeClr val="bg2">
